--- a/Intro To Survival Analysis.pptx
+++ b/Intro To Survival Analysis.pptx
@@ -1,11 +1,11 @@
 
 <file path=ppt/presentation.xml><?xml version="1.0" encoding="utf-8"?>
-<p:presentation xmlns:a="http://schemas.openxmlformats.org/drawingml/2006/main" xmlns:r="http://schemas.openxmlformats.org/officeDocument/2006/relationships" xmlns:p="http://schemas.openxmlformats.org/presentationml/2006/main" showSpecialPlsOnTitleSld="0" strictFirstAndLastChars="0" embedTrueTypeFonts="1" saveSubsetFonts="1" autoCompressPictures="0">
+<p:presentation xmlns:a="http://schemas.openxmlformats.org/drawingml/2006/main" xmlns:r="http://schemas.openxmlformats.org/officeDocument/2006/relationships" xmlns:p="http://schemas.openxmlformats.org/presentationml/2006/main" showSpecialPlsOnTitleSld="0" strictFirstAndLastChars="0" embedTrueTypeFonts="1" autoCompressPictures="0">
   <p:sldMasterIdLst>
     <p:sldMasterId id="2147483659" r:id="rId1"/>
   </p:sldMasterIdLst>
   <p:notesMasterIdLst>
-    <p:notesMasterId r:id="rId13"/>
+    <p:notesMasterId r:id="rId12"/>
   </p:notesMasterIdLst>
   <p:sldIdLst>
     <p:sldId id="256" r:id="rId2"/>
@@ -17,25 +17,24 @@
     <p:sldId id="263" r:id="rId8"/>
     <p:sldId id="268" r:id="rId9"/>
     <p:sldId id="269" r:id="rId10"/>
-    <p:sldId id="270" r:id="rId11"/>
-    <p:sldId id="271" r:id="rId12"/>
+    <p:sldId id="271" r:id="rId11"/>
   </p:sldIdLst>
-  <p:sldSz cx="9144000" cy="5143500" type="screen16x9"/>
+  <p:sldSz cx="6858000" cy="5143500"/>
   <p:notesSz cx="6858000" cy="9144000"/>
   <p:embeddedFontLst>
     <p:embeddedFont>
       <p:font typeface="Calibri" panose="020F0502020204030204" pitchFamily="34" charset="0"/>
-      <p:regular r:id="rId14"/>
-      <p:bold r:id="rId15"/>
-      <p:italic r:id="rId16"/>
-      <p:boldItalic r:id="rId17"/>
+      <p:regular r:id="rId13"/>
+      <p:bold r:id="rId14"/>
+      <p:italic r:id="rId15"/>
+      <p:boldItalic r:id="rId16"/>
     </p:embeddedFont>
     <p:embeddedFont>
-      <p:font typeface="Nunito" panose="020B0604020202020204" charset="0"/>
-      <p:regular r:id="rId18"/>
-      <p:bold r:id="rId19"/>
-      <p:italic r:id="rId20"/>
-      <p:boldItalic r:id="rId21"/>
+      <p:font typeface="Nunito" pitchFamily="2" charset="77"/>
+      <p:regular r:id="rId17"/>
+      <p:bold r:id="rId18"/>
+      <p:italic r:id="rId19"/>
+      <p:boldItalic r:id="rId20"/>
     </p:embeddedFont>
   </p:embeddedFontLst>
   <p:defaultTextStyle>
@@ -270,12 +269,12 @@
   <p:extLst>
     <p:ext uri="{EFAFB233-063F-42B5-8137-9DF3F51BA10A}">
       <p15:sldGuideLst xmlns:p15="http://schemas.microsoft.com/office/powerpoint/2012/main">
-        <p15:guide id="1" orient="horz" pos="1620">
+        <p15:guide id="1" orient="horz" pos="1620" userDrawn="1">
           <p15:clr>
             <a:srgbClr val="A4A3A4"/>
           </p15:clr>
         </p15:guide>
-        <p15:guide id="2" pos="2880">
+        <p15:guide id="2" pos="2160" userDrawn="1">
           <p15:clr>
             <a:srgbClr val="A4A3A4"/>
           </p15:clr>
@@ -320,8 +319,8 @@
         </p:nvSpPr>
         <p:spPr>
           <a:xfrm>
-            <a:off x="381300" y="685800"/>
-            <a:ext cx="6096075" cy="3429000"/>
+            <a:off x="1143000" y="685800"/>
+            <a:ext cx="4572000" cy="3429000"/>
           </a:xfrm>
           <a:custGeom>
             <a:avLst/>
@@ -754,8 +753,8 @@
         </p:nvSpPr>
         <p:spPr>
           <a:xfrm>
-            <a:off x="381300" y="685800"/>
-            <a:ext cx="6096075" cy="3429000"/>
+            <a:off x="1143000" y="685800"/>
+            <a:ext cx="4572000" cy="3429000"/>
           </a:xfrm>
           <a:custGeom>
             <a:avLst/>
@@ -862,8 +861,8 @@
         </p:nvSpPr>
         <p:spPr>
           <a:xfrm>
-            <a:off x="381300" y="685800"/>
-            <a:ext cx="6096000" cy="3429000"/>
+            <a:off x="1143000" y="685800"/>
+            <a:ext cx="4572000" cy="3429000"/>
           </a:xfrm>
           <a:custGeom>
             <a:avLst/>
@@ -966,8 +965,8 @@
         </p:nvSpPr>
         <p:spPr>
           <a:xfrm>
-            <a:off x="381300" y="685800"/>
-            <a:ext cx="6096000" cy="3429000"/>
+            <a:off x="1143000" y="685800"/>
+            <a:ext cx="4572000" cy="3429000"/>
           </a:xfrm>
           <a:custGeom>
             <a:avLst/>
@@ -1070,8 +1069,8 @@
         </p:nvSpPr>
         <p:spPr>
           <a:xfrm>
-            <a:off x="381300" y="685800"/>
-            <a:ext cx="6096000" cy="3429000"/>
+            <a:off x="1143000" y="685800"/>
+            <a:ext cx="4572000" cy="3429000"/>
           </a:xfrm>
           <a:custGeom>
             <a:avLst/>
@@ -1174,8 +1173,8 @@
         </p:nvSpPr>
         <p:spPr>
           <a:xfrm>
-            <a:off x="381300" y="685800"/>
-            <a:ext cx="6096000" cy="3429000"/>
+            <a:off x="1143000" y="685800"/>
+            <a:ext cx="4572000" cy="3429000"/>
           </a:xfrm>
           <a:custGeom>
             <a:avLst/>
@@ -1278,8 +1277,8 @@
         </p:nvSpPr>
         <p:spPr>
           <a:xfrm>
-            <a:off x="381000" y="685800"/>
-            <a:ext cx="6096000" cy="3429000"/>
+            <a:off x="1143000" y="685800"/>
+            <a:ext cx="4572000" cy="3429000"/>
           </a:xfrm>
           <a:custGeom>
             <a:avLst/>
@@ -1382,8 +1381,8 @@
         </p:nvSpPr>
         <p:spPr>
           <a:xfrm>
-            <a:off x="381000" y="685800"/>
-            <a:ext cx="6096000" cy="3429000"/>
+            <a:off x="1143000" y="685800"/>
+            <a:ext cx="4572000" cy="3429000"/>
           </a:xfrm>
           <a:custGeom>
             <a:avLst/>
@@ -1486,8 +1485,8 @@
         </p:nvSpPr>
         <p:spPr>
           <a:xfrm>
-            <a:off x="381000" y="685800"/>
-            <a:ext cx="6096000" cy="3429000"/>
+            <a:off x="1143000" y="685800"/>
+            <a:ext cx="4572000" cy="3429000"/>
           </a:xfrm>
           <a:custGeom>
             <a:avLst/>
@@ -1594,8 +1593,8 @@
         </p:nvSpPr>
         <p:spPr>
           <a:xfrm>
-            <a:off x="31" y="2824500"/>
-            <a:ext cx="7370400" cy="2319000"/>
+            <a:off x="23" y="2824500"/>
+            <a:ext cx="5527800" cy="2319000"/>
           </a:xfrm>
           <a:prstGeom prst="rtTriangle">
             <a:avLst/>
@@ -1608,7 +1607,7 @@
           </a:ln>
         </p:spPr>
         <p:txBody>
-          <a:bodyPr spcFirstLastPara="1" wrap="square" lIns="91425" tIns="91425" rIns="91425" bIns="91425" anchor="ctr" anchorCtr="0">
+          <a:bodyPr spcFirstLastPara="1" wrap="square" lIns="68569" tIns="68569" rIns="68569" bIns="68569" anchor="ctr" anchorCtr="0">
             <a:noAutofit/>
           </a:bodyPr>
           <a:lstStyle/>
@@ -1622,7 +1621,7 @@
               </a:spcAft>
               <a:buNone/>
             </a:pPr>
-            <a:endParaRPr/>
+            <a:endParaRPr sz="1050"/>
           </a:p>
         </p:txBody>
       </p:sp>
@@ -1634,8 +1633,8 @@
         </p:nvSpPr>
         <p:spPr>
           <a:xfrm flipH="1">
-            <a:off x="3582600" y="1550700"/>
-            <a:ext cx="5561400" cy="3592800"/>
+            <a:off x="2686950" y="1550700"/>
+            <a:ext cx="4171050" cy="3592800"/>
           </a:xfrm>
           <a:prstGeom prst="rtTriangle">
             <a:avLst/>
@@ -1648,7 +1647,7 @@
           </a:ln>
         </p:spPr>
         <p:txBody>
-          <a:bodyPr spcFirstLastPara="1" wrap="square" lIns="91425" tIns="91425" rIns="91425" bIns="91425" anchor="ctr" anchorCtr="0">
+          <a:bodyPr spcFirstLastPara="1" wrap="square" lIns="68569" tIns="68569" rIns="68569" bIns="68569" anchor="ctr" anchorCtr="0">
             <a:noAutofit/>
           </a:bodyPr>
           <a:lstStyle/>
@@ -1662,7 +1661,7 @@
               </a:spcAft>
               <a:buNone/>
             </a:pPr>
-            <a:endParaRPr/>
+            <a:endParaRPr sz="1050"/>
           </a:p>
         </p:txBody>
       </p:sp>
@@ -1674,8 +1673,8 @@
         </p:nvSpPr>
         <p:spPr>
           <a:xfrm rot="10800000">
-            <a:off x="5058905" y="0"/>
-            <a:ext cx="4085100" cy="2052600"/>
+            <a:off x="3794179" y="0"/>
+            <a:ext cx="3063825" cy="2052600"/>
           </a:xfrm>
           <a:prstGeom prst="rtTriangle">
             <a:avLst/>
@@ -1688,7 +1687,7 @@
           </a:ln>
         </p:spPr>
         <p:txBody>
-          <a:bodyPr spcFirstLastPara="1" wrap="square" lIns="91425" tIns="91425" rIns="91425" bIns="91425" anchor="ctr" anchorCtr="0">
+          <a:bodyPr spcFirstLastPara="1" wrap="square" lIns="68569" tIns="68569" rIns="68569" bIns="68569" anchor="ctr" anchorCtr="0">
             <a:noAutofit/>
           </a:bodyPr>
           <a:lstStyle/>
@@ -1702,7 +1701,7 @@
               </a:spcAft>
               <a:buNone/>
             </a:pPr>
-            <a:endParaRPr/>
+            <a:endParaRPr sz="1050"/>
           </a:p>
         </p:txBody>
       </p:sp>
@@ -1714,8 +1713,8 @@
         </p:nvSpPr>
         <p:spPr>
           <a:xfrm>
-            <a:off x="203275" y="206250"/>
-            <a:ext cx="8737500" cy="4731000"/>
+            <a:off x="152456" y="206250"/>
+            <a:ext cx="6553125" cy="4731000"/>
           </a:xfrm>
           <a:prstGeom prst="rect">
             <a:avLst/>
@@ -1735,7 +1734,7 @@
           </a:effectLst>
         </p:spPr>
         <p:txBody>
-          <a:bodyPr spcFirstLastPara="1" wrap="square" lIns="91425" tIns="91425" rIns="91425" bIns="91425" anchor="ctr" anchorCtr="0">
+          <a:bodyPr spcFirstLastPara="1" wrap="square" lIns="68569" tIns="68569" rIns="68569" bIns="68569" anchor="ctr" anchorCtr="0">
             <a:noAutofit/>
           </a:bodyPr>
           <a:lstStyle/>
@@ -1749,7 +1748,7 @@
               </a:spcAft>
               <a:buNone/>
             </a:pPr>
-            <a:endParaRPr/>
+            <a:endParaRPr sz="1050"/>
           </a:p>
         </p:txBody>
       </p:sp>
@@ -1761,8 +1760,8 @@
         </p:nvGrpSpPr>
         <p:grpSpPr>
           <a:xfrm>
-            <a:off x="255200" y="592"/>
-            <a:ext cx="2250363" cy="1044300"/>
+            <a:off x="191401" y="592"/>
+            <a:ext cx="1687772" cy="1044300"/>
             <a:chOff x="255200" y="592"/>
             <a:chExt cx="2250363" cy="1044300"/>
           </a:xfrm>
@@ -1805,7 +1804,7 @@
                 </a:spcAft>
                 <a:buNone/>
               </a:pPr>
-              <a:endParaRPr/>
+              <a:endParaRPr sz="1050"/>
             </a:p>
           </p:txBody>
         </p:sp>
@@ -1847,7 +1846,7 @@
                 </a:spcAft>
                 <a:buNone/>
               </a:pPr>
-              <a:endParaRPr/>
+              <a:endParaRPr sz="1050"/>
             </a:p>
           </p:txBody>
         </p:sp>
@@ -1889,7 +1888,7 @@
                 </a:spcAft>
                 <a:buNone/>
               </a:pPr>
-              <a:endParaRPr/>
+              <a:endParaRPr sz="1050"/>
             </a:p>
           </p:txBody>
         </p:sp>
@@ -1902,8 +1901,8 @@
         </p:nvGrpSpPr>
         <p:grpSpPr>
           <a:xfrm>
-            <a:off x="905395" y="592"/>
-            <a:ext cx="2250363" cy="1044300"/>
+            <a:off x="679047" y="592"/>
+            <a:ext cx="1687772" cy="1044300"/>
             <a:chOff x="905395" y="592"/>
             <a:chExt cx="2250363" cy="1044300"/>
           </a:xfrm>
@@ -1946,7 +1945,7 @@
                 </a:spcAft>
                 <a:buNone/>
               </a:pPr>
-              <a:endParaRPr/>
+              <a:endParaRPr sz="1050"/>
             </a:p>
           </p:txBody>
         </p:sp>
@@ -1988,7 +1987,7 @@
                 </a:spcAft>
                 <a:buNone/>
               </a:pPr>
-              <a:endParaRPr/>
+              <a:endParaRPr sz="1050"/>
             </a:p>
           </p:txBody>
         </p:sp>
@@ -2030,7 +2029,7 @@
                 </a:spcAft>
                 <a:buNone/>
               </a:pPr>
-              <a:endParaRPr/>
+              <a:endParaRPr sz="1050"/>
             </a:p>
           </p:txBody>
         </p:sp>
@@ -2043,8 +2042,8 @@
         </p:nvGrpSpPr>
         <p:grpSpPr>
           <a:xfrm>
-            <a:off x="7057468" y="5088"/>
-            <a:ext cx="1851282" cy="752108"/>
+            <a:off x="5293101" y="5088"/>
+            <a:ext cx="1388462" cy="752108"/>
             <a:chOff x="6917201" y="0"/>
             <a:chExt cx="2227777" cy="863400"/>
           </a:xfrm>
@@ -2087,7 +2086,7 @@
                 </a:spcAft>
                 <a:buNone/>
               </a:pPr>
-              <a:endParaRPr/>
+              <a:endParaRPr sz="1050"/>
             </a:p>
           </p:txBody>
         </p:sp>
@@ -2129,7 +2128,7 @@
                 </a:spcAft>
                 <a:buNone/>
               </a:pPr>
-              <a:endParaRPr/>
+              <a:endParaRPr sz="1050"/>
             </a:p>
           </p:txBody>
         </p:sp>
@@ -2171,7 +2170,7 @@
                 </a:spcAft>
                 <a:buNone/>
               </a:pPr>
-              <a:endParaRPr/>
+              <a:endParaRPr sz="1050"/>
             </a:p>
           </p:txBody>
         </p:sp>
@@ -2184,8 +2183,8 @@
         </p:nvGrpSpPr>
         <p:grpSpPr>
           <a:xfrm>
-            <a:off x="6553032" y="4217852"/>
-            <a:ext cx="2389068" cy="925737"/>
+            <a:off x="4914774" y="4217853"/>
+            <a:ext cx="1791801" cy="925737"/>
             <a:chOff x="6917201" y="0"/>
             <a:chExt cx="2227777" cy="863400"/>
           </a:xfrm>
@@ -2228,7 +2227,7 @@
                 </a:spcAft>
                 <a:buNone/>
               </a:pPr>
-              <a:endParaRPr/>
+              <a:endParaRPr sz="1050"/>
             </a:p>
           </p:txBody>
         </p:sp>
@@ -2270,7 +2269,7 @@
                 </a:spcAft>
                 <a:buNone/>
               </a:pPr>
-              <a:endParaRPr/>
+              <a:endParaRPr sz="1050"/>
             </a:p>
           </p:txBody>
         </p:sp>
@@ -2312,7 +2311,7 @@
                 </a:spcAft>
                 <a:buNone/>
               </a:pPr>
-              <a:endParaRPr/>
+              <a:endParaRPr sz="1050"/>
             </a:p>
           </p:txBody>
         </p:sp>
@@ -2325,8 +2324,8 @@
         </p:nvGrpSpPr>
         <p:grpSpPr>
           <a:xfrm>
-            <a:off x="199149" y="4055652"/>
-            <a:ext cx="2795414" cy="1083308"/>
+            <a:off x="149362" y="4055652"/>
+            <a:ext cx="2096561" cy="1083308"/>
             <a:chOff x="6917201" y="0"/>
             <a:chExt cx="2227777" cy="863400"/>
           </a:xfrm>
@@ -2369,7 +2368,7 @@
                 </a:spcAft>
                 <a:buNone/>
               </a:pPr>
-              <a:endParaRPr/>
+              <a:endParaRPr sz="1050"/>
             </a:p>
           </p:txBody>
         </p:sp>
@@ -2411,7 +2410,7 @@
                 </a:spcAft>
                 <a:buNone/>
               </a:pPr>
-              <a:endParaRPr/>
+              <a:endParaRPr sz="1050"/>
             </a:p>
           </p:txBody>
         </p:sp>
@@ -2453,7 +2452,7 @@
                 </a:spcAft>
                 <a:buNone/>
               </a:pPr>
-              <a:endParaRPr/>
+              <a:endParaRPr sz="1050"/>
             </a:p>
           </p:txBody>
         </p:sp>
@@ -2470,8 +2469,8 @@
         </p:nvSpPr>
         <p:spPr>
           <a:xfrm>
-            <a:off x="1858703" y="1822833"/>
-            <a:ext cx="5361300" cy="1448100"/>
+            <a:off x="1394027" y="1822833"/>
+            <a:ext cx="4020975" cy="1448100"/>
           </a:xfrm>
           <a:prstGeom prst="rect">
             <a:avLst/>
@@ -2489,7 +2488,7 @@
               </a:spcAft>
               <a:buSzPts val="3800"/>
               <a:buNone/>
-              <a:defRPr sz="3800"/>
+              <a:defRPr sz="2850"/>
             </a:lvl1pPr>
             <a:lvl2pPr lvl="1" algn="ctr">
               <a:spcBef>
@@ -2500,7 +2499,7 @@
               </a:spcAft>
               <a:buSzPts val="3800"/>
               <a:buNone/>
-              <a:defRPr sz="3800"/>
+              <a:defRPr sz="2850"/>
             </a:lvl2pPr>
             <a:lvl3pPr lvl="2" algn="ctr">
               <a:spcBef>
@@ -2511,7 +2510,7 @@
               </a:spcAft>
               <a:buSzPts val="3800"/>
               <a:buNone/>
-              <a:defRPr sz="3800"/>
+              <a:defRPr sz="2850"/>
             </a:lvl3pPr>
             <a:lvl4pPr lvl="3" algn="ctr">
               <a:spcBef>
@@ -2522,7 +2521,7 @@
               </a:spcAft>
               <a:buSzPts val="3800"/>
               <a:buNone/>
-              <a:defRPr sz="3800"/>
+              <a:defRPr sz="2850"/>
             </a:lvl4pPr>
             <a:lvl5pPr lvl="4" algn="ctr">
               <a:spcBef>
@@ -2533,7 +2532,7 @@
               </a:spcAft>
               <a:buSzPts val="3800"/>
               <a:buNone/>
-              <a:defRPr sz="3800"/>
+              <a:defRPr sz="2850"/>
             </a:lvl5pPr>
             <a:lvl6pPr lvl="5" algn="ctr">
               <a:spcBef>
@@ -2544,7 +2543,7 @@
               </a:spcAft>
               <a:buSzPts val="3800"/>
               <a:buNone/>
-              <a:defRPr sz="3800"/>
+              <a:defRPr sz="2850"/>
             </a:lvl6pPr>
             <a:lvl7pPr lvl="6" algn="ctr">
               <a:spcBef>
@@ -2555,7 +2554,7 @@
               </a:spcAft>
               <a:buSzPts val="3800"/>
               <a:buNone/>
-              <a:defRPr sz="3800"/>
+              <a:defRPr sz="2850"/>
             </a:lvl7pPr>
             <a:lvl8pPr lvl="7" algn="ctr">
               <a:spcBef>
@@ -2566,7 +2565,7 @@
               </a:spcAft>
               <a:buSzPts val="3800"/>
               <a:buNone/>
-              <a:defRPr sz="3800"/>
+              <a:defRPr sz="2850"/>
             </a:lvl8pPr>
             <a:lvl9pPr lvl="8" algn="ctr">
               <a:spcBef>
@@ -2577,7 +2576,7 @@
               </a:spcAft>
               <a:buSzPts val="3800"/>
               <a:buNone/>
-              <a:defRPr sz="3800"/>
+              <a:defRPr sz="2850"/>
             </a:lvl9pPr>
           </a:lstStyle>
           <a:p>
@@ -2597,8 +2596,8 @@
         </p:nvSpPr>
         <p:spPr>
           <a:xfrm>
-            <a:off x="1858700" y="3413158"/>
-            <a:ext cx="5361300" cy="522600"/>
+            <a:off x="1394025" y="3413158"/>
+            <a:ext cx="4020975" cy="522600"/>
           </a:xfrm>
           <a:prstGeom prst="rect">
             <a:avLst/>
@@ -2622,7 +2621,7 @@
               </a:buClr>
               <a:buSzPts val="1600"/>
               <a:buNone/>
-              <a:defRPr sz="1600">
+              <a:defRPr sz="1200">
                 <a:solidFill>
                   <a:schemeClr val="lt1"/>
                 </a:solidFill>
@@ -2643,7 +2642,7 @@
               </a:buClr>
               <a:buSzPts val="1600"/>
               <a:buNone/>
-              <a:defRPr sz="1600">
+              <a:defRPr sz="1200">
                 <a:solidFill>
                   <a:schemeClr val="lt1"/>
                 </a:solidFill>
@@ -2664,7 +2663,7 @@
               </a:buClr>
               <a:buSzPts val="1600"/>
               <a:buNone/>
-              <a:defRPr sz="1600">
+              <a:defRPr sz="1200">
                 <a:solidFill>
                   <a:schemeClr val="lt1"/>
                 </a:solidFill>
@@ -2685,7 +2684,7 @@
               </a:buClr>
               <a:buSzPts val="1600"/>
               <a:buNone/>
-              <a:defRPr sz="1600">
+              <a:defRPr sz="1200">
                 <a:solidFill>
                   <a:schemeClr val="lt1"/>
                 </a:solidFill>
@@ -2706,7 +2705,7 @@
               </a:buClr>
               <a:buSzPts val="1600"/>
               <a:buNone/>
-              <a:defRPr sz="1600">
+              <a:defRPr sz="1200">
                 <a:solidFill>
                   <a:schemeClr val="lt1"/>
                 </a:solidFill>
@@ -2727,7 +2726,7 @@
               </a:buClr>
               <a:buSzPts val="1600"/>
               <a:buNone/>
-              <a:defRPr sz="1600">
+              <a:defRPr sz="1200">
                 <a:solidFill>
                   <a:schemeClr val="lt1"/>
                 </a:solidFill>
@@ -2748,7 +2747,7 @@
               </a:buClr>
               <a:buSzPts val="1600"/>
               <a:buNone/>
-              <a:defRPr sz="1600">
+              <a:defRPr sz="1200">
                 <a:solidFill>
                   <a:schemeClr val="lt1"/>
                 </a:solidFill>
@@ -2769,7 +2768,7 @@
               </a:buClr>
               <a:buSzPts val="1600"/>
               <a:buNone/>
-              <a:defRPr sz="1600">
+              <a:defRPr sz="1200">
                 <a:solidFill>
                   <a:schemeClr val="lt1"/>
                 </a:solidFill>
@@ -2790,7 +2789,7 @@
               </a:buClr>
               <a:buSzPts val="1600"/>
               <a:buNone/>
-              <a:defRPr sz="1600">
+              <a:defRPr sz="1200">
                 <a:solidFill>
                   <a:schemeClr val="lt1"/>
                 </a:solidFill>
@@ -2814,8 +2813,8 @@
         </p:nvSpPr>
         <p:spPr>
           <a:xfrm>
-            <a:off x="8390734" y="4543668"/>
-            <a:ext cx="548700" cy="393600"/>
+            <a:off x="6293051" y="4543668"/>
+            <a:ext cx="411525" cy="393600"/>
           </a:xfrm>
           <a:prstGeom prst="rect">
             <a:avLst/>
@@ -2864,20 +2863,12 @@
             </a:lvl9pPr>
           </a:lstStyle>
           <a:p>
-            <a:pPr marL="0" lvl="0" indent="0" algn="r" rtl="0">
-              <a:spcBef>
-                <a:spcPts val="0"/>
-              </a:spcBef>
-              <a:spcAft>
-                <a:spcPts val="0"/>
-              </a:spcAft>
-              <a:buNone/>
-            </a:pPr>
             <a:fld id="{00000000-1234-1234-1234-123412341234}" type="slidenum">
-              <a:rPr lang="en"/>
+              <a:rPr lang="en" smtClean="0"/>
+              <a:pPr/>
               <a:t>‹#›</a:t>
             </a:fld>
-            <a:endParaRPr/>
+            <a:endParaRPr lang="en"/>
           </a:p>
         </p:txBody>
       </p:sp>
@@ -2922,8 +2913,8 @@
         </p:nvSpPr>
         <p:spPr>
           <a:xfrm flipH="1">
-            <a:off x="5569200" y="2834075"/>
-            <a:ext cx="3574800" cy="2309400"/>
+            <a:off x="4176900" y="2834075"/>
+            <a:ext cx="2681100" cy="2309400"/>
           </a:xfrm>
           <a:prstGeom prst="rtTriangle">
             <a:avLst/>
@@ -2936,7 +2927,7 @@
           </a:ln>
         </p:spPr>
         <p:txBody>
-          <a:bodyPr spcFirstLastPara="1" wrap="square" lIns="91425" tIns="91425" rIns="91425" bIns="91425" anchor="ctr" anchorCtr="0">
+          <a:bodyPr spcFirstLastPara="1" wrap="square" lIns="68569" tIns="68569" rIns="68569" bIns="68569" anchor="ctr" anchorCtr="0">
             <a:noAutofit/>
           </a:bodyPr>
           <a:lstStyle/>
@@ -2950,7 +2941,7 @@
               </a:spcAft>
               <a:buNone/>
             </a:pPr>
-            <a:endParaRPr/>
+            <a:endParaRPr sz="1050"/>
           </a:p>
         </p:txBody>
       </p:sp>
@@ -2962,8 +2953,8 @@
         </p:nvGrpSpPr>
         <p:grpSpPr>
           <a:xfrm>
-            <a:off x="5959222" y="4119576"/>
-            <a:ext cx="2520952" cy="1024165"/>
+            <a:off x="4469417" y="4119577"/>
+            <a:ext cx="1890714" cy="1024165"/>
             <a:chOff x="6917201" y="0"/>
             <a:chExt cx="2227777" cy="863400"/>
           </a:xfrm>
@@ -3006,7 +2997,7 @@
                 </a:spcAft>
                 <a:buNone/>
               </a:pPr>
-              <a:endParaRPr/>
+              <a:endParaRPr sz="1050"/>
             </a:p>
           </p:txBody>
         </p:sp>
@@ -3048,7 +3039,7 @@
                 </a:spcAft>
                 <a:buNone/>
               </a:pPr>
-              <a:endParaRPr/>
+              <a:endParaRPr sz="1050"/>
             </a:p>
           </p:txBody>
         </p:sp>
@@ -3090,7 +3081,7 @@
                 </a:spcAft>
                 <a:buNone/>
               </a:pPr>
-              <a:endParaRPr/>
+              <a:endParaRPr sz="1050"/>
             </a:p>
           </p:txBody>
         </p:sp>
@@ -3103,8 +3094,8 @@
         </p:nvGrpSpPr>
         <p:grpSpPr>
           <a:xfrm>
-            <a:off x="199149" y="2"/>
-            <a:ext cx="2795414" cy="1083308"/>
+            <a:off x="149362" y="2"/>
+            <a:ext cx="2096561" cy="1083308"/>
             <a:chOff x="6917201" y="0"/>
             <a:chExt cx="2227777" cy="863400"/>
           </a:xfrm>
@@ -3147,7 +3138,7 @@
                 </a:spcAft>
                 <a:buNone/>
               </a:pPr>
-              <a:endParaRPr/>
+              <a:endParaRPr sz="1050"/>
             </a:p>
           </p:txBody>
         </p:sp>
@@ -3189,7 +3180,7 @@
                 </a:spcAft>
                 <a:buNone/>
               </a:pPr>
-              <a:endParaRPr/>
+              <a:endParaRPr sz="1050"/>
             </a:p>
           </p:txBody>
         </p:sp>
@@ -3231,7 +3222,7 @@
                 </a:spcAft>
                 <a:buNone/>
               </a:pPr>
-              <a:endParaRPr/>
+              <a:endParaRPr sz="1050"/>
             </a:p>
           </p:txBody>
         </p:sp>
@@ -3248,8 +3239,8 @@
         </p:nvSpPr>
         <p:spPr>
           <a:xfrm>
-            <a:off x="1385850" y="1383850"/>
-            <a:ext cx="6372300" cy="1379700"/>
+            <a:off x="1039388" y="1383850"/>
+            <a:ext cx="4779225" cy="1379700"/>
           </a:xfrm>
           <a:prstGeom prst="rect">
             <a:avLst/>
@@ -3270,7 +3261,7 @@
               </a:buClr>
               <a:buSzPts val="8600"/>
               <a:buNone/>
-              <a:defRPr sz="8600">
+              <a:defRPr sz="6450">
                 <a:solidFill>
                   <a:schemeClr val="dk2"/>
                 </a:solidFill>
@@ -3288,7 +3279,7 @@
               </a:buClr>
               <a:buSzPts val="8600"/>
               <a:buNone/>
-              <a:defRPr sz="8600">
+              <a:defRPr sz="6450">
                 <a:solidFill>
                   <a:schemeClr val="dk2"/>
                 </a:solidFill>
@@ -3306,7 +3297,7 @@
               </a:buClr>
               <a:buSzPts val="8600"/>
               <a:buNone/>
-              <a:defRPr sz="8600">
+              <a:defRPr sz="6450">
                 <a:solidFill>
                   <a:schemeClr val="dk2"/>
                 </a:solidFill>
@@ -3324,7 +3315,7 @@
               </a:buClr>
               <a:buSzPts val="8600"/>
               <a:buNone/>
-              <a:defRPr sz="8600">
+              <a:defRPr sz="6450">
                 <a:solidFill>
                   <a:schemeClr val="dk2"/>
                 </a:solidFill>
@@ -3342,7 +3333,7 @@
               </a:buClr>
               <a:buSzPts val="8600"/>
               <a:buNone/>
-              <a:defRPr sz="8600">
+              <a:defRPr sz="6450">
                 <a:solidFill>
                   <a:schemeClr val="dk2"/>
                 </a:solidFill>
@@ -3360,7 +3351,7 @@
               </a:buClr>
               <a:buSzPts val="8600"/>
               <a:buNone/>
-              <a:defRPr sz="8600">
+              <a:defRPr sz="6450">
                 <a:solidFill>
                   <a:schemeClr val="dk2"/>
                 </a:solidFill>
@@ -3378,7 +3369,7 @@
               </a:buClr>
               <a:buSzPts val="8600"/>
               <a:buNone/>
-              <a:defRPr sz="8600">
+              <a:defRPr sz="6450">
                 <a:solidFill>
                   <a:schemeClr val="dk2"/>
                 </a:solidFill>
@@ -3396,7 +3387,7 @@
               </a:buClr>
               <a:buSzPts val="8600"/>
               <a:buNone/>
-              <a:defRPr sz="8600">
+              <a:defRPr sz="6450">
                 <a:solidFill>
                   <a:schemeClr val="dk2"/>
                 </a:solidFill>
@@ -3414,7 +3405,7 @@
               </a:buClr>
               <a:buSzPts val="8600"/>
               <a:buNone/>
-              <a:defRPr sz="8600">
+              <a:defRPr sz="6450">
                 <a:solidFill>
                   <a:schemeClr val="dk2"/>
                 </a:solidFill>
@@ -3440,8 +3431,8 @@
         </p:nvSpPr>
         <p:spPr>
           <a:xfrm>
-            <a:off x="1385850" y="2863850"/>
-            <a:ext cx="6372300" cy="641100"/>
+            <a:off x="1039388" y="2863850"/>
+            <a:ext cx="4779225" cy="641100"/>
           </a:xfrm>
           <a:prstGeom prst="rect">
             <a:avLst/>
@@ -3450,7 +3441,7 @@
         <p:txBody>
           <a:bodyPr spcFirstLastPara="1" wrap="square" lIns="91425" tIns="91425" rIns="91425" bIns="91425" anchor="t" anchorCtr="0"/>
           <a:lstStyle>
-            <a:lvl1pPr marL="457200" lvl="0" indent="-342900" algn="ctr">
+            <a:lvl1pPr marL="342900" lvl="0" indent="-257175" algn="ctr">
               <a:spcBef>
                 <a:spcPts val="0"/>
               </a:spcBef>
@@ -3461,9 +3452,9 @@
               <a:buChar char="●"/>
               <a:defRPr/>
             </a:lvl1pPr>
-            <a:lvl2pPr marL="914400" lvl="1" indent="-317500" algn="ctr">
-              <a:spcBef>
-                <a:spcPts val="1600"/>
+            <a:lvl2pPr marL="685800" lvl="1" indent="-238125" algn="ctr">
+              <a:spcBef>
+                <a:spcPts val="1200"/>
               </a:spcBef>
               <a:spcAft>
                 <a:spcPts val="0"/>
@@ -3472,9 +3463,9 @@
               <a:buChar char="○"/>
               <a:defRPr/>
             </a:lvl2pPr>
-            <a:lvl3pPr marL="1371600" lvl="2" indent="-317500" algn="ctr">
-              <a:spcBef>
-                <a:spcPts val="1600"/>
+            <a:lvl3pPr marL="1028700" lvl="2" indent="-238125" algn="ctr">
+              <a:spcBef>
+                <a:spcPts val="1200"/>
               </a:spcBef>
               <a:spcAft>
                 <a:spcPts val="0"/>
@@ -3483,9 +3474,9 @@
               <a:buChar char="■"/>
               <a:defRPr/>
             </a:lvl3pPr>
-            <a:lvl4pPr marL="1828800" lvl="3" indent="-317500" algn="ctr">
-              <a:spcBef>
-                <a:spcPts val="1600"/>
+            <a:lvl4pPr marL="1371600" lvl="3" indent="-238125" algn="ctr">
+              <a:spcBef>
+                <a:spcPts val="1200"/>
               </a:spcBef>
               <a:spcAft>
                 <a:spcPts val="0"/>
@@ -3494,9 +3485,9 @@
               <a:buChar char="●"/>
               <a:defRPr/>
             </a:lvl4pPr>
-            <a:lvl5pPr marL="2286000" lvl="4" indent="-317500" algn="ctr">
-              <a:spcBef>
-                <a:spcPts val="1600"/>
+            <a:lvl5pPr marL="1714500" lvl="4" indent="-238125" algn="ctr">
+              <a:spcBef>
+                <a:spcPts val="1200"/>
               </a:spcBef>
               <a:spcAft>
                 <a:spcPts val="0"/>
@@ -3505,9 +3496,9 @@
               <a:buChar char="○"/>
               <a:defRPr/>
             </a:lvl5pPr>
-            <a:lvl6pPr marL="2743200" lvl="5" indent="-317500" algn="ctr">
-              <a:spcBef>
-                <a:spcPts val="1600"/>
+            <a:lvl6pPr marL="2057400" lvl="5" indent="-238125" algn="ctr">
+              <a:spcBef>
+                <a:spcPts val="1200"/>
               </a:spcBef>
               <a:spcAft>
                 <a:spcPts val="0"/>
@@ -3516,9 +3507,9 @@
               <a:buChar char="■"/>
               <a:defRPr/>
             </a:lvl6pPr>
-            <a:lvl7pPr marL="3200400" lvl="6" indent="-317500" algn="ctr">
-              <a:spcBef>
-                <a:spcPts val="1600"/>
+            <a:lvl7pPr marL="2400300" lvl="6" indent="-238125" algn="ctr">
+              <a:spcBef>
+                <a:spcPts val="1200"/>
               </a:spcBef>
               <a:spcAft>
                 <a:spcPts val="0"/>
@@ -3527,9 +3518,9 @@
               <a:buChar char="●"/>
               <a:defRPr/>
             </a:lvl7pPr>
-            <a:lvl8pPr marL="3657600" lvl="7" indent="-317500" algn="ctr">
-              <a:spcBef>
-                <a:spcPts val="1600"/>
+            <a:lvl8pPr marL="2743200" lvl="7" indent="-238125" algn="ctr">
+              <a:spcBef>
+                <a:spcPts val="1200"/>
               </a:spcBef>
               <a:spcAft>
                 <a:spcPts val="0"/>
@@ -3538,12 +3529,12 @@
               <a:buChar char="○"/>
               <a:defRPr/>
             </a:lvl8pPr>
-            <a:lvl9pPr marL="4114800" lvl="8" indent="-317500" algn="ctr">
-              <a:spcBef>
-                <a:spcPts val="1600"/>
-              </a:spcBef>
-              <a:spcAft>
-                <a:spcPts val="1600"/>
+            <a:lvl9pPr marL="3086100" lvl="8" indent="-238125" algn="ctr">
+              <a:spcBef>
+                <a:spcPts val="1200"/>
+              </a:spcBef>
+              <a:spcAft>
+                <a:spcPts val="1200"/>
               </a:spcAft>
               <a:buSzPts val="1400"/>
               <a:buChar char="■"/>
@@ -3567,8 +3558,8 @@
         </p:nvSpPr>
         <p:spPr>
           <a:xfrm>
-            <a:off x="8390734" y="4543668"/>
-            <a:ext cx="548700" cy="393600"/>
+            <a:off x="6293051" y="4543668"/>
+            <a:ext cx="411525" cy="393600"/>
           </a:xfrm>
           <a:prstGeom prst="rect">
             <a:avLst/>
@@ -3617,20 +3608,12 @@
             </a:lvl9pPr>
           </a:lstStyle>
           <a:p>
-            <a:pPr marL="0" lvl="0" indent="0" algn="r" rtl="0">
-              <a:spcBef>
-                <a:spcPts val="0"/>
-              </a:spcBef>
-              <a:spcAft>
-                <a:spcPts val="0"/>
-              </a:spcAft>
-              <a:buNone/>
-            </a:pPr>
             <a:fld id="{00000000-1234-1234-1234-123412341234}" type="slidenum">
-              <a:rPr lang="en"/>
+              <a:rPr lang="en" smtClean="0"/>
+              <a:pPr/>
               <a:t>‹#›</a:t>
             </a:fld>
-            <a:endParaRPr/>
+            <a:endParaRPr lang="en"/>
           </a:p>
         </p:txBody>
       </p:sp>
@@ -3671,8 +3654,8 @@
         </p:nvSpPr>
         <p:spPr>
           <a:xfrm>
-            <a:off x="8390734" y="4543668"/>
-            <a:ext cx="548700" cy="393600"/>
+            <a:off x="6293051" y="4543668"/>
+            <a:ext cx="411525" cy="393600"/>
           </a:xfrm>
           <a:prstGeom prst="rect">
             <a:avLst/>
@@ -3721,20 +3704,12 @@
             </a:lvl9pPr>
           </a:lstStyle>
           <a:p>
-            <a:pPr marL="0" lvl="0" indent="0" algn="r" rtl="0">
-              <a:spcBef>
-                <a:spcPts val="0"/>
-              </a:spcBef>
-              <a:spcAft>
-                <a:spcPts val="0"/>
-              </a:spcAft>
-              <a:buNone/>
-            </a:pPr>
             <a:fld id="{00000000-1234-1234-1234-123412341234}" type="slidenum">
-              <a:rPr lang="en"/>
+              <a:rPr lang="en" smtClean="0"/>
+              <a:pPr/>
               <a:t>‹#›</a:t>
             </a:fld>
-            <a:endParaRPr/>
+            <a:endParaRPr lang="en"/>
           </a:p>
         </p:txBody>
       </p:sp>
@@ -3779,8 +3754,8 @@
         </p:nvSpPr>
         <p:spPr>
           <a:xfrm flipH="1">
-            <a:off x="4757100" y="2309400"/>
-            <a:ext cx="4386900" cy="2834100"/>
+            <a:off x="3567825" y="2309400"/>
+            <a:ext cx="3290175" cy="2834100"/>
           </a:xfrm>
           <a:prstGeom prst="rtTriangle">
             <a:avLst/>
@@ -3793,7 +3768,7 @@
           </a:ln>
         </p:spPr>
         <p:txBody>
-          <a:bodyPr spcFirstLastPara="1" wrap="square" lIns="91425" tIns="91425" rIns="91425" bIns="91425" anchor="ctr" anchorCtr="0">
+          <a:bodyPr spcFirstLastPara="1" wrap="square" lIns="68569" tIns="68569" rIns="68569" bIns="68569" anchor="ctr" anchorCtr="0">
             <a:noAutofit/>
           </a:bodyPr>
           <a:lstStyle/>
@@ -3807,7 +3782,7 @@
               </a:spcAft>
               <a:buNone/>
             </a:pPr>
-            <a:endParaRPr/>
+            <a:endParaRPr sz="1050"/>
           </a:p>
         </p:txBody>
       </p:sp>
@@ -3819,8 +3794,8 @@
         </p:nvGrpSpPr>
         <p:grpSpPr>
           <a:xfrm>
-            <a:off x="5594191" y="3961115"/>
-            <a:ext cx="2910145" cy="1182340"/>
+            <a:off x="4195644" y="3961115"/>
+            <a:ext cx="2182609" cy="1182340"/>
             <a:chOff x="6917201" y="0"/>
             <a:chExt cx="2227777" cy="863400"/>
           </a:xfrm>
@@ -3863,7 +3838,7 @@
                 </a:spcAft>
                 <a:buNone/>
               </a:pPr>
-              <a:endParaRPr/>
+              <a:endParaRPr sz="1050"/>
             </a:p>
           </p:txBody>
         </p:sp>
@@ -3905,7 +3880,7 @@
                 </a:spcAft>
                 <a:buNone/>
               </a:pPr>
-              <a:endParaRPr/>
+              <a:endParaRPr sz="1050"/>
             </a:p>
           </p:txBody>
         </p:sp>
@@ -3947,7 +3922,7 @@
                 </a:spcAft>
                 <a:buNone/>
               </a:pPr>
-              <a:endParaRPr/>
+              <a:endParaRPr sz="1050"/>
             </a:p>
           </p:txBody>
         </p:sp>
@@ -3960,8 +3935,8 @@
         </p:nvGrpSpPr>
         <p:grpSpPr>
           <a:xfrm>
-            <a:off x="199149" y="2"/>
-            <a:ext cx="2795414" cy="1083308"/>
+            <a:off x="149362" y="2"/>
+            <a:ext cx="2096561" cy="1083308"/>
             <a:chOff x="6917201" y="0"/>
             <a:chExt cx="2227777" cy="863400"/>
           </a:xfrm>
@@ -4004,7 +3979,7 @@
                 </a:spcAft>
                 <a:buNone/>
               </a:pPr>
-              <a:endParaRPr/>
+              <a:endParaRPr sz="1050"/>
             </a:p>
           </p:txBody>
         </p:sp>
@@ -4046,7 +4021,7 @@
                 </a:spcAft>
                 <a:buNone/>
               </a:pPr>
-              <a:endParaRPr/>
+              <a:endParaRPr sz="1050"/>
             </a:p>
           </p:txBody>
         </p:sp>
@@ -4088,7 +4063,7 @@
                 </a:spcAft>
                 <a:buNone/>
               </a:pPr>
-              <a:endParaRPr/>
+              <a:endParaRPr sz="1050"/>
             </a:p>
           </p:txBody>
         </p:sp>
@@ -4105,8 +4080,8 @@
         </p:nvSpPr>
         <p:spPr>
           <a:xfrm>
-            <a:off x="1888684" y="1746100"/>
-            <a:ext cx="5377500" cy="1646100"/>
+            <a:off x="1416513" y="1746100"/>
+            <a:ext cx="4033125" cy="1646100"/>
           </a:xfrm>
           <a:prstGeom prst="rect">
             <a:avLst/>
@@ -4127,7 +4102,7 @@
               </a:buClr>
               <a:buSzPts val="3200"/>
               <a:buNone/>
-              <a:defRPr sz="3200">
+              <a:defRPr sz="2400">
                 <a:solidFill>
                   <a:schemeClr val="dk2"/>
                 </a:solidFill>
@@ -4145,7 +4120,7 @@
               </a:buClr>
               <a:buSzPts val="3200"/>
               <a:buNone/>
-              <a:defRPr sz="3200">
+              <a:defRPr sz="2400">
                 <a:solidFill>
                   <a:schemeClr val="dk2"/>
                 </a:solidFill>
@@ -4163,7 +4138,7 @@
               </a:buClr>
               <a:buSzPts val="3200"/>
               <a:buNone/>
-              <a:defRPr sz="3200">
+              <a:defRPr sz="2400">
                 <a:solidFill>
                   <a:schemeClr val="dk2"/>
                 </a:solidFill>
@@ -4181,7 +4156,7 @@
               </a:buClr>
               <a:buSzPts val="3200"/>
               <a:buNone/>
-              <a:defRPr sz="3200">
+              <a:defRPr sz="2400">
                 <a:solidFill>
                   <a:schemeClr val="dk2"/>
                 </a:solidFill>
@@ -4199,7 +4174,7 @@
               </a:buClr>
               <a:buSzPts val="3200"/>
               <a:buNone/>
-              <a:defRPr sz="3200">
+              <a:defRPr sz="2400">
                 <a:solidFill>
                   <a:schemeClr val="dk2"/>
                 </a:solidFill>
@@ -4217,7 +4192,7 @@
               </a:buClr>
               <a:buSzPts val="3200"/>
               <a:buNone/>
-              <a:defRPr sz="3200">
+              <a:defRPr sz="2400">
                 <a:solidFill>
                   <a:schemeClr val="dk2"/>
                 </a:solidFill>
@@ -4235,7 +4210,7 @@
               </a:buClr>
               <a:buSzPts val="3200"/>
               <a:buNone/>
-              <a:defRPr sz="3200">
+              <a:defRPr sz="2400">
                 <a:solidFill>
                   <a:schemeClr val="dk2"/>
                 </a:solidFill>
@@ -4253,7 +4228,7 @@
               </a:buClr>
               <a:buSzPts val="3200"/>
               <a:buNone/>
-              <a:defRPr sz="3200">
+              <a:defRPr sz="2400">
                 <a:solidFill>
                   <a:schemeClr val="dk2"/>
                 </a:solidFill>
@@ -4271,7 +4246,7 @@
               </a:buClr>
               <a:buSzPts val="3200"/>
               <a:buNone/>
-              <a:defRPr sz="3200">
+              <a:defRPr sz="2400">
                 <a:solidFill>
                   <a:schemeClr val="dk2"/>
                 </a:solidFill>
@@ -4295,8 +4270,8 @@
         </p:nvSpPr>
         <p:spPr>
           <a:xfrm>
-            <a:off x="8390734" y="4543668"/>
-            <a:ext cx="548700" cy="393600"/>
+            <a:off x="6293051" y="4543668"/>
+            <a:ext cx="411525" cy="393600"/>
           </a:xfrm>
           <a:prstGeom prst="rect">
             <a:avLst/>
@@ -4345,20 +4320,12 @@
             </a:lvl9pPr>
           </a:lstStyle>
           <a:p>
-            <a:pPr marL="0" lvl="0" indent="0" algn="r" rtl="0">
-              <a:spcBef>
-                <a:spcPts val="0"/>
-              </a:spcBef>
-              <a:spcAft>
-                <a:spcPts val="0"/>
-              </a:spcAft>
-              <a:buNone/>
-            </a:pPr>
             <a:fld id="{00000000-1234-1234-1234-123412341234}" type="slidenum">
-              <a:rPr lang="en"/>
+              <a:rPr lang="en" smtClean="0"/>
+              <a:pPr/>
               <a:t>‹#›</a:t>
             </a:fld>
-            <a:endParaRPr/>
+            <a:endParaRPr lang="en"/>
           </a:p>
         </p:txBody>
       </p:sp>
@@ -4403,8 +4370,8 @@
         </p:nvSpPr>
         <p:spPr>
           <a:xfrm flipH="1">
-            <a:off x="3582600" y="1550700"/>
-            <a:ext cx="5561400" cy="3592800"/>
+            <a:off x="2686950" y="1550700"/>
+            <a:ext cx="4171050" cy="3592800"/>
           </a:xfrm>
           <a:prstGeom prst="rtTriangle">
             <a:avLst/>
@@ -4417,7 +4384,7 @@
           </a:ln>
         </p:spPr>
         <p:txBody>
-          <a:bodyPr spcFirstLastPara="1" wrap="square" lIns="91425" tIns="91425" rIns="91425" bIns="91425" anchor="ctr" anchorCtr="0">
+          <a:bodyPr spcFirstLastPara="1" wrap="square" lIns="68569" tIns="68569" rIns="68569" bIns="68569" anchor="ctr" anchorCtr="0">
             <a:noAutofit/>
           </a:bodyPr>
           <a:lstStyle/>
@@ -4431,7 +4398,7 @@
               </a:spcAft>
               <a:buNone/>
             </a:pPr>
-            <a:endParaRPr/>
+            <a:endParaRPr sz="1050"/>
           </a:p>
         </p:txBody>
       </p:sp>
@@ -4443,8 +4410,8 @@
         </p:nvSpPr>
         <p:spPr>
           <a:xfrm>
-            <a:off x="31" y="2824500"/>
-            <a:ext cx="7370400" cy="2319000"/>
+            <a:off x="23" y="2824500"/>
+            <a:ext cx="5527800" cy="2319000"/>
           </a:xfrm>
           <a:prstGeom prst="rtTriangle">
             <a:avLst/>
@@ -4457,7 +4424,7 @@
           </a:ln>
         </p:spPr>
         <p:txBody>
-          <a:bodyPr spcFirstLastPara="1" wrap="square" lIns="91425" tIns="91425" rIns="91425" bIns="91425" anchor="ctr" anchorCtr="0">
+          <a:bodyPr spcFirstLastPara="1" wrap="square" lIns="68569" tIns="68569" rIns="68569" bIns="68569" anchor="ctr" anchorCtr="0">
             <a:noAutofit/>
           </a:bodyPr>
           <a:lstStyle/>
@@ -4471,7 +4438,7 @@
               </a:spcAft>
               <a:buNone/>
             </a:pPr>
-            <a:endParaRPr/>
+            <a:endParaRPr sz="1050"/>
           </a:p>
         </p:txBody>
       </p:sp>
@@ -4483,8 +4450,8 @@
         </p:nvSpPr>
         <p:spPr>
           <a:xfrm>
-            <a:off x="203225" y="206250"/>
-            <a:ext cx="8737500" cy="4731000"/>
+            <a:off x="152419" y="206250"/>
+            <a:ext cx="6553125" cy="4731000"/>
           </a:xfrm>
           <a:prstGeom prst="rect">
             <a:avLst/>
@@ -4504,7 +4471,7 @@
           </a:effectLst>
         </p:spPr>
         <p:txBody>
-          <a:bodyPr spcFirstLastPara="1" wrap="square" lIns="91425" tIns="91425" rIns="91425" bIns="91425" anchor="ctr" anchorCtr="0">
+          <a:bodyPr spcFirstLastPara="1" wrap="square" lIns="68569" tIns="68569" rIns="68569" bIns="68569" anchor="ctr" anchorCtr="0">
             <a:noAutofit/>
           </a:bodyPr>
           <a:lstStyle/>
@@ -4518,7 +4485,7 @@
               </a:spcAft>
               <a:buNone/>
             </a:pPr>
-            <a:endParaRPr/>
+            <a:endParaRPr sz="1050"/>
           </a:p>
         </p:txBody>
       </p:sp>
@@ -4534,8 +4501,8 @@
         </p:nvSpPr>
         <p:spPr>
           <a:xfrm>
-            <a:off x="819150" y="845600"/>
-            <a:ext cx="7505700" cy="954600"/>
+            <a:off x="614363" y="845600"/>
+            <a:ext cx="5629275" cy="954600"/>
           </a:xfrm>
           <a:prstGeom prst="rect">
             <a:avLst/>
@@ -4553,7 +4520,7 @@
               </a:spcAft>
               <a:buSzPts val="3000"/>
               <a:buNone/>
-              <a:defRPr sz="3000"/>
+              <a:defRPr sz="2250"/>
             </a:lvl1pPr>
             <a:lvl2pPr lvl="1">
               <a:spcBef>
@@ -4564,7 +4531,7 @@
               </a:spcAft>
               <a:buSzPts val="3000"/>
               <a:buNone/>
-              <a:defRPr sz="3000"/>
+              <a:defRPr sz="2250"/>
             </a:lvl2pPr>
             <a:lvl3pPr lvl="2">
               <a:spcBef>
@@ -4575,7 +4542,7 @@
               </a:spcAft>
               <a:buSzPts val="3000"/>
               <a:buNone/>
-              <a:defRPr sz="3000"/>
+              <a:defRPr sz="2250"/>
             </a:lvl3pPr>
             <a:lvl4pPr lvl="3">
               <a:spcBef>
@@ -4586,7 +4553,7 @@
               </a:spcAft>
               <a:buSzPts val="3000"/>
               <a:buNone/>
-              <a:defRPr sz="3000"/>
+              <a:defRPr sz="2250"/>
             </a:lvl4pPr>
             <a:lvl5pPr lvl="4">
               <a:spcBef>
@@ -4597,7 +4564,7 @@
               </a:spcAft>
               <a:buSzPts val="3000"/>
               <a:buNone/>
-              <a:defRPr sz="3000"/>
+              <a:defRPr sz="2250"/>
             </a:lvl5pPr>
             <a:lvl6pPr lvl="5">
               <a:spcBef>
@@ -4608,7 +4575,7 @@
               </a:spcAft>
               <a:buSzPts val="3000"/>
               <a:buNone/>
-              <a:defRPr sz="3000"/>
+              <a:defRPr sz="2250"/>
             </a:lvl6pPr>
             <a:lvl7pPr lvl="6">
               <a:spcBef>
@@ -4619,7 +4586,7 @@
               </a:spcAft>
               <a:buSzPts val="3000"/>
               <a:buNone/>
-              <a:defRPr sz="3000"/>
+              <a:defRPr sz="2250"/>
             </a:lvl7pPr>
             <a:lvl8pPr lvl="7">
               <a:spcBef>
@@ -4630,7 +4597,7 @@
               </a:spcAft>
               <a:buSzPts val="3000"/>
               <a:buNone/>
-              <a:defRPr sz="3000"/>
+              <a:defRPr sz="2250"/>
             </a:lvl8pPr>
             <a:lvl9pPr lvl="8">
               <a:spcBef>
@@ -4641,7 +4608,7 @@
               </a:spcAft>
               <a:buSzPts val="3000"/>
               <a:buNone/>
-              <a:defRPr sz="3000"/>
+              <a:defRPr sz="2250"/>
             </a:lvl9pPr>
           </a:lstStyle>
           <a:p>
@@ -4661,8 +4628,8 @@
         </p:nvSpPr>
         <p:spPr>
           <a:xfrm>
-            <a:off x="819150" y="1990725"/>
-            <a:ext cx="7505700" cy="2448000"/>
+            <a:off x="614363" y="1990725"/>
+            <a:ext cx="5629275" cy="2448000"/>
           </a:xfrm>
           <a:prstGeom prst="rect">
             <a:avLst/>
@@ -4671,7 +4638,7 @@
         <p:txBody>
           <a:bodyPr spcFirstLastPara="1" wrap="square" lIns="91425" tIns="91425" rIns="91425" bIns="91425" anchor="t" anchorCtr="0"/>
           <a:lstStyle>
-            <a:lvl1pPr marL="457200" lvl="0" indent="-381000">
+            <a:lvl1pPr marL="342900" lvl="0" indent="-285750">
               <a:spcBef>
                 <a:spcPts val="0"/>
               </a:spcBef>
@@ -4680,95 +4647,95 @@
               </a:spcAft>
               <a:buSzPts val="2400"/>
               <a:buChar char="●"/>
-              <a:defRPr sz="2400"/>
+              <a:defRPr sz="1800"/>
             </a:lvl1pPr>
-            <a:lvl2pPr marL="914400" lvl="1" indent="-342900">
-              <a:spcBef>
-                <a:spcPts val="1600"/>
+            <a:lvl2pPr marL="685800" lvl="1" indent="-257175">
+              <a:spcBef>
+                <a:spcPts val="1200"/>
               </a:spcBef>
               <a:spcAft>
                 <a:spcPts val="0"/>
               </a:spcAft>
               <a:buSzPts val="1800"/>
               <a:buChar char="○"/>
-              <a:defRPr sz="1800"/>
+              <a:defRPr sz="1350"/>
             </a:lvl2pPr>
-            <a:lvl3pPr marL="1371600" lvl="2" indent="-342900">
-              <a:spcBef>
-                <a:spcPts val="1600"/>
+            <a:lvl3pPr marL="1028700" lvl="2" indent="-257175">
+              <a:spcBef>
+                <a:spcPts val="1200"/>
               </a:spcBef>
               <a:spcAft>
                 <a:spcPts val="0"/>
               </a:spcAft>
               <a:buSzPts val="1800"/>
               <a:buChar char="■"/>
-              <a:defRPr sz="1800"/>
+              <a:defRPr sz="1350"/>
             </a:lvl3pPr>
-            <a:lvl4pPr marL="1828800" lvl="3" indent="-342900">
-              <a:spcBef>
-                <a:spcPts val="1600"/>
+            <a:lvl4pPr marL="1371600" lvl="3" indent="-257175">
+              <a:spcBef>
+                <a:spcPts val="1200"/>
               </a:spcBef>
               <a:spcAft>
                 <a:spcPts val="0"/>
               </a:spcAft>
               <a:buSzPts val="1800"/>
               <a:buChar char="●"/>
-              <a:defRPr sz="1800"/>
+              <a:defRPr sz="1350"/>
             </a:lvl4pPr>
-            <a:lvl5pPr marL="2286000" lvl="4" indent="-342900">
-              <a:spcBef>
-                <a:spcPts val="1600"/>
+            <a:lvl5pPr marL="1714500" lvl="4" indent="-257175">
+              <a:spcBef>
+                <a:spcPts val="1200"/>
               </a:spcBef>
               <a:spcAft>
                 <a:spcPts val="0"/>
               </a:spcAft>
               <a:buSzPts val="1800"/>
               <a:buChar char="○"/>
-              <a:defRPr sz="1800"/>
+              <a:defRPr sz="1350"/>
             </a:lvl5pPr>
-            <a:lvl6pPr marL="2743200" lvl="5" indent="-342900">
-              <a:spcBef>
-                <a:spcPts val="1600"/>
+            <a:lvl6pPr marL="2057400" lvl="5" indent="-257175">
+              <a:spcBef>
+                <a:spcPts val="1200"/>
               </a:spcBef>
               <a:spcAft>
                 <a:spcPts val="0"/>
               </a:spcAft>
               <a:buSzPts val="1800"/>
               <a:buChar char="■"/>
-              <a:defRPr sz="1800"/>
+              <a:defRPr sz="1350"/>
             </a:lvl6pPr>
-            <a:lvl7pPr marL="3200400" lvl="6" indent="-342900">
-              <a:spcBef>
-                <a:spcPts val="1600"/>
+            <a:lvl7pPr marL="2400300" lvl="6" indent="-257175">
+              <a:spcBef>
+                <a:spcPts val="1200"/>
               </a:spcBef>
               <a:spcAft>
                 <a:spcPts val="0"/>
               </a:spcAft>
               <a:buSzPts val="1800"/>
               <a:buChar char="●"/>
-              <a:defRPr sz="1800"/>
+              <a:defRPr sz="1350"/>
             </a:lvl7pPr>
-            <a:lvl8pPr marL="3657600" lvl="7" indent="-342900">
-              <a:spcBef>
-                <a:spcPts val="1600"/>
+            <a:lvl8pPr marL="2743200" lvl="7" indent="-257175">
+              <a:spcBef>
+                <a:spcPts val="1200"/>
               </a:spcBef>
               <a:spcAft>
                 <a:spcPts val="0"/>
               </a:spcAft>
               <a:buSzPts val="1800"/>
               <a:buChar char="○"/>
-              <a:defRPr sz="1800"/>
+              <a:defRPr sz="1350"/>
             </a:lvl8pPr>
-            <a:lvl9pPr marL="4114800" lvl="8" indent="-342900">
-              <a:spcBef>
-                <a:spcPts val="1600"/>
-              </a:spcBef>
-              <a:spcAft>
-                <a:spcPts val="1600"/>
+            <a:lvl9pPr marL="3086100" lvl="8" indent="-257175">
+              <a:spcBef>
+                <a:spcPts val="1200"/>
+              </a:spcBef>
+              <a:spcAft>
+                <a:spcPts val="1200"/>
               </a:spcAft>
               <a:buSzPts val="1800"/>
               <a:buChar char="■"/>
-              <a:defRPr sz="1800"/>
+              <a:defRPr sz="1350"/>
             </a:lvl9pPr>
           </a:lstStyle>
           <a:p>
@@ -4788,8 +4755,8 @@
         </p:nvSpPr>
         <p:spPr>
           <a:xfrm>
-            <a:off x="8390734" y="4543668"/>
-            <a:ext cx="548700" cy="393600"/>
+            <a:off x="6293051" y="4543668"/>
+            <a:ext cx="411525" cy="393600"/>
           </a:xfrm>
           <a:prstGeom prst="rect">
             <a:avLst/>
@@ -4838,20 +4805,12 @@
             </a:lvl9pPr>
           </a:lstStyle>
           <a:p>
-            <a:pPr marL="0" lvl="0" indent="0" algn="r" rtl="0">
-              <a:spcBef>
-                <a:spcPts val="0"/>
-              </a:spcBef>
-              <a:spcAft>
-                <a:spcPts val="0"/>
-              </a:spcAft>
-              <a:buNone/>
-            </a:pPr>
             <a:fld id="{00000000-1234-1234-1234-123412341234}" type="slidenum">
-              <a:rPr lang="en"/>
+              <a:rPr lang="en" smtClean="0"/>
+              <a:pPr/>
               <a:t>‹#›</a:t>
             </a:fld>
-            <a:endParaRPr/>
+            <a:endParaRPr lang="en"/>
           </a:p>
         </p:txBody>
       </p:sp>
@@ -4896,8 +4855,8 @@
         </p:nvSpPr>
         <p:spPr>
           <a:xfrm flipH="1">
-            <a:off x="3582600" y="1550700"/>
-            <a:ext cx="5561400" cy="3592800"/>
+            <a:off x="2686950" y="1550700"/>
+            <a:ext cx="4171050" cy="3592800"/>
           </a:xfrm>
           <a:prstGeom prst="rtTriangle">
             <a:avLst/>
@@ -4910,7 +4869,7 @@
           </a:ln>
         </p:spPr>
         <p:txBody>
-          <a:bodyPr spcFirstLastPara="1" wrap="square" lIns="91425" tIns="91425" rIns="91425" bIns="91425" anchor="ctr" anchorCtr="0">
+          <a:bodyPr spcFirstLastPara="1" wrap="square" lIns="68569" tIns="68569" rIns="68569" bIns="68569" anchor="ctr" anchorCtr="0">
             <a:noAutofit/>
           </a:bodyPr>
           <a:lstStyle/>
@@ -4924,7 +4883,7 @@
               </a:spcAft>
               <a:buNone/>
             </a:pPr>
-            <a:endParaRPr/>
+            <a:endParaRPr sz="1050"/>
           </a:p>
         </p:txBody>
       </p:sp>
@@ -4936,8 +4895,8 @@
         </p:nvSpPr>
         <p:spPr>
           <a:xfrm>
-            <a:off x="31" y="2824500"/>
-            <a:ext cx="7370400" cy="2319000"/>
+            <a:off x="23" y="2824500"/>
+            <a:ext cx="5527800" cy="2319000"/>
           </a:xfrm>
           <a:prstGeom prst="rtTriangle">
             <a:avLst/>
@@ -4950,7 +4909,7 @@
           </a:ln>
         </p:spPr>
         <p:txBody>
-          <a:bodyPr spcFirstLastPara="1" wrap="square" lIns="91425" tIns="91425" rIns="91425" bIns="91425" anchor="ctr" anchorCtr="0">
+          <a:bodyPr spcFirstLastPara="1" wrap="square" lIns="68569" tIns="68569" rIns="68569" bIns="68569" anchor="ctr" anchorCtr="0">
             <a:noAutofit/>
           </a:bodyPr>
           <a:lstStyle/>
@@ -4964,7 +4923,7 @@
               </a:spcAft>
               <a:buNone/>
             </a:pPr>
-            <a:endParaRPr/>
+            <a:endParaRPr sz="1050"/>
           </a:p>
         </p:txBody>
       </p:sp>
@@ -4976,8 +4935,8 @@
         </p:nvSpPr>
         <p:spPr>
           <a:xfrm>
-            <a:off x="203225" y="206250"/>
-            <a:ext cx="8737500" cy="4731000"/>
+            <a:off x="152419" y="206250"/>
+            <a:ext cx="6553125" cy="4731000"/>
           </a:xfrm>
           <a:prstGeom prst="rect">
             <a:avLst/>
@@ -4997,7 +4956,7 @@
           </a:effectLst>
         </p:spPr>
         <p:txBody>
-          <a:bodyPr spcFirstLastPara="1" wrap="square" lIns="91425" tIns="91425" rIns="91425" bIns="91425" anchor="ctr" anchorCtr="0">
+          <a:bodyPr spcFirstLastPara="1" wrap="square" lIns="68569" tIns="68569" rIns="68569" bIns="68569" anchor="ctr" anchorCtr="0">
             <a:noAutofit/>
           </a:bodyPr>
           <a:lstStyle/>
@@ -5011,7 +4970,7 @@
               </a:spcAft>
               <a:buNone/>
             </a:pPr>
-            <a:endParaRPr/>
+            <a:endParaRPr sz="1050"/>
           </a:p>
         </p:txBody>
       </p:sp>
@@ -5027,8 +4986,8 @@
         </p:nvSpPr>
         <p:spPr>
           <a:xfrm>
-            <a:off x="819150" y="845600"/>
-            <a:ext cx="7505700" cy="954600"/>
+            <a:off x="614363" y="845600"/>
+            <a:ext cx="5629275" cy="954600"/>
           </a:xfrm>
           <a:prstGeom prst="rect">
             <a:avLst/>
@@ -5046,7 +5005,7 @@
               </a:spcAft>
               <a:buSzPts val="3000"/>
               <a:buNone/>
-              <a:defRPr sz="3000"/>
+              <a:defRPr sz="2250"/>
             </a:lvl1pPr>
             <a:lvl2pPr lvl="1">
               <a:spcBef>
@@ -5057,7 +5016,7 @@
               </a:spcAft>
               <a:buSzPts val="3000"/>
               <a:buNone/>
-              <a:defRPr sz="3000"/>
+              <a:defRPr sz="2250"/>
             </a:lvl2pPr>
             <a:lvl3pPr lvl="2">
               <a:spcBef>
@@ -5068,7 +5027,7 @@
               </a:spcAft>
               <a:buSzPts val="3000"/>
               <a:buNone/>
-              <a:defRPr sz="3000"/>
+              <a:defRPr sz="2250"/>
             </a:lvl3pPr>
             <a:lvl4pPr lvl="3">
               <a:spcBef>
@@ -5079,7 +5038,7 @@
               </a:spcAft>
               <a:buSzPts val="3000"/>
               <a:buNone/>
-              <a:defRPr sz="3000"/>
+              <a:defRPr sz="2250"/>
             </a:lvl4pPr>
             <a:lvl5pPr lvl="4">
               <a:spcBef>
@@ -5090,7 +5049,7 @@
               </a:spcAft>
               <a:buSzPts val="3000"/>
               <a:buNone/>
-              <a:defRPr sz="3000"/>
+              <a:defRPr sz="2250"/>
             </a:lvl5pPr>
             <a:lvl6pPr lvl="5">
               <a:spcBef>
@@ -5101,7 +5060,7 @@
               </a:spcAft>
               <a:buSzPts val="3000"/>
               <a:buNone/>
-              <a:defRPr sz="3000"/>
+              <a:defRPr sz="2250"/>
             </a:lvl6pPr>
             <a:lvl7pPr lvl="6">
               <a:spcBef>
@@ -5112,7 +5071,7 @@
               </a:spcAft>
               <a:buSzPts val="3000"/>
               <a:buNone/>
-              <a:defRPr sz="3000"/>
+              <a:defRPr sz="2250"/>
             </a:lvl7pPr>
             <a:lvl8pPr lvl="7">
               <a:spcBef>
@@ -5123,7 +5082,7 @@
               </a:spcAft>
               <a:buSzPts val="3000"/>
               <a:buNone/>
-              <a:defRPr sz="3000"/>
+              <a:defRPr sz="2250"/>
             </a:lvl8pPr>
             <a:lvl9pPr lvl="8">
               <a:spcBef>
@@ -5134,7 +5093,7 @@
               </a:spcAft>
               <a:buSzPts val="3000"/>
               <a:buNone/>
-              <a:defRPr sz="3000"/>
+              <a:defRPr sz="2250"/>
             </a:lvl9pPr>
           </a:lstStyle>
           <a:p>
@@ -5154,8 +5113,8 @@
         </p:nvSpPr>
         <p:spPr>
           <a:xfrm>
-            <a:off x="819150" y="1990725"/>
-            <a:ext cx="3686100" cy="2448000"/>
+            <a:off x="614363" y="1990725"/>
+            <a:ext cx="2764575" cy="2448000"/>
           </a:xfrm>
           <a:prstGeom prst="rect">
             <a:avLst/>
@@ -5164,7 +5123,7 @@
         <p:txBody>
           <a:bodyPr spcFirstLastPara="1" wrap="square" lIns="91425" tIns="91425" rIns="91425" bIns="91425" anchor="t" anchorCtr="0"/>
           <a:lstStyle>
-            <a:lvl1pPr marL="457200" lvl="0" indent="-342900">
+            <a:lvl1pPr marL="342900" lvl="0" indent="-257175">
               <a:spcBef>
                 <a:spcPts val="0"/>
               </a:spcBef>
@@ -5175,9 +5134,9 @@
               <a:buChar char="●"/>
               <a:defRPr/>
             </a:lvl1pPr>
-            <a:lvl2pPr marL="914400" lvl="1" indent="-317500">
-              <a:spcBef>
-                <a:spcPts val="1600"/>
+            <a:lvl2pPr marL="685800" lvl="1" indent="-238125">
+              <a:spcBef>
+                <a:spcPts val="1200"/>
               </a:spcBef>
               <a:spcAft>
                 <a:spcPts val="0"/>
@@ -5186,9 +5145,9 @@
               <a:buChar char="○"/>
               <a:defRPr/>
             </a:lvl2pPr>
-            <a:lvl3pPr marL="1371600" lvl="2" indent="-317500">
-              <a:spcBef>
-                <a:spcPts val="1600"/>
+            <a:lvl3pPr marL="1028700" lvl="2" indent="-238125">
+              <a:spcBef>
+                <a:spcPts val="1200"/>
               </a:spcBef>
               <a:spcAft>
                 <a:spcPts val="0"/>
@@ -5197,9 +5156,9 @@
               <a:buChar char="■"/>
               <a:defRPr/>
             </a:lvl3pPr>
-            <a:lvl4pPr marL="1828800" lvl="3" indent="-317500">
-              <a:spcBef>
-                <a:spcPts val="1600"/>
+            <a:lvl4pPr marL="1371600" lvl="3" indent="-238125">
+              <a:spcBef>
+                <a:spcPts val="1200"/>
               </a:spcBef>
               <a:spcAft>
                 <a:spcPts val="0"/>
@@ -5208,9 +5167,9 @@
               <a:buChar char="●"/>
               <a:defRPr/>
             </a:lvl4pPr>
-            <a:lvl5pPr marL="2286000" lvl="4" indent="-317500">
-              <a:spcBef>
-                <a:spcPts val="1600"/>
+            <a:lvl5pPr marL="1714500" lvl="4" indent="-238125">
+              <a:spcBef>
+                <a:spcPts val="1200"/>
               </a:spcBef>
               <a:spcAft>
                 <a:spcPts val="0"/>
@@ -5219,9 +5178,9 @@
               <a:buChar char="○"/>
               <a:defRPr/>
             </a:lvl5pPr>
-            <a:lvl6pPr marL="2743200" lvl="5" indent="-317500">
-              <a:spcBef>
-                <a:spcPts val="1600"/>
+            <a:lvl6pPr marL="2057400" lvl="5" indent="-238125">
+              <a:spcBef>
+                <a:spcPts val="1200"/>
               </a:spcBef>
               <a:spcAft>
                 <a:spcPts val="0"/>
@@ -5230,9 +5189,9 @@
               <a:buChar char="■"/>
               <a:defRPr/>
             </a:lvl6pPr>
-            <a:lvl7pPr marL="3200400" lvl="6" indent="-317500">
-              <a:spcBef>
-                <a:spcPts val="1600"/>
+            <a:lvl7pPr marL="2400300" lvl="6" indent="-238125">
+              <a:spcBef>
+                <a:spcPts val="1200"/>
               </a:spcBef>
               <a:spcAft>
                 <a:spcPts val="0"/>
@@ -5241,9 +5200,9 @@
               <a:buChar char="●"/>
               <a:defRPr/>
             </a:lvl7pPr>
-            <a:lvl8pPr marL="3657600" lvl="7" indent="-317500">
-              <a:spcBef>
-                <a:spcPts val="1600"/>
+            <a:lvl8pPr marL="2743200" lvl="7" indent="-238125">
+              <a:spcBef>
+                <a:spcPts val="1200"/>
               </a:spcBef>
               <a:spcAft>
                 <a:spcPts val="0"/>
@@ -5252,12 +5211,12 @@
               <a:buChar char="○"/>
               <a:defRPr/>
             </a:lvl8pPr>
-            <a:lvl9pPr marL="4114800" lvl="8" indent="-317500">
-              <a:spcBef>
-                <a:spcPts val="1600"/>
-              </a:spcBef>
-              <a:spcAft>
-                <a:spcPts val="1600"/>
+            <a:lvl9pPr marL="3086100" lvl="8" indent="-238125">
+              <a:spcBef>
+                <a:spcPts val="1200"/>
+              </a:spcBef>
+              <a:spcAft>
+                <a:spcPts val="1200"/>
               </a:spcAft>
               <a:buSzPts val="1400"/>
               <a:buChar char="■"/>
@@ -5281,8 +5240,8 @@
         </p:nvSpPr>
         <p:spPr>
           <a:xfrm>
-            <a:off x="4638675" y="1990725"/>
-            <a:ext cx="3686100" cy="2448000"/>
+            <a:off x="3479006" y="1990725"/>
+            <a:ext cx="2764575" cy="2448000"/>
           </a:xfrm>
           <a:prstGeom prst="rect">
             <a:avLst/>
@@ -5291,7 +5250,7 @@
         <p:txBody>
           <a:bodyPr spcFirstLastPara="1" wrap="square" lIns="91425" tIns="91425" rIns="91425" bIns="91425" anchor="t" anchorCtr="0"/>
           <a:lstStyle>
-            <a:lvl1pPr marL="457200" lvl="0" indent="-342900">
+            <a:lvl1pPr marL="342900" lvl="0" indent="-257175">
               <a:spcBef>
                 <a:spcPts val="0"/>
               </a:spcBef>
@@ -5302,9 +5261,9 @@
               <a:buChar char="●"/>
               <a:defRPr/>
             </a:lvl1pPr>
-            <a:lvl2pPr marL="914400" lvl="1" indent="-317500">
-              <a:spcBef>
-                <a:spcPts val="1600"/>
+            <a:lvl2pPr marL="685800" lvl="1" indent="-238125">
+              <a:spcBef>
+                <a:spcPts val="1200"/>
               </a:spcBef>
               <a:spcAft>
                 <a:spcPts val="0"/>
@@ -5313,9 +5272,9 @@
               <a:buChar char="○"/>
               <a:defRPr/>
             </a:lvl2pPr>
-            <a:lvl3pPr marL="1371600" lvl="2" indent="-317500">
-              <a:spcBef>
-                <a:spcPts val="1600"/>
+            <a:lvl3pPr marL="1028700" lvl="2" indent="-238125">
+              <a:spcBef>
+                <a:spcPts val="1200"/>
               </a:spcBef>
               <a:spcAft>
                 <a:spcPts val="0"/>
@@ -5324,9 +5283,9 @@
               <a:buChar char="■"/>
               <a:defRPr/>
             </a:lvl3pPr>
-            <a:lvl4pPr marL="1828800" lvl="3" indent="-317500">
-              <a:spcBef>
-                <a:spcPts val="1600"/>
+            <a:lvl4pPr marL="1371600" lvl="3" indent="-238125">
+              <a:spcBef>
+                <a:spcPts val="1200"/>
               </a:spcBef>
               <a:spcAft>
                 <a:spcPts val="0"/>
@@ -5335,9 +5294,9 @@
               <a:buChar char="●"/>
               <a:defRPr/>
             </a:lvl4pPr>
-            <a:lvl5pPr marL="2286000" lvl="4" indent="-317500">
-              <a:spcBef>
-                <a:spcPts val="1600"/>
+            <a:lvl5pPr marL="1714500" lvl="4" indent="-238125">
+              <a:spcBef>
+                <a:spcPts val="1200"/>
               </a:spcBef>
               <a:spcAft>
                 <a:spcPts val="0"/>
@@ -5346,9 +5305,9 @@
               <a:buChar char="○"/>
               <a:defRPr/>
             </a:lvl5pPr>
-            <a:lvl6pPr marL="2743200" lvl="5" indent="-317500">
-              <a:spcBef>
-                <a:spcPts val="1600"/>
+            <a:lvl6pPr marL="2057400" lvl="5" indent="-238125">
+              <a:spcBef>
+                <a:spcPts val="1200"/>
               </a:spcBef>
               <a:spcAft>
                 <a:spcPts val="0"/>
@@ -5357,9 +5316,9 @@
               <a:buChar char="■"/>
               <a:defRPr/>
             </a:lvl6pPr>
-            <a:lvl7pPr marL="3200400" lvl="6" indent="-317500">
-              <a:spcBef>
-                <a:spcPts val="1600"/>
+            <a:lvl7pPr marL="2400300" lvl="6" indent="-238125">
+              <a:spcBef>
+                <a:spcPts val="1200"/>
               </a:spcBef>
               <a:spcAft>
                 <a:spcPts val="0"/>
@@ -5368,9 +5327,9 @@
               <a:buChar char="●"/>
               <a:defRPr/>
             </a:lvl7pPr>
-            <a:lvl8pPr marL="3657600" lvl="7" indent="-317500">
-              <a:spcBef>
-                <a:spcPts val="1600"/>
+            <a:lvl8pPr marL="2743200" lvl="7" indent="-238125">
+              <a:spcBef>
+                <a:spcPts val="1200"/>
               </a:spcBef>
               <a:spcAft>
                 <a:spcPts val="0"/>
@@ -5379,12 +5338,12 @@
               <a:buChar char="○"/>
               <a:defRPr/>
             </a:lvl8pPr>
-            <a:lvl9pPr marL="4114800" lvl="8" indent="-317500">
-              <a:spcBef>
-                <a:spcPts val="1600"/>
-              </a:spcBef>
-              <a:spcAft>
-                <a:spcPts val="1600"/>
+            <a:lvl9pPr marL="3086100" lvl="8" indent="-238125">
+              <a:spcBef>
+                <a:spcPts val="1200"/>
+              </a:spcBef>
+              <a:spcAft>
+                <a:spcPts val="1200"/>
               </a:spcAft>
               <a:buSzPts val="1400"/>
               <a:buChar char="■"/>
@@ -5408,8 +5367,8 @@
         </p:nvSpPr>
         <p:spPr>
           <a:xfrm>
-            <a:off x="8390734" y="4543668"/>
-            <a:ext cx="548700" cy="393600"/>
+            <a:off x="6293051" y="4543668"/>
+            <a:ext cx="411525" cy="393600"/>
           </a:xfrm>
           <a:prstGeom prst="rect">
             <a:avLst/>
@@ -5458,20 +5417,12 @@
             </a:lvl9pPr>
           </a:lstStyle>
           <a:p>
-            <a:pPr marL="0" lvl="0" indent="0" algn="r" rtl="0">
-              <a:spcBef>
-                <a:spcPts val="0"/>
-              </a:spcBef>
-              <a:spcAft>
-                <a:spcPts val="0"/>
-              </a:spcAft>
-              <a:buNone/>
-            </a:pPr>
             <a:fld id="{00000000-1234-1234-1234-123412341234}" type="slidenum">
-              <a:rPr lang="en"/>
+              <a:rPr lang="en" smtClean="0"/>
+              <a:pPr/>
               <a:t>‹#›</a:t>
             </a:fld>
-            <a:endParaRPr/>
+            <a:endParaRPr lang="en"/>
           </a:p>
         </p:txBody>
       </p:sp>
@@ -5516,8 +5467,8 @@
         </p:nvSpPr>
         <p:spPr>
           <a:xfrm flipH="1">
-            <a:off x="3582600" y="1550700"/>
-            <a:ext cx="5561400" cy="3592800"/>
+            <a:off x="2686950" y="1550700"/>
+            <a:ext cx="4171050" cy="3592800"/>
           </a:xfrm>
           <a:prstGeom prst="rtTriangle">
             <a:avLst/>
@@ -5530,7 +5481,7 @@
           </a:ln>
         </p:spPr>
         <p:txBody>
-          <a:bodyPr spcFirstLastPara="1" wrap="square" lIns="91425" tIns="91425" rIns="91425" bIns="91425" anchor="ctr" anchorCtr="0">
+          <a:bodyPr spcFirstLastPara="1" wrap="square" lIns="68569" tIns="68569" rIns="68569" bIns="68569" anchor="ctr" anchorCtr="0">
             <a:noAutofit/>
           </a:bodyPr>
           <a:lstStyle/>
@@ -5544,7 +5495,7 @@
               </a:spcAft>
               <a:buNone/>
             </a:pPr>
-            <a:endParaRPr/>
+            <a:endParaRPr sz="1050"/>
           </a:p>
         </p:txBody>
       </p:sp>
@@ -5556,8 +5507,8 @@
         </p:nvSpPr>
         <p:spPr>
           <a:xfrm>
-            <a:off x="31" y="2824500"/>
-            <a:ext cx="7370400" cy="2319000"/>
+            <a:off x="23" y="2824500"/>
+            <a:ext cx="5527800" cy="2319000"/>
           </a:xfrm>
           <a:prstGeom prst="rtTriangle">
             <a:avLst/>
@@ -5570,7 +5521,7 @@
           </a:ln>
         </p:spPr>
         <p:txBody>
-          <a:bodyPr spcFirstLastPara="1" wrap="square" lIns="91425" tIns="91425" rIns="91425" bIns="91425" anchor="ctr" anchorCtr="0">
+          <a:bodyPr spcFirstLastPara="1" wrap="square" lIns="68569" tIns="68569" rIns="68569" bIns="68569" anchor="ctr" anchorCtr="0">
             <a:noAutofit/>
           </a:bodyPr>
           <a:lstStyle/>
@@ -5584,7 +5535,7 @@
               </a:spcAft>
               <a:buNone/>
             </a:pPr>
-            <a:endParaRPr/>
+            <a:endParaRPr sz="1050"/>
           </a:p>
         </p:txBody>
       </p:sp>
@@ -5596,8 +5547,8 @@
         </p:nvSpPr>
         <p:spPr>
           <a:xfrm>
-            <a:off x="203225" y="206250"/>
-            <a:ext cx="8737500" cy="4731000"/>
+            <a:off x="152419" y="206250"/>
+            <a:ext cx="6553125" cy="4731000"/>
           </a:xfrm>
           <a:prstGeom prst="rect">
             <a:avLst/>
@@ -5617,7 +5568,7 @@
           </a:effectLst>
         </p:spPr>
         <p:txBody>
-          <a:bodyPr spcFirstLastPara="1" wrap="square" lIns="91425" tIns="91425" rIns="91425" bIns="91425" anchor="ctr" anchorCtr="0">
+          <a:bodyPr spcFirstLastPara="1" wrap="square" lIns="68569" tIns="68569" rIns="68569" bIns="68569" anchor="ctr" anchorCtr="0">
             <a:noAutofit/>
           </a:bodyPr>
           <a:lstStyle/>
@@ -5631,7 +5582,7 @@
               </a:spcAft>
               <a:buNone/>
             </a:pPr>
-            <a:endParaRPr/>
+            <a:endParaRPr sz="1050"/>
           </a:p>
         </p:txBody>
       </p:sp>
@@ -5647,8 +5598,8 @@
         </p:nvSpPr>
         <p:spPr>
           <a:xfrm>
-            <a:off x="819150" y="845600"/>
-            <a:ext cx="7505700" cy="954600"/>
+            <a:off x="614363" y="845600"/>
+            <a:ext cx="5629275" cy="954600"/>
           </a:xfrm>
           <a:prstGeom prst="rect">
             <a:avLst/>
@@ -5666,7 +5617,7 @@
               </a:spcAft>
               <a:buSzPts val="3000"/>
               <a:buNone/>
-              <a:defRPr sz="3000"/>
+              <a:defRPr sz="2250"/>
             </a:lvl1pPr>
             <a:lvl2pPr lvl="1">
               <a:spcBef>
@@ -5677,7 +5628,7 @@
               </a:spcAft>
               <a:buSzPts val="3000"/>
               <a:buNone/>
-              <a:defRPr sz="3000"/>
+              <a:defRPr sz="2250"/>
             </a:lvl2pPr>
             <a:lvl3pPr lvl="2">
               <a:spcBef>
@@ -5688,7 +5639,7 @@
               </a:spcAft>
               <a:buSzPts val="3000"/>
               <a:buNone/>
-              <a:defRPr sz="3000"/>
+              <a:defRPr sz="2250"/>
             </a:lvl3pPr>
             <a:lvl4pPr lvl="3">
               <a:spcBef>
@@ -5699,7 +5650,7 @@
               </a:spcAft>
               <a:buSzPts val="3000"/>
               <a:buNone/>
-              <a:defRPr sz="3000"/>
+              <a:defRPr sz="2250"/>
             </a:lvl4pPr>
             <a:lvl5pPr lvl="4">
               <a:spcBef>
@@ -5710,7 +5661,7 @@
               </a:spcAft>
               <a:buSzPts val="3000"/>
               <a:buNone/>
-              <a:defRPr sz="3000"/>
+              <a:defRPr sz="2250"/>
             </a:lvl5pPr>
             <a:lvl6pPr lvl="5">
               <a:spcBef>
@@ -5721,7 +5672,7 @@
               </a:spcAft>
               <a:buSzPts val="3000"/>
               <a:buNone/>
-              <a:defRPr sz="3000"/>
+              <a:defRPr sz="2250"/>
             </a:lvl6pPr>
             <a:lvl7pPr lvl="6">
               <a:spcBef>
@@ -5732,7 +5683,7 @@
               </a:spcAft>
               <a:buSzPts val="3000"/>
               <a:buNone/>
-              <a:defRPr sz="3000"/>
+              <a:defRPr sz="2250"/>
             </a:lvl7pPr>
             <a:lvl8pPr lvl="7">
               <a:spcBef>
@@ -5743,7 +5694,7 @@
               </a:spcAft>
               <a:buSzPts val="3000"/>
               <a:buNone/>
-              <a:defRPr sz="3000"/>
+              <a:defRPr sz="2250"/>
             </a:lvl8pPr>
             <a:lvl9pPr lvl="8">
               <a:spcBef>
@@ -5754,7 +5705,7 @@
               </a:spcAft>
               <a:buSzPts val="3000"/>
               <a:buNone/>
-              <a:defRPr sz="3000"/>
+              <a:defRPr sz="2250"/>
             </a:lvl9pPr>
           </a:lstStyle>
           <a:p>
@@ -5774,8 +5725,8 @@
         </p:nvSpPr>
         <p:spPr>
           <a:xfrm>
-            <a:off x="8390734" y="4543668"/>
-            <a:ext cx="548700" cy="393600"/>
+            <a:off x="6293051" y="4543668"/>
+            <a:ext cx="411525" cy="393600"/>
           </a:xfrm>
           <a:prstGeom prst="rect">
             <a:avLst/>
@@ -5824,20 +5775,12 @@
             </a:lvl9pPr>
           </a:lstStyle>
           <a:p>
-            <a:pPr marL="0" lvl="0" indent="0" algn="r" rtl="0">
-              <a:spcBef>
-                <a:spcPts val="0"/>
-              </a:spcBef>
-              <a:spcAft>
-                <a:spcPts val="0"/>
-              </a:spcAft>
-              <a:buNone/>
-            </a:pPr>
             <a:fld id="{00000000-1234-1234-1234-123412341234}" type="slidenum">
-              <a:rPr lang="en"/>
+              <a:rPr lang="en" smtClean="0"/>
+              <a:pPr/>
               <a:t>‹#›</a:t>
             </a:fld>
-            <a:endParaRPr/>
+            <a:endParaRPr lang="en"/>
           </a:p>
         </p:txBody>
       </p:sp>
@@ -5882,8 +5825,8 @@
         </p:nvSpPr>
         <p:spPr>
           <a:xfrm flipH="1">
-            <a:off x="3582600" y="1550700"/>
-            <a:ext cx="5561400" cy="3592800"/>
+            <a:off x="2686950" y="1550700"/>
+            <a:ext cx="4171050" cy="3592800"/>
           </a:xfrm>
           <a:prstGeom prst="rtTriangle">
             <a:avLst/>
@@ -5896,7 +5839,7 @@
           </a:ln>
         </p:spPr>
         <p:txBody>
-          <a:bodyPr spcFirstLastPara="1" wrap="square" lIns="91425" tIns="91425" rIns="91425" bIns="91425" anchor="ctr" anchorCtr="0">
+          <a:bodyPr spcFirstLastPara="1" wrap="square" lIns="68569" tIns="68569" rIns="68569" bIns="68569" anchor="ctr" anchorCtr="0">
             <a:noAutofit/>
           </a:bodyPr>
           <a:lstStyle/>
@@ -5910,7 +5853,7 @@
               </a:spcAft>
               <a:buNone/>
             </a:pPr>
-            <a:endParaRPr/>
+            <a:endParaRPr sz="1050"/>
           </a:p>
         </p:txBody>
       </p:sp>
@@ -5922,8 +5865,8 @@
         </p:nvSpPr>
         <p:spPr>
           <a:xfrm>
-            <a:off x="31" y="2824500"/>
-            <a:ext cx="7370400" cy="2319000"/>
+            <a:off x="23" y="2824500"/>
+            <a:ext cx="5527800" cy="2319000"/>
           </a:xfrm>
           <a:prstGeom prst="rtTriangle">
             <a:avLst/>
@@ -5936,7 +5879,7 @@
           </a:ln>
         </p:spPr>
         <p:txBody>
-          <a:bodyPr spcFirstLastPara="1" wrap="square" lIns="91425" tIns="91425" rIns="91425" bIns="91425" anchor="ctr" anchorCtr="0">
+          <a:bodyPr spcFirstLastPara="1" wrap="square" lIns="68569" tIns="68569" rIns="68569" bIns="68569" anchor="ctr" anchorCtr="0">
             <a:noAutofit/>
           </a:bodyPr>
           <a:lstStyle/>
@@ -5950,7 +5893,7 @@
               </a:spcAft>
               <a:buNone/>
             </a:pPr>
-            <a:endParaRPr/>
+            <a:endParaRPr sz="1050"/>
           </a:p>
         </p:txBody>
       </p:sp>
@@ -5962,8 +5905,8 @@
         </p:nvSpPr>
         <p:spPr>
           <a:xfrm>
-            <a:off x="203225" y="206250"/>
-            <a:ext cx="8737500" cy="4731000"/>
+            <a:off x="152419" y="206250"/>
+            <a:ext cx="6553125" cy="4731000"/>
           </a:xfrm>
           <a:prstGeom prst="rect">
             <a:avLst/>
@@ -5983,7 +5926,7 @@
           </a:effectLst>
         </p:spPr>
         <p:txBody>
-          <a:bodyPr spcFirstLastPara="1" wrap="square" lIns="91425" tIns="91425" rIns="91425" bIns="91425" anchor="ctr" anchorCtr="0">
+          <a:bodyPr spcFirstLastPara="1" wrap="square" lIns="68569" tIns="68569" rIns="68569" bIns="68569" anchor="ctr" anchorCtr="0">
             <a:noAutofit/>
           </a:bodyPr>
           <a:lstStyle/>
@@ -5997,7 +5940,7 @@
               </a:spcAft>
               <a:buNone/>
             </a:pPr>
-            <a:endParaRPr/>
+            <a:endParaRPr sz="1050"/>
           </a:p>
         </p:txBody>
       </p:sp>
@@ -6013,8 +5956,8 @@
         </p:nvSpPr>
         <p:spPr>
           <a:xfrm>
-            <a:off x="819150" y="845600"/>
-            <a:ext cx="3709200" cy="1383000"/>
+            <a:off x="614363" y="845600"/>
+            <a:ext cx="2781900" cy="1383000"/>
           </a:xfrm>
           <a:prstGeom prst="rect">
             <a:avLst/>
@@ -6032,7 +5975,7 @@
               </a:spcAft>
               <a:buSzPts val="3000"/>
               <a:buNone/>
-              <a:defRPr sz="3000"/>
+              <a:defRPr sz="2250"/>
             </a:lvl1pPr>
             <a:lvl2pPr lvl="1">
               <a:spcBef>
@@ -6043,7 +5986,7 @@
               </a:spcAft>
               <a:buSzPts val="3000"/>
               <a:buNone/>
-              <a:defRPr sz="3000"/>
+              <a:defRPr sz="2250"/>
             </a:lvl2pPr>
             <a:lvl3pPr lvl="2">
               <a:spcBef>
@@ -6054,7 +5997,7 @@
               </a:spcAft>
               <a:buSzPts val="3000"/>
               <a:buNone/>
-              <a:defRPr sz="3000"/>
+              <a:defRPr sz="2250"/>
             </a:lvl3pPr>
             <a:lvl4pPr lvl="3">
               <a:spcBef>
@@ -6065,7 +6008,7 @@
               </a:spcAft>
               <a:buSzPts val="3000"/>
               <a:buNone/>
-              <a:defRPr sz="3000"/>
+              <a:defRPr sz="2250"/>
             </a:lvl4pPr>
             <a:lvl5pPr lvl="4">
               <a:spcBef>
@@ -6076,7 +6019,7 @@
               </a:spcAft>
               <a:buSzPts val="3000"/>
               <a:buNone/>
-              <a:defRPr sz="3000"/>
+              <a:defRPr sz="2250"/>
             </a:lvl5pPr>
             <a:lvl6pPr lvl="5">
               <a:spcBef>
@@ -6087,7 +6030,7 @@
               </a:spcAft>
               <a:buSzPts val="3000"/>
               <a:buNone/>
-              <a:defRPr sz="3000"/>
+              <a:defRPr sz="2250"/>
             </a:lvl6pPr>
             <a:lvl7pPr lvl="6">
               <a:spcBef>
@@ -6098,7 +6041,7 @@
               </a:spcAft>
               <a:buSzPts val="3000"/>
               <a:buNone/>
-              <a:defRPr sz="3000"/>
+              <a:defRPr sz="2250"/>
             </a:lvl7pPr>
             <a:lvl8pPr lvl="7">
               <a:spcBef>
@@ -6109,7 +6052,7 @@
               </a:spcAft>
               <a:buSzPts val="3000"/>
               <a:buNone/>
-              <a:defRPr sz="3000"/>
+              <a:defRPr sz="2250"/>
             </a:lvl8pPr>
             <a:lvl9pPr lvl="8">
               <a:spcBef>
@@ -6120,7 +6063,7 @@
               </a:spcAft>
               <a:buSzPts val="3000"/>
               <a:buNone/>
-              <a:defRPr sz="3000"/>
+              <a:defRPr sz="2250"/>
             </a:lvl9pPr>
           </a:lstStyle>
           <a:p>
@@ -6140,8 +6083,8 @@
         </p:nvSpPr>
         <p:spPr>
           <a:xfrm>
-            <a:off x="830700" y="2319050"/>
-            <a:ext cx="3709200" cy="2119800"/>
+            <a:off x="623025" y="2319050"/>
+            <a:ext cx="2781900" cy="2119800"/>
           </a:xfrm>
           <a:prstGeom prst="rect">
             <a:avLst/>
@@ -6150,7 +6093,7 @@
         <p:txBody>
           <a:bodyPr spcFirstLastPara="1" wrap="square" lIns="91425" tIns="91425" rIns="91425" bIns="91425" anchor="t" anchorCtr="0"/>
           <a:lstStyle>
-            <a:lvl1pPr marL="457200" lvl="0" indent="-342900">
+            <a:lvl1pPr marL="342900" lvl="0" indent="-257175">
               <a:spcBef>
                 <a:spcPts val="0"/>
               </a:spcBef>
@@ -6161,9 +6104,9 @@
               <a:buChar char="●"/>
               <a:defRPr/>
             </a:lvl1pPr>
-            <a:lvl2pPr marL="914400" lvl="1" indent="-317500">
-              <a:spcBef>
-                <a:spcPts val="1600"/>
+            <a:lvl2pPr marL="685800" lvl="1" indent="-238125">
+              <a:spcBef>
+                <a:spcPts val="1200"/>
               </a:spcBef>
               <a:spcAft>
                 <a:spcPts val="0"/>
@@ -6172,9 +6115,9 @@
               <a:buChar char="○"/>
               <a:defRPr/>
             </a:lvl2pPr>
-            <a:lvl3pPr marL="1371600" lvl="2" indent="-317500">
-              <a:spcBef>
-                <a:spcPts val="1600"/>
+            <a:lvl3pPr marL="1028700" lvl="2" indent="-238125">
+              <a:spcBef>
+                <a:spcPts val="1200"/>
               </a:spcBef>
               <a:spcAft>
                 <a:spcPts val="0"/>
@@ -6183,9 +6126,9 @@
               <a:buChar char="■"/>
               <a:defRPr/>
             </a:lvl3pPr>
-            <a:lvl4pPr marL="1828800" lvl="3" indent="-317500">
-              <a:spcBef>
-                <a:spcPts val="1600"/>
+            <a:lvl4pPr marL="1371600" lvl="3" indent="-238125">
+              <a:spcBef>
+                <a:spcPts val="1200"/>
               </a:spcBef>
               <a:spcAft>
                 <a:spcPts val="0"/>
@@ -6194,9 +6137,9 @@
               <a:buChar char="●"/>
               <a:defRPr/>
             </a:lvl4pPr>
-            <a:lvl5pPr marL="2286000" lvl="4" indent="-317500">
-              <a:spcBef>
-                <a:spcPts val="1600"/>
+            <a:lvl5pPr marL="1714500" lvl="4" indent="-238125">
+              <a:spcBef>
+                <a:spcPts val="1200"/>
               </a:spcBef>
               <a:spcAft>
                 <a:spcPts val="0"/>
@@ -6205,9 +6148,9 @@
               <a:buChar char="○"/>
               <a:defRPr/>
             </a:lvl5pPr>
-            <a:lvl6pPr marL="2743200" lvl="5" indent="-317500">
-              <a:spcBef>
-                <a:spcPts val="1600"/>
+            <a:lvl6pPr marL="2057400" lvl="5" indent="-238125">
+              <a:spcBef>
+                <a:spcPts val="1200"/>
               </a:spcBef>
               <a:spcAft>
                 <a:spcPts val="0"/>
@@ -6216,9 +6159,9 @@
               <a:buChar char="■"/>
               <a:defRPr/>
             </a:lvl6pPr>
-            <a:lvl7pPr marL="3200400" lvl="6" indent="-317500">
-              <a:spcBef>
-                <a:spcPts val="1600"/>
+            <a:lvl7pPr marL="2400300" lvl="6" indent="-238125">
+              <a:spcBef>
+                <a:spcPts val="1200"/>
               </a:spcBef>
               <a:spcAft>
                 <a:spcPts val="0"/>
@@ -6227,9 +6170,9 @@
               <a:buChar char="●"/>
               <a:defRPr/>
             </a:lvl7pPr>
-            <a:lvl8pPr marL="3657600" lvl="7" indent="-317500">
-              <a:spcBef>
-                <a:spcPts val="1600"/>
+            <a:lvl8pPr marL="2743200" lvl="7" indent="-238125">
+              <a:spcBef>
+                <a:spcPts val="1200"/>
               </a:spcBef>
               <a:spcAft>
                 <a:spcPts val="0"/>
@@ -6238,12 +6181,12 @@
               <a:buChar char="○"/>
               <a:defRPr/>
             </a:lvl8pPr>
-            <a:lvl9pPr marL="4114800" lvl="8" indent="-317500">
-              <a:spcBef>
-                <a:spcPts val="1600"/>
-              </a:spcBef>
-              <a:spcAft>
-                <a:spcPts val="1600"/>
+            <a:lvl9pPr marL="3086100" lvl="8" indent="-238125">
+              <a:spcBef>
+                <a:spcPts val="1200"/>
+              </a:spcBef>
+              <a:spcAft>
+                <a:spcPts val="1200"/>
               </a:spcAft>
               <a:buSzPts val="1400"/>
               <a:buChar char="■"/>
@@ -6267,8 +6210,8 @@
         </p:nvSpPr>
         <p:spPr>
           <a:xfrm>
-            <a:off x="8390734" y="4543668"/>
-            <a:ext cx="548700" cy="393600"/>
+            <a:off x="6293051" y="4543668"/>
+            <a:ext cx="411525" cy="393600"/>
           </a:xfrm>
           <a:prstGeom prst="rect">
             <a:avLst/>
@@ -6317,20 +6260,12 @@
             </a:lvl9pPr>
           </a:lstStyle>
           <a:p>
-            <a:pPr marL="0" lvl="0" indent="0" algn="r" rtl="0">
-              <a:spcBef>
-                <a:spcPts val="0"/>
-              </a:spcBef>
-              <a:spcAft>
-                <a:spcPts val="0"/>
-              </a:spcAft>
-              <a:buNone/>
-            </a:pPr>
             <a:fld id="{00000000-1234-1234-1234-123412341234}" type="slidenum">
-              <a:rPr lang="en"/>
+              <a:rPr lang="en" smtClean="0"/>
+              <a:pPr/>
               <a:t>‹#›</a:t>
             </a:fld>
-            <a:endParaRPr/>
+            <a:endParaRPr lang="en"/>
           </a:p>
         </p:txBody>
       </p:sp>
@@ -6376,7 +6311,7 @@
         <p:spPr>
           <a:xfrm>
             <a:off x="0" y="2823144"/>
-            <a:ext cx="7369200" cy="2316900"/>
+            <a:ext cx="5526900" cy="2316900"/>
           </a:xfrm>
           <a:prstGeom prst="rtTriangle">
             <a:avLst/>
@@ -6389,7 +6324,7 @@
           </a:ln>
         </p:spPr>
         <p:txBody>
-          <a:bodyPr spcFirstLastPara="1" wrap="square" lIns="91425" tIns="91425" rIns="91425" bIns="91425" anchor="ctr" anchorCtr="0">
+          <a:bodyPr spcFirstLastPara="1" wrap="square" lIns="68569" tIns="68569" rIns="68569" bIns="68569" anchor="ctr" anchorCtr="0">
             <a:noAutofit/>
           </a:bodyPr>
           <a:lstStyle/>
@@ -6403,7 +6338,7 @@
               </a:spcAft>
               <a:buNone/>
             </a:pPr>
-            <a:endParaRPr/>
+            <a:endParaRPr sz="1050"/>
           </a:p>
         </p:txBody>
       </p:sp>
@@ -6415,8 +6350,8 @@
         </p:nvSpPr>
         <p:spPr>
           <a:xfrm flipH="1">
-            <a:off x="3583210" y="1554113"/>
-            <a:ext cx="5560500" cy="3589500"/>
+            <a:off x="2687408" y="1554113"/>
+            <a:ext cx="4170375" cy="3589500"/>
           </a:xfrm>
           <a:prstGeom prst="rtTriangle">
             <a:avLst/>
@@ -6429,7 +6364,7 @@
           </a:ln>
         </p:spPr>
         <p:txBody>
-          <a:bodyPr spcFirstLastPara="1" wrap="square" lIns="91425" tIns="91425" rIns="91425" bIns="91425" anchor="ctr" anchorCtr="0">
+          <a:bodyPr spcFirstLastPara="1" wrap="square" lIns="68569" tIns="68569" rIns="68569" bIns="68569" anchor="ctr" anchorCtr="0">
             <a:noAutofit/>
           </a:bodyPr>
           <a:lstStyle/>
@@ -6443,7 +6378,7 @@
               </a:spcAft>
               <a:buNone/>
             </a:pPr>
-            <a:endParaRPr/>
+            <a:endParaRPr sz="1050"/>
           </a:p>
         </p:txBody>
       </p:sp>
@@ -6455,8 +6390,8 @@
         </p:nvGrpSpPr>
         <p:grpSpPr>
           <a:xfrm>
-            <a:off x="255991" y="-118"/>
-            <a:ext cx="2251347" cy="1043408"/>
+            <a:off x="191994" y="-118"/>
+            <a:ext cx="1688510" cy="1043408"/>
             <a:chOff x="3961956" y="4383950"/>
             <a:chExt cx="1160548" cy="548700"/>
           </a:xfrm>
@@ -6499,7 +6434,7 @@
                 </a:spcAft>
                 <a:buNone/>
               </a:pPr>
-              <a:endParaRPr/>
+              <a:endParaRPr sz="1050"/>
             </a:p>
           </p:txBody>
         </p:sp>
@@ -6541,7 +6476,7 @@
                 </a:spcAft>
                 <a:buNone/>
               </a:pPr>
-              <a:endParaRPr/>
+              <a:endParaRPr sz="1050"/>
             </a:p>
           </p:txBody>
         </p:sp>
@@ -6583,7 +6518,7 @@
                 </a:spcAft>
                 <a:buNone/>
               </a:pPr>
-              <a:endParaRPr/>
+              <a:endParaRPr sz="1050"/>
             </a:p>
           </p:txBody>
         </p:sp>
@@ -6596,8 +6531,8 @@
         </p:nvSpPr>
         <p:spPr>
           <a:xfrm>
-            <a:off x="203225" y="206250"/>
-            <a:ext cx="8737500" cy="4731000"/>
+            <a:off x="152419" y="206250"/>
+            <a:ext cx="6553125" cy="4731000"/>
           </a:xfrm>
           <a:prstGeom prst="rect">
             <a:avLst/>
@@ -6617,7 +6552,7 @@
           </a:effectLst>
         </p:spPr>
         <p:txBody>
-          <a:bodyPr spcFirstLastPara="1" wrap="square" lIns="91425" tIns="91425" rIns="91425" bIns="91425" anchor="ctr" anchorCtr="0">
+          <a:bodyPr spcFirstLastPara="1" wrap="square" lIns="68569" tIns="68569" rIns="68569" bIns="68569" anchor="ctr" anchorCtr="0">
             <a:noAutofit/>
           </a:bodyPr>
           <a:lstStyle/>
@@ -6631,7 +6566,7 @@
               </a:spcAft>
               <a:buNone/>
             </a:pPr>
-            <a:endParaRPr/>
+            <a:endParaRPr sz="1050"/>
           </a:p>
         </p:txBody>
       </p:sp>
@@ -6643,8 +6578,8 @@
         </p:nvGrpSpPr>
         <p:grpSpPr>
           <a:xfrm>
-            <a:off x="34934" y="4522125"/>
-            <a:ext cx="1593306" cy="617072"/>
+            <a:off x="26200" y="4522125"/>
+            <a:ext cx="1194980" cy="617072"/>
             <a:chOff x="6917201" y="0"/>
             <a:chExt cx="2227777" cy="863400"/>
           </a:xfrm>
@@ -6687,7 +6622,7 @@
                 </a:spcAft>
                 <a:buNone/>
               </a:pPr>
-              <a:endParaRPr/>
+              <a:endParaRPr sz="1050"/>
             </a:p>
           </p:txBody>
         </p:sp>
@@ -6729,7 +6664,7 @@
                 </a:spcAft>
                 <a:buNone/>
               </a:pPr>
-              <a:endParaRPr/>
+              <a:endParaRPr sz="1050"/>
             </a:p>
           </p:txBody>
         </p:sp>
@@ -6771,7 +6706,7 @@
                 </a:spcAft>
                 <a:buNone/>
               </a:pPr>
-              <a:endParaRPr/>
+              <a:endParaRPr sz="1050"/>
             </a:p>
           </p:txBody>
         </p:sp>
@@ -6784,8 +6719,8 @@
         </p:nvGrpSpPr>
         <p:grpSpPr>
           <a:xfrm>
-            <a:off x="5886353" y="1243"/>
-            <a:ext cx="3257455" cy="1261514"/>
+            <a:off x="4414765" y="1243"/>
+            <a:ext cx="2443091" cy="1261514"/>
             <a:chOff x="6917201" y="0"/>
             <a:chExt cx="2227777" cy="863400"/>
           </a:xfrm>
@@ -6828,7 +6763,7 @@
                 </a:spcAft>
                 <a:buNone/>
               </a:pPr>
-              <a:endParaRPr/>
+              <a:endParaRPr sz="1050"/>
             </a:p>
           </p:txBody>
         </p:sp>
@@ -6870,7 +6805,7 @@
                 </a:spcAft>
                 <a:buNone/>
               </a:pPr>
-              <a:endParaRPr/>
+              <a:endParaRPr sz="1050"/>
             </a:p>
           </p:txBody>
         </p:sp>
@@ -6912,7 +6847,7 @@
                 </a:spcAft>
                 <a:buNone/>
               </a:pPr>
-              <a:endParaRPr/>
+              <a:endParaRPr sz="1050"/>
             </a:p>
           </p:txBody>
         </p:sp>
@@ -6929,8 +6864,8 @@
         </p:nvSpPr>
         <p:spPr>
           <a:xfrm>
-            <a:off x="1393929" y="1301146"/>
-            <a:ext cx="6366900" cy="2539200"/>
+            <a:off x="1045447" y="1301146"/>
+            <a:ext cx="4775175" cy="2539200"/>
           </a:xfrm>
           <a:prstGeom prst="rect">
             <a:avLst/>
@@ -6948,7 +6883,7 @@
               </a:spcAft>
               <a:buSzPts val="3200"/>
               <a:buNone/>
-              <a:defRPr sz="3200"/>
+              <a:defRPr sz="2400"/>
             </a:lvl1pPr>
             <a:lvl2pPr lvl="1" algn="ctr">
               <a:spcBef>
@@ -6959,7 +6894,7 @@
               </a:spcAft>
               <a:buSzPts val="3200"/>
               <a:buNone/>
-              <a:defRPr sz="3200"/>
+              <a:defRPr sz="2400"/>
             </a:lvl2pPr>
             <a:lvl3pPr lvl="2" algn="ctr">
               <a:spcBef>
@@ -6970,7 +6905,7 @@
               </a:spcAft>
               <a:buSzPts val="3200"/>
               <a:buNone/>
-              <a:defRPr sz="3200"/>
+              <a:defRPr sz="2400"/>
             </a:lvl3pPr>
             <a:lvl4pPr lvl="3" algn="ctr">
               <a:spcBef>
@@ -6981,7 +6916,7 @@
               </a:spcAft>
               <a:buSzPts val="3200"/>
               <a:buNone/>
-              <a:defRPr sz="3200"/>
+              <a:defRPr sz="2400"/>
             </a:lvl4pPr>
             <a:lvl5pPr lvl="4" algn="ctr">
               <a:spcBef>
@@ -6992,7 +6927,7 @@
               </a:spcAft>
               <a:buSzPts val="3200"/>
               <a:buNone/>
-              <a:defRPr sz="3200"/>
+              <a:defRPr sz="2400"/>
             </a:lvl5pPr>
             <a:lvl6pPr lvl="5" algn="ctr">
               <a:spcBef>
@@ -7003,7 +6938,7 @@
               </a:spcAft>
               <a:buSzPts val="3200"/>
               <a:buNone/>
-              <a:defRPr sz="3200"/>
+              <a:defRPr sz="2400"/>
             </a:lvl6pPr>
             <a:lvl7pPr lvl="6" algn="ctr">
               <a:spcBef>
@@ -7014,7 +6949,7 @@
               </a:spcAft>
               <a:buSzPts val="3200"/>
               <a:buNone/>
-              <a:defRPr sz="3200"/>
+              <a:defRPr sz="2400"/>
             </a:lvl7pPr>
             <a:lvl8pPr lvl="7" algn="ctr">
               <a:spcBef>
@@ -7025,7 +6960,7 @@
               </a:spcAft>
               <a:buSzPts val="3200"/>
               <a:buNone/>
-              <a:defRPr sz="3200"/>
+              <a:defRPr sz="2400"/>
             </a:lvl8pPr>
             <a:lvl9pPr lvl="8" algn="ctr">
               <a:spcBef>
@@ -7036,7 +6971,7 @@
               </a:spcAft>
               <a:buSzPts val="3200"/>
               <a:buNone/>
-              <a:defRPr sz="3200"/>
+              <a:defRPr sz="2400"/>
             </a:lvl9pPr>
           </a:lstStyle>
           <a:p>
@@ -7056,8 +6991,8 @@
         </p:nvSpPr>
         <p:spPr>
           <a:xfrm>
-            <a:off x="8390734" y="4543668"/>
-            <a:ext cx="548700" cy="393600"/>
+            <a:off x="6293051" y="4543668"/>
+            <a:ext cx="411525" cy="393600"/>
           </a:xfrm>
           <a:prstGeom prst="rect">
             <a:avLst/>
@@ -7106,20 +7041,12 @@
             </a:lvl9pPr>
           </a:lstStyle>
           <a:p>
-            <a:pPr marL="0" lvl="0" indent="0" algn="r" rtl="0">
-              <a:spcBef>
-                <a:spcPts val="0"/>
-              </a:spcBef>
-              <a:spcAft>
-                <a:spcPts val="0"/>
-              </a:spcAft>
-              <a:buNone/>
-            </a:pPr>
             <a:fld id="{00000000-1234-1234-1234-123412341234}" type="slidenum">
-              <a:rPr lang="en"/>
+              <a:rPr lang="en" smtClean="0"/>
+              <a:pPr/>
               <a:t>‹#›</a:t>
             </a:fld>
-            <a:endParaRPr/>
+            <a:endParaRPr lang="en"/>
           </a:p>
         </p:txBody>
       </p:sp>
@@ -7164,8 +7091,8 @@
         </p:nvSpPr>
         <p:spPr>
           <a:xfrm flipH="1">
-            <a:off x="3582600" y="1550700"/>
-            <a:ext cx="5561400" cy="3592800"/>
+            <a:off x="2686950" y="1550700"/>
+            <a:ext cx="4171050" cy="3592800"/>
           </a:xfrm>
           <a:prstGeom prst="rtTriangle">
             <a:avLst/>
@@ -7178,7 +7105,7 @@
           </a:ln>
         </p:spPr>
         <p:txBody>
-          <a:bodyPr spcFirstLastPara="1" wrap="square" lIns="91425" tIns="91425" rIns="91425" bIns="91425" anchor="ctr" anchorCtr="0">
+          <a:bodyPr spcFirstLastPara="1" wrap="square" lIns="68569" tIns="68569" rIns="68569" bIns="68569" anchor="ctr" anchorCtr="0">
             <a:noAutofit/>
           </a:bodyPr>
           <a:lstStyle/>
@@ -7192,7 +7119,7 @@
               </a:spcAft>
               <a:buNone/>
             </a:pPr>
-            <a:endParaRPr/>
+            <a:endParaRPr sz="1050"/>
           </a:p>
         </p:txBody>
       </p:sp>
@@ -7204,8 +7131,8 @@
         </p:nvSpPr>
         <p:spPr>
           <a:xfrm>
-            <a:off x="31" y="2824500"/>
-            <a:ext cx="7370400" cy="2319000"/>
+            <a:off x="23" y="2824500"/>
+            <a:ext cx="5527800" cy="2319000"/>
           </a:xfrm>
           <a:prstGeom prst="rtTriangle">
             <a:avLst/>
@@ -7218,7 +7145,7 @@
           </a:ln>
         </p:spPr>
         <p:txBody>
-          <a:bodyPr spcFirstLastPara="1" wrap="square" lIns="91425" tIns="91425" rIns="91425" bIns="91425" anchor="ctr" anchorCtr="0">
+          <a:bodyPr spcFirstLastPara="1" wrap="square" lIns="68569" tIns="68569" rIns="68569" bIns="68569" anchor="ctr" anchorCtr="0">
             <a:noAutofit/>
           </a:bodyPr>
           <a:lstStyle/>
@@ -7232,7 +7159,7 @@
               </a:spcAft>
               <a:buNone/>
             </a:pPr>
-            <a:endParaRPr/>
+            <a:endParaRPr sz="1050"/>
           </a:p>
         </p:txBody>
       </p:sp>
@@ -7244,8 +7171,8 @@
         </p:nvSpPr>
         <p:spPr>
           <a:xfrm>
-            <a:off x="203225" y="206250"/>
-            <a:ext cx="8737500" cy="4731000"/>
+            <a:off x="152419" y="206250"/>
+            <a:ext cx="6553125" cy="4731000"/>
           </a:xfrm>
           <a:prstGeom prst="rect">
             <a:avLst/>
@@ -7265,7 +7192,7 @@
           </a:effectLst>
         </p:spPr>
         <p:txBody>
-          <a:bodyPr spcFirstLastPara="1" wrap="square" lIns="91425" tIns="91425" rIns="91425" bIns="91425" anchor="ctr" anchorCtr="0">
+          <a:bodyPr spcFirstLastPara="1" wrap="square" lIns="68569" tIns="68569" rIns="68569" bIns="68569" anchor="ctr" anchorCtr="0">
             <a:noAutofit/>
           </a:bodyPr>
           <a:lstStyle/>
@@ -7279,7 +7206,7 @@
               </a:spcAft>
               <a:buNone/>
             </a:pPr>
-            <a:endParaRPr/>
+            <a:endParaRPr sz="1050"/>
           </a:p>
         </p:txBody>
       </p:sp>
@@ -7295,8 +7222,8 @@
         </p:nvSpPr>
         <p:spPr>
           <a:xfrm>
-            <a:off x="819150" y="845600"/>
-            <a:ext cx="6424200" cy="705000"/>
+            <a:off x="614363" y="845600"/>
+            <a:ext cx="4818150" cy="705000"/>
           </a:xfrm>
           <a:prstGeom prst="rect">
             <a:avLst/>
@@ -7314,7 +7241,7 @@
               </a:spcAft>
               <a:buSzPts val="3000"/>
               <a:buNone/>
-              <a:defRPr sz="3000"/>
+              <a:defRPr sz="2250"/>
             </a:lvl1pPr>
             <a:lvl2pPr lvl="1">
               <a:spcBef>
@@ -7325,7 +7252,7 @@
               </a:spcAft>
               <a:buSzPts val="3000"/>
               <a:buNone/>
-              <a:defRPr sz="3000"/>
+              <a:defRPr sz="2250"/>
             </a:lvl2pPr>
             <a:lvl3pPr lvl="2">
               <a:spcBef>
@@ -7336,7 +7263,7 @@
               </a:spcAft>
               <a:buSzPts val="3000"/>
               <a:buNone/>
-              <a:defRPr sz="3000"/>
+              <a:defRPr sz="2250"/>
             </a:lvl3pPr>
             <a:lvl4pPr lvl="3">
               <a:spcBef>
@@ -7347,7 +7274,7 @@
               </a:spcAft>
               <a:buSzPts val="3000"/>
               <a:buNone/>
-              <a:defRPr sz="3000"/>
+              <a:defRPr sz="2250"/>
             </a:lvl4pPr>
             <a:lvl5pPr lvl="4">
               <a:spcBef>
@@ -7358,7 +7285,7 @@
               </a:spcAft>
               <a:buSzPts val="3000"/>
               <a:buNone/>
-              <a:defRPr sz="3000"/>
+              <a:defRPr sz="2250"/>
             </a:lvl5pPr>
             <a:lvl6pPr lvl="5">
               <a:spcBef>
@@ -7369,7 +7296,7 @@
               </a:spcAft>
               <a:buSzPts val="3000"/>
               <a:buNone/>
-              <a:defRPr sz="3000"/>
+              <a:defRPr sz="2250"/>
             </a:lvl6pPr>
             <a:lvl7pPr lvl="6">
               <a:spcBef>
@@ -7380,7 +7307,7 @@
               </a:spcAft>
               <a:buSzPts val="3000"/>
               <a:buNone/>
-              <a:defRPr sz="3000"/>
+              <a:defRPr sz="2250"/>
             </a:lvl7pPr>
             <a:lvl8pPr lvl="7">
               <a:spcBef>
@@ -7391,7 +7318,7 @@
               </a:spcAft>
               <a:buSzPts val="3000"/>
               <a:buNone/>
-              <a:defRPr sz="3000"/>
+              <a:defRPr sz="2250"/>
             </a:lvl8pPr>
             <a:lvl9pPr lvl="8">
               <a:spcBef>
@@ -7402,7 +7329,7 @@
               </a:spcAft>
               <a:buSzPts val="3000"/>
               <a:buNone/>
-              <a:defRPr sz="3000"/>
+              <a:defRPr sz="2250"/>
             </a:lvl9pPr>
           </a:lstStyle>
           <a:p>
@@ -7422,8 +7349,8 @@
         </p:nvSpPr>
         <p:spPr>
           <a:xfrm>
-            <a:off x="819150" y="1550700"/>
-            <a:ext cx="5859900" cy="393600"/>
+            <a:off x="614363" y="1550700"/>
+            <a:ext cx="4394925" cy="393600"/>
           </a:xfrm>
           <a:prstGeom prst="rect">
             <a:avLst/>
@@ -7447,7 +7374,7 @@
               </a:buClr>
               <a:buSzPts val="1600"/>
               <a:buNone/>
-              <a:defRPr sz="1600">
+              <a:defRPr sz="1200">
                 <a:solidFill>
                   <a:schemeClr val="lt1"/>
                 </a:solidFill>
@@ -7468,7 +7395,7 @@
               </a:buClr>
               <a:buSzPts val="1600"/>
               <a:buNone/>
-              <a:defRPr sz="1600">
+              <a:defRPr sz="1200">
                 <a:solidFill>
                   <a:schemeClr val="lt1"/>
                 </a:solidFill>
@@ -7489,7 +7416,7 @@
               </a:buClr>
               <a:buSzPts val="1600"/>
               <a:buNone/>
-              <a:defRPr sz="1600">
+              <a:defRPr sz="1200">
                 <a:solidFill>
                   <a:schemeClr val="lt1"/>
                 </a:solidFill>
@@ -7510,7 +7437,7 @@
               </a:buClr>
               <a:buSzPts val="1600"/>
               <a:buNone/>
-              <a:defRPr sz="1600">
+              <a:defRPr sz="1200">
                 <a:solidFill>
                   <a:schemeClr val="lt1"/>
                 </a:solidFill>
@@ -7531,7 +7458,7 @@
               </a:buClr>
               <a:buSzPts val="1600"/>
               <a:buNone/>
-              <a:defRPr sz="1600">
+              <a:defRPr sz="1200">
                 <a:solidFill>
                   <a:schemeClr val="lt1"/>
                 </a:solidFill>
@@ -7552,7 +7479,7 @@
               </a:buClr>
               <a:buSzPts val="1600"/>
               <a:buNone/>
-              <a:defRPr sz="1600">
+              <a:defRPr sz="1200">
                 <a:solidFill>
                   <a:schemeClr val="lt1"/>
                 </a:solidFill>
@@ -7573,7 +7500,7 @@
               </a:buClr>
               <a:buSzPts val="1600"/>
               <a:buNone/>
-              <a:defRPr sz="1600">
+              <a:defRPr sz="1200">
                 <a:solidFill>
                   <a:schemeClr val="lt1"/>
                 </a:solidFill>
@@ -7594,7 +7521,7 @@
               </a:buClr>
               <a:buSzPts val="1600"/>
               <a:buNone/>
-              <a:defRPr sz="1600">
+              <a:defRPr sz="1200">
                 <a:solidFill>
                   <a:schemeClr val="lt1"/>
                 </a:solidFill>
@@ -7615,7 +7542,7 @@
               </a:buClr>
               <a:buSzPts val="1600"/>
               <a:buNone/>
-              <a:defRPr sz="1600">
+              <a:defRPr sz="1200">
                 <a:solidFill>
                   <a:schemeClr val="lt1"/>
                 </a:solidFill>
@@ -7639,8 +7566,8 @@
         </p:nvSpPr>
         <p:spPr>
           <a:xfrm>
-            <a:off x="819150" y="2467050"/>
-            <a:ext cx="5859900" cy="2095500"/>
+            <a:off x="614363" y="2467050"/>
+            <a:ext cx="4394925" cy="2095500"/>
           </a:xfrm>
           <a:prstGeom prst="rect">
             <a:avLst/>
@@ -7649,7 +7576,7 @@
         <p:txBody>
           <a:bodyPr spcFirstLastPara="1" wrap="square" lIns="91425" tIns="91425" rIns="91425" bIns="91425" anchor="t" anchorCtr="0"/>
           <a:lstStyle>
-            <a:lvl1pPr marL="457200" lvl="0" indent="-342900">
+            <a:lvl1pPr marL="342900" lvl="0" indent="-257175">
               <a:spcBef>
                 <a:spcPts val="0"/>
               </a:spcBef>
@@ -7660,9 +7587,9 @@
               <a:buChar char="●"/>
               <a:defRPr/>
             </a:lvl1pPr>
-            <a:lvl2pPr marL="914400" lvl="1" indent="-317500">
-              <a:spcBef>
-                <a:spcPts val="1600"/>
+            <a:lvl2pPr marL="685800" lvl="1" indent="-238125">
+              <a:spcBef>
+                <a:spcPts val="1200"/>
               </a:spcBef>
               <a:spcAft>
                 <a:spcPts val="0"/>
@@ -7671,9 +7598,9 @@
               <a:buChar char="○"/>
               <a:defRPr/>
             </a:lvl2pPr>
-            <a:lvl3pPr marL="1371600" lvl="2" indent="-317500">
-              <a:spcBef>
-                <a:spcPts val="1600"/>
+            <a:lvl3pPr marL="1028700" lvl="2" indent="-238125">
+              <a:spcBef>
+                <a:spcPts val="1200"/>
               </a:spcBef>
               <a:spcAft>
                 <a:spcPts val="0"/>
@@ -7682,9 +7609,9 @@
               <a:buChar char="■"/>
               <a:defRPr/>
             </a:lvl3pPr>
-            <a:lvl4pPr marL="1828800" lvl="3" indent="-317500">
-              <a:spcBef>
-                <a:spcPts val="1600"/>
+            <a:lvl4pPr marL="1371600" lvl="3" indent="-238125">
+              <a:spcBef>
+                <a:spcPts val="1200"/>
               </a:spcBef>
               <a:spcAft>
                 <a:spcPts val="0"/>
@@ -7693,9 +7620,9 @@
               <a:buChar char="●"/>
               <a:defRPr/>
             </a:lvl4pPr>
-            <a:lvl5pPr marL="2286000" lvl="4" indent="-317500">
-              <a:spcBef>
-                <a:spcPts val="1600"/>
+            <a:lvl5pPr marL="1714500" lvl="4" indent="-238125">
+              <a:spcBef>
+                <a:spcPts val="1200"/>
               </a:spcBef>
               <a:spcAft>
                 <a:spcPts val="0"/>
@@ -7704,9 +7631,9 @@
               <a:buChar char="○"/>
               <a:defRPr/>
             </a:lvl5pPr>
-            <a:lvl6pPr marL="2743200" lvl="5" indent="-317500">
-              <a:spcBef>
-                <a:spcPts val="1600"/>
+            <a:lvl6pPr marL="2057400" lvl="5" indent="-238125">
+              <a:spcBef>
+                <a:spcPts val="1200"/>
               </a:spcBef>
               <a:spcAft>
                 <a:spcPts val="0"/>
@@ -7715,9 +7642,9 @@
               <a:buChar char="■"/>
               <a:defRPr/>
             </a:lvl6pPr>
-            <a:lvl7pPr marL="3200400" lvl="6" indent="-317500">
-              <a:spcBef>
-                <a:spcPts val="1600"/>
+            <a:lvl7pPr marL="2400300" lvl="6" indent="-238125">
+              <a:spcBef>
+                <a:spcPts val="1200"/>
               </a:spcBef>
               <a:spcAft>
                 <a:spcPts val="0"/>
@@ -7726,9 +7653,9 @@
               <a:buChar char="●"/>
               <a:defRPr/>
             </a:lvl7pPr>
-            <a:lvl8pPr marL="3657600" lvl="7" indent="-317500">
-              <a:spcBef>
-                <a:spcPts val="1600"/>
+            <a:lvl8pPr marL="2743200" lvl="7" indent="-238125">
+              <a:spcBef>
+                <a:spcPts val="1200"/>
               </a:spcBef>
               <a:spcAft>
                 <a:spcPts val="0"/>
@@ -7737,12 +7664,12 @@
               <a:buChar char="○"/>
               <a:defRPr/>
             </a:lvl8pPr>
-            <a:lvl9pPr marL="4114800" lvl="8" indent="-317500">
-              <a:spcBef>
-                <a:spcPts val="1600"/>
-              </a:spcBef>
-              <a:spcAft>
-                <a:spcPts val="1600"/>
+            <a:lvl9pPr marL="3086100" lvl="8" indent="-238125">
+              <a:spcBef>
+                <a:spcPts val="1200"/>
+              </a:spcBef>
+              <a:spcAft>
+                <a:spcPts val="1200"/>
               </a:spcAft>
               <a:buSzPts val="1400"/>
               <a:buChar char="■"/>
@@ -7766,8 +7693,8 @@
         </p:nvSpPr>
         <p:spPr>
           <a:xfrm>
-            <a:off x="8390734" y="4543668"/>
-            <a:ext cx="548700" cy="393600"/>
+            <a:off x="6293051" y="4543668"/>
+            <a:ext cx="411525" cy="393600"/>
           </a:xfrm>
           <a:prstGeom prst="rect">
             <a:avLst/>
@@ -7816,20 +7743,12 @@
             </a:lvl9pPr>
           </a:lstStyle>
           <a:p>
-            <a:pPr marL="0" lvl="0" indent="0" algn="r" rtl="0">
-              <a:spcBef>
-                <a:spcPts val="0"/>
-              </a:spcBef>
-              <a:spcAft>
-                <a:spcPts val="0"/>
-              </a:spcAft>
-              <a:buNone/>
-            </a:pPr>
             <a:fld id="{00000000-1234-1234-1234-123412341234}" type="slidenum">
-              <a:rPr lang="en"/>
+              <a:rPr lang="en" smtClean="0"/>
+              <a:pPr/>
               <a:t>‹#›</a:t>
             </a:fld>
-            <a:endParaRPr/>
+            <a:endParaRPr lang="en"/>
           </a:p>
         </p:txBody>
       </p:sp>
@@ -7874,8 +7793,8 @@
         </p:nvSpPr>
         <p:spPr>
           <a:xfrm>
-            <a:off x="31" y="2824500"/>
-            <a:ext cx="7370400" cy="2319000"/>
+            <a:off x="23" y="2824500"/>
+            <a:ext cx="5527800" cy="2319000"/>
           </a:xfrm>
           <a:prstGeom prst="rtTriangle">
             <a:avLst/>
@@ -7888,7 +7807,7 @@
           </a:ln>
         </p:spPr>
         <p:txBody>
-          <a:bodyPr spcFirstLastPara="1" wrap="square" lIns="91425" tIns="91425" rIns="91425" bIns="91425" anchor="ctr" anchorCtr="0">
+          <a:bodyPr spcFirstLastPara="1" wrap="square" lIns="68569" tIns="68569" rIns="68569" bIns="68569" anchor="ctr" anchorCtr="0">
             <a:noAutofit/>
           </a:bodyPr>
           <a:lstStyle/>
@@ -7902,7 +7821,7 @@
               </a:spcAft>
               <a:buNone/>
             </a:pPr>
-            <a:endParaRPr/>
+            <a:endParaRPr sz="1050"/>
           </a:p>
         </p:txBody>
       </p:sp>
@@ -7914,8 +7833,8 @@
         </p:nvSpPr>
         <p:spPr>
           <a:xfrm flipH="1">
-            <a:off x="3582600" y="1550700"/>
-            <a:ext cx="5561400" cy="3592800"/>
+            <a:off x="2686950" y="1550700"/>
+            <a:ext cx="4171050" cy="3592800"/>
           </a:xfrm>
           <a:prstGeom prst="rtTriangle">
             <a:avLst/>
@@ -7928,7 +7847,7 @@
           </a:ln>
         </p:spPr>
         <p:txBody>
-          <a:bodyPr spcFirstLastPara="1" wrap="square" lIns="91425" tIns="91425" rIns="91425" bIns="91425" anchor="ctr" anchorCtr="0">
+          <a:bodyPr spcFirstLastPara="1" wrap="square" lIns="68569" tIns="68569" rIns="68569" bIns="68569" anchor="ctr" anchorCtr="0">
             <a:noAutofit/>
           </a:bodyPr>
           <a:lstStyle/>
@@ -7942,7 +7861,7 @@
               </a:spcAft>
               <a:buNone/>
             </a:pPr>
-            <a:endParaRPr/>
+            <a:endParaRPr sz="1050"/>
           </a:p>
         </p:txBody>
       </p:sp>
@@ -7954,8 +7873,8 @@
         </p:nvSpPr>
         <p:spPr>
           <a:xfrm>
-            <a:off x="203225" y="206250"/>
-            <a:ext cx="8737500" cy="4731000"/>
+            <a:off x="152419" y="206250"/>
+            <a:ext cx="6553125" cy="4731000"/>
           </a:xfrm>
           <a:prstGeom prst="rect">
             <a:avLst/>
@@ -7975,7 +7894,7 @@
           </a:effectLst>
         </p:spPr>
         <p:txBody>
-          <a:bodyPr spcFirstLastPara="1" wrap="square" lIns="91425" tIns="91425" rIns="91425" bIns="91425" anchor="ctr" anchorCtr="0">
+          <a:bodyPr spcFirstLastPara="1" wrap="square" lIns="68569" tIns="68569" rIns="68569" bIns="68569" anchor="ctr" anchorCtr="0">
             <a:noAutofit/>
           </a:bodyPr>
           <a:lstStyle/>
@@ -7989,7 +7908,7 @@
               </a:spcAft>
               <a:buNone/>
             </a:pPr>
-            <a:endParaRPr/>
+            <a:endParaRPr sz="1050"/>
           </a:p>
         </p:txBody>
       </p:sp>
@@ -8005,8 +7924,8 @@
         </p:nvSpPr>
         <p:spPr>
           <a:xfrm>
-            <a:off x="328025" y="4163500"/>
-            <a:ext cx="7415100" cy="605100"/>
+            <a:off x="246019" y="4163500"/>
+            <a:ext cx="5561325" cy="605100"/>
           </a:xfrm>
           <a:prstGeom prst="rect">
             <a:avLst/>
@@ -8015,7 +7934,7 @@
         <p:txBody>
           <a:bodyPr spcFirstLastPara="1" wrap="square" lIns="91425" tIns="91425" rIns="91425" bIns="91425" anchor="b" anchorCtr="0"/>
           <a:lstStyle>
-            <a:lvl1pPr marL="457200" lvl="0" indent="-228600">
+            <a:lvl1pPr marL="342900" lvl="0" indent="-171450">
               <a:lnSpc>
                 <a:spcPct val="100000"/>
               </a:lnSpc>
@@ -8047,8 +7966,8 @@
         </p:nvSpPr>
         <p:spPr>
           <a:xfrm>
-            <a:off x="8390734" y="4543668"/>
-            <a:ext cx="548700" cy="393600"/>
+            <a:off x="6293051" y="4543668"/>
+            <a:ext cx="411525" cy="393600"/>
           </a:xfrm>
           <a:prstGeom prst="rect">
             <a:avLst/>
@@ -8097,20 +8016,12 @@
             </a:lvl9pPr>
           </a:lstStyle>
           <a:p>
-            <a:pPr marL="0" lvl="0" indent="0" algn="r" rtl="0">
-              <a:spcBef>
-                <a:spcPts val="0"/>
-              </a:spcBef>
-              <a:spcAft>
-                <a:spcPts val="0"/>
-              </a:spcAft>
-              <a:buNone/>
-            </a:pPr>
             <a:fld id="{00000000-1234-1234-1234-123412341234}" type="slidenum">
-              <a:rPr lang="en"/>
+              <a:rPr lang="en" smtClean="0"/>
+              <a:pPr/>
               <a:t>‹#›</a:t>
             </a:fld>
-            <a:endParaRPr/>
+            <a:endParaRPr lang="en"/>
           </a:p>
         </p:txBody>
       </p:sp>
@@ -8159,8 +8070,8 @@
         </p:nvSpPr>
         <p:spPr>
           <a:xfrm>
-            <a:off x="311700" y="445025"/>
-            <a:ext cx="8520600" cy="572700"/>
+            <a:off x="233775" y="445025"/>
+            <a:ext cx="6390450" cy="572700"/>
           </a:xfrm>
           <a:prstGeom prst="rect">
             <a:avLst/>
@@ -8398,8 +8309,8 @@
         </p:nvSpPr>
         <p:spPr>
           <a:xfrm>
-            <a:off x="311700" y="1152475"/>
-            <a:ext cx="8520600" cy="3391200"/>
+            <a:off x="233775" y="1152475"/>
+            <a:ext cx="6390450" cy="3391200"/>
           </a:xfrm>
           <a:prstGeom prst="rect">
             <a:avLst/>
@@ -8664,8 +8575,8 @@
         </p:nvSpPr>
         <p:spPr>
           <a:xfrm>
-            <a:off x="8390734" y="4543668"/>
-            <a:ext cx="548700" cy="393600"/>
+            <a:off x="6293051" y="4543668"/>
+            <a:ext cx="411525" cy="393600"/>
           </a:xfrm>
           <a:prstGeom prst="rect">
             <a:avLst/>
@@ -8682,7 +8593,7 @@
           <a:lstStyle>
             <a:lvl1pPr lvl="0" algn="r">
               <a:buNone/>
-              <a:defRPr sz="1000">
+              <a:defRPr sz="750">
                 <a:solidFill>
                   <a:schemeClr val="dk2"/>
                 </a:solidFill>
@@ -8694,7 +8605,7 @@
             </a:lvl1pPr>
             <a:lvl2pPr lvl="1" algn="r">
               <a:buNone/>
-              <a:defRPr sz="1000">
+              <a:defRPr sz="750">
                 <a:solidFill>
                   <a:schemeClr val="dk2"/>
                 </a:solidFill>
@@ -8706,7 +8617,7 @@
             </a:lvl2pPr>
             <a:lvl3pPr lvl="2" algn="r">
               <a:buNone/>
-              <a:defRPr sz="1000">
+              <a:defRPr sz="750">
                 <a:solidFill>
                   <a:schemeClr val="dk2"/>
                 </a:solidFill>
@@ -8718,7 +8629,7 @@
             </a:lvl3pPr>
             <a:lvl4pPr lvl="3" algn="r">
               <a:buNone/>
-              <a:defRPr sz="1000">
+              <a:defRPr sz="750">
                 <a:solidFill>
                   <a:schemeClr val="dk2"/>
                 </a:solidFill>
@@ -8730,7 +8641,7 @@
             </a:lvl4pPr>
             <a:lvl5pPr lvl="4" algn="r">
               <a:buNone/>
-              <a:defRPr sz="1000">
+              <a:defRPr sz="750">
                 <a:solidFill>
                   <a:schemeClr val="dk2"/>
                 </a:solidFill>
@@ -8742,7 +8653,7 @@
             </a:lvl5pPr>
             <a:lvl6pPr lvl="5" algn="r">
               <a:buNone/>
-              <a:defRPr sz="1000">
+              <a:defRPr sz="750">
                 <a:solidFill>
                   <a:schemeClr val="dk2"/>
                 </a:solidFill>
@@ -8754,7 +8665,7 @@
             </a:lvl6pPr>
             <a:lvl7pPr lvl="6" algn="r">
               <a:buNone/>
-              <a:defRPr sz="1000">
+              <a:defRPr sz="750">
                 <a:solidFill>
                   <a:schemeClr val="dk2"/>
                 </a:solidFill>
@@ -8766,7 +8677,7 @@
             </a:lvl7pPr>
             <a:lvl8pPr lvl="7" algn="r">
               <a:buNone/>
-              <a:defRPr sz="1000">
+              <a:defRPr sz="750">
                 <a:solidFill>
                   <a:schemeClr val="dk2"/>
                 </a:solidFill>
@@ -8778,7 +8689,7 @@
             </a:lvl8pPr>
             <a:lvl9pPr lvl="8" algn="r">
               <a:buNone/>
-              <a:defRPr sz="1000">
+              <a:defRPr sz="750">
                 <a:solidFill>
                   <a:schemeClr val="dk2"/>
                 </a:solidFill>
@@ -8790,20 +8701,12 @@
             </a:lvl9pPr>
           </a:lstStyle>
           <a:p>
-            <a:pPr marL="0" lvl="0" indent="0" algn="r" rtl="0">
-              <a:spcBef>
-                <a:spcPts val="0"/>
-              </a:spcBef>
-              <a:spcAft>
-                <a:spcPts val="0"/>
-              </a:spcAft>
-              <a:buNone/>
-            </a:pPr>
             <a:fld id="{00000000-1234-1234-1234-123412341234}" type="slidenum">
-              <a:rPr lang="en"/>
+              <a:rPr lang="en" smtClean="0"/>
+              <a:pPr/>
               <a:t>‹#›</a:t>
             </a:fld>
-            <a:endParaRPr/>
+            <a:endParaRPr lang="en"/>
           </a:p>
         </p:txBody>
       </p:sp>
@@ -8851,7 +8754,7 @@
           <a:srgbClr val="000000"/>
         </a:buClr>
         <a:buFont typeface="Arial"/>
-        <a:defRPr sz="1400" b="0" i="0" u="none" strike="noStrike" cap="none">
+        <a:defRPr sz="1050" b="0" i="0" u="none" strike="noStrike" cap="none">
           <a:solidFill>
             <a:srgbClr val="000000"/>
           </a:solidFill>
@@ -8875,7 +8778,7 @@
           <a:srgbClr val="000000"/>
         </a:buClr>
         <a:buFont typeface="Arial"/>
-        <a:defRPr sz="1400" b="0" i="0" u="none" strike="noStrike" cap="none">
+        <a:defRPr sz="1050" b="0" i="0" u="none" strike="noStrike" cap="none">
           <a:solidFill>
             <a:srgbClr val="000000"/>
           </a:solidFill>
@@ -8899,7 +8802,7 @@
           <a:srgbClr val="000000"/>
         </a:buClr>
         <a:buFont typeface="Arial"/>
-        <a:defRPr sz="1400" b="0" i="0" u="none" strike="noStrike" cap="none">
+        <a:defRPr sz="1050" b="0" i="0" u="none" strike="noStrike" cap="none">
           <a:solidFill>
             <a:srgbClr val="000000"/>
           </a:solidFill>
@@ -8923,7 +8826,7 @@
           <a:srgbClr val="000000"/>
         </a:buClr>
         <a:buFont typeface="Arial"/>
-        <a:defRPr sz="1400" b="0" i="0" u="none" strike="noStrike" cap="none">
+        <a:defRPr sz="1050" b="0" i="0" u="none" strike="noStrike" cap="none">
           <a:solidFill>
             <a:srgbClr val="000000"/>
           </a:solidFill>
@@ -8947,7 +8850,7 @@
           <a:srgbClr val="000000"/>
         </a:buClr>
         <a:buFont typeface="Arial"/>
-        <a:defRPr sz="1400" b="0" i="0" u="none" strike="noStrike" cap="none">
+        <a:defRPr sz="1050" b="0" i="0" u="none" strike="noStrike" cap="none">
           <a:solidFill>
             <a:srgbClr val="000000"/>
           </a:solidFill>
@@ -8971,7 +8874,7 @@
           <a:srgbClr val="000000"/>
         </a:buClr>
         <a:buFont typeface="Arial"/>
-        <a:defRPr sz="1400" b="0" i="0" u="none" strike="noStrike" cap="none">
+        <a:defRPr sz="1050" b="0" i="0" u="none" strike="noStrike" cap="none">
           <a:solidFill>
             <a:srgbClr val="000000"/>
           </a:solidFill>
@@ -8995,7 +8898,7 @@
           <a:srgbClr val="000000"/>
         </a:buClr>
         <a:buFont typeface="Arial"/>
-        <a:defRPr sz="1400" b="0" i="0" u="none" strike="noStrike" cap="none">
+        <a:defRPr sz="1050" b="0" i="0" u="none" strike="noStrike" cap="none">
           <a:solidFill>
             <a:srgbClr val="000000"/>
           </a:solidFill>
@@ -9019,7 +8922,7 @@
           <a:srgbClr val="000000"/>
         </a:buClr>
         <a:buFont typeface="Arial"/>
-        <a:defRPr sz="1400" b="0" i="0" u="none" strike="noStrike" cap="none">
+        <a:defRPr sz="1050" b="0" i="0" u="none" strike="noStrike" cap="none">
           <a:solidFill>
             <a:srgbClr val="000000"/>
           </a:solidFill>
@@ -9043,7 +8946,7 @@
           <a:srgbClr val="000000"/>
         </a:buClr>
         <a:buFont typeface="Arial"/>
-        <a:defRPr sz="1400" b="0" i="0" u="none" strike="noStrike" cap="none">
+        <a:defRPr sz="1050" b="0" i="0" u="none" strike="noStrike" cap="none">
           <a:solidFill>
             <a:srgbClr val="000000"/>
           </a:solidFill>
@@ -9080,7 +8983,7 @@
           <a:srgbClr val="000000"/>
         </a:buClr>
         <a:buFont typeface="Arial"/>
-        <a:defRPr sz="1400" b="0" i="0" u="none" strike="noStrike" cap="none">
+        <a:defRPr sz="1050" b="0" i="0" u="none" strike="noStrike" cap="none">
           <a:solidFill>
             <a:srgbClr val="000000"/>
           </a:solidFill>
@@ -9104,7 +9007,7 @@
           <a:srgbClr val="000000"/>
         </a:buClr>
         <a:buFont typeface="Arial"/>
-        <a:defRPr sz="1400" b="0" i="0" u="none" strike="noStrike" cap="none">
+        <a:defRPr sz="1050" b="0" i="0" u="none" strike="noStrike" cap="none">
           <a:solidFill>
             <a:srgbClr val="000000"/>
           </a:solidFill>
@@ -9128,7 +9031,7 @@
           <a:srgbClr val="000000"/>
         </a:buClr>
         <a:buFont typeface="Arial"/>
-        <a:defRPr sz="1400" b="0" i="0" u="none" strike="noStrike" cap="none">
+        <a:defRPr sz="1050" b="0" i="0" u="none" strike="noStrike" cap="none">
           <a:solidFill>
             <a:srgbClr val="000000"/>
           </a:solidFill>
@@ -9152,7 +9055,7 @@
           <a:srgbClr val="000000"/>
         </a:buClr>
         <a:buFont typeface="Arial"/>
-        <a:defRPr sz="1400" b="0" i="0" u="none" strike="noStrike" cap="none">
+        <a:defRPr sz="1050" b="0" i="0" u="none" strike="noStrike" cap="none">
           <a:solidFill>
             <a:srgbClr val="000000"/>
           </a:solidFill>
@@ -9176,7 +9079,7 @@
           <a:srgbClr val="000000"/>
         </a:buClr>
         <a:buFont typeface="Arial"/>
-        <a:defRPr sz="1400" b="0" i="0" u="none" strike="noStrike" cap="none">
+        <a:defRPr sz="1050" b="0" i="0" u="none" strike="noStrike" cap="none">
           <a:solidFill>
             <a:srgbClr val="000000"/>
           </a:solidFill>
@@ -9200,7 +9103,7 @@
           <a:srgbClr val="000000"/>
         </a:buClr>
         <a:buFont typeface="Arial"/>
-        <a:defRPr sz="1400" b="0" i="0" u="none" strike="noStrike" cap="none">
+        <a:defRPr sz="1050" b="0" i="0" u="none" strike="noStrike" cap="none">
           <a:solidFill>
             <a:srgbClr val="000000"/>
           </a:solidFill>
@@ -9224,7 +9127,7 @@
           <a:srgbClr val="000000"/>
         </a:buClr>
         <a:buFont typeface="Arial"/>
-        <a:defRPr sz="1400" b="0" i="0" u="none" strike="noStrike" cap="none">
+        <a:defRPr sz="1050" b="0" i="0" u="none" strike="noStrike" cap="none">
           <a:solidFill>
             <a:srgbClr val="000000"/>
           </a:solidFill>
@@ -9248,7 +9151,7 @@
           <a:srgbClr val="000000"/>
         </a:buClr>
         <a:buFont typeface="Arial"/>
-        <a:defRPr sz="1400" b="0" i="0" u="none" strike="noStrike" cap="none">
+        <a:defRPr sz="1050" b="0" i="0" u="none" strike="noStrike" cap="none">
           <a:solidFill>
             <a:srgbClr val="000000"/>
           </a:solidFill>
@@ -9272,7 +9175,7 @@
           <a:srgbClr val="000000"/>
         </a:buClr>
         <a:buFont typeface="Arial"/>
-        <a:defRPr sz="1400" b="0" i="0" u="none" strike="noStrike" cap="none">
+        <a:defRPr sz="1050" b="0" i="0" u="none" strike="noStrike" cap="none">
           <a:solidFill>
             <a:srgbClr val="000000"/>
           </a:solidFill>
@@ -9309,7 +9212,7 @@
           <a:srgbClr val="000000"/>
         </a:buClr>
         <a:buFont typeface="Arial"/>
-        <a:defRPr sz="1400" b="0" i="0" u="none" strike="noStrike" cap="none">
+        <a:defRPr sz="1050" b="0" i="0" u="none" strike="noStrike" cap="none">
           <a:solidFill>
             <a:srgbClr val="000000"/>
           </a:solidFill>
@@ -9333,7 +9236,7 @@
           <a:srgbClr val="000000"/>
         </a:buClr>
         <a:buFont typeface="Arial"/>
-        <a:defRPr sz="1400" b="0" i="0" u="none" strike="noStrike" cap="none">
+        <a:defRPr sz="1050" b="0" i="0" u="none" strike="noStrike" cap="none">
           <a:solidFill>
             <a:srgbClr val="000000"/>
           </a:solidFill>
@@ -9357,7 +9260,7 @@
           <a:srgbClr val="000000"/>
         </a:buClr>
         <a:buFont typeface="Arial"/>
-        <a:defRPr sz="1400" b="0" i="0" u="none" strike="noStrike" cap="none">
+        <a:defRPr sz="1050" b="0" i="0" u="none" strike="noStrike" cap="none">
           <a:solidFill>
             <a:srgbClr val="000000"/>
           </a:solidFill>
@@ -9381,7 +9284,7 @@
           <a:srgbClr val="000000"/>
         </a:buClr>
         <a:buFont typeface="Arial"/>
-        <a:defRPr sz="1400" b="0" i="0" u="none" strike="noStrike" cap="none">
+        <a:defRPr sz="1050" b="0" i="0" u="none" strike="noStrike" cap="none">
           <a:solidFill>
             <a:srgbClr val="000000"/>
           </a:solidFill>
@@ -9405,7 +9308,7 @@
           <a:srgbClr val="000000"/>
         </a:buClr>
         <a:buFont typeface="Arial"/>
-        <a:defRPr sz="1400" b="0" i="0" u="none" strike="noStrike" cap="none">
+        <a:defRPr sz="1050" b="0" i="0" u="none" strike="noStrike" cap="none">
           <a:solidFill>
             <a:srgbClr val="000000"/>
           </a:solidFill>
@@ -9429,7 +9332,7 @@
           <a:srgbClr val="000000"/>
         </a:buClr>
         <a:buFont typeface="Arial"/>
-        <a:defRPr sz="1400" b="0" i="0" u="none" strike="noStrike" cap="none">
+        <a:defRPr sz="1050" b="0" i="0" u="none" strike="noStrike" cap="none">
           <a:solidFill>
             <a:srgbClr val="000000"/>
           </a:solidFill>
@@ -9453,7 +9356,7 @@
           <a:srgbClr val="000000"/>
         </a:buClr>
         <a:buFont typeface="Arial"/>
-        <a:defRPr sz="1400" b="0" i="0" u="none" strike="noStrike" cap="none">
+        <a:defRPr sz="1050" b="0" i="0" u="none" strike="noStrike" cap="none">
           <a:solidFill>
             <a:srgbClr val="000000"/>
           </a:solidFill>
@@ -9477,7 +9380,7 @@
           <a:srgbClr val="000000"/>
         </a:buClr>
         <a:buFont typeface="Arial"/>
-        <a:defRPr sz="1400" b="0" i="0" u="none" strike="noStrike" cap="none">
+        <a:defRPr sz="1050" b="0" i="0" u="none" strike="noStrike" cap="none">
           <a:solidFill>
             <a:srgbClr val="000000"/>
           </a:solidFill>
@@ -9501,7 +9404,7 @@
           <a:srgbClr val="000000"/>
         </a:buClr>
         <a:buFont typeface="Arial"/>
-        <a:defRPr sz="1400" b="0" i="0" u="none" strike="noStrike" cap="none">
+        <a:defRPr sz="1050" b="0" i="0" u="none" strike="noStrike" cap="none">
           <a:solidFill>
             <a:srgbClr val="000000"/>
           </a:solidFill>
@@ -9553,28 +9456,19 @@
         </p:nvSpPr>
         <p:spPr>
           <a:xfrm>
-            <a:off x="2408575" y="415000"/>
-            <a:ext cx="6480300" cy="1578900"/>
+            <a:off x="1806431" y="954188"/>
+            <a:ext cx="4860225" cy="1184175"/>
           </a:xfrm>
           <a:prstGeom prst="rect">
             <a:avLst/>
           </a:prstGeom>
         </p:spPr>
         <p:txBody>
-          <a:bodyPr spcFirstLastPara="1" wrap="square" lIns="91425" tIns="91425" rIns="91425" bIns="91425" anchor="ctr" anchorCtr="0">
+          <a:bodyPr spcFirstLastPara="1" wrap="square" lIns="68569" tIns="68569" rIns="68569" bIns="68569" anchor="ctr" anchorCtr="0">
             <a:noAutofit/>
           </a:bodyPr>
           <a:lstStyle/>
           <a:p>
-            <a:pPr marL="0" lvl="0" indent="0" algn="ctr" rtl="0">
-              <a:spcBef>
-                <a:spcPts val="0"/>
-              </a:spcBef>
-              <a:spcAft>
-                <a:spcPts val="0"/>
-              </a:spcAft>
-              <a:buNone/>
-            </a:pPr>
             <a:r>
               <a:rPr lang="en"/>
               <a:t>Intro To Survival Analysis</a:t>
@@ -9595,28 +9489,20 @@
         </p:nvSpPr>
         <p:spPr>
           <a:xfrm>
-            <a:off x="4634925" y="1993900"/>
-            <a:ext cx="3470700" cy="1394400"/>
+            <a:off x="3476194" y="2138363"/>
+            <a:ext cx="2603025" cy="1045800"/>
           </a:xfrm>
           <a:prstGeom prst="rect">
             <a:avLst/>
           </a:prstGeom>
         </p:spPr>
         <p:txBody>
-          <a:bodyPr spcFirstLastPara="1" wrap="square" lIns="91425" tIns="91425" rIns="91425" bIns="91425" anchor="t" anchorCtr="0">
+          <a:bodyPr spcFirstLastPara="1" wrap="square" lIns="68569" tIns="68569" rIns="68569" bIns="68569" anchor="t" anchorCtr="0">
             <a:noAutofit/>
           </a:bodyPr>
           <a:lstStyle/>
           <a:p>
-            <a:pPr marL="0" lvl="0" indent="0" algn="ctr" rtl="0">
-              <a:spcBef>
-                <a:spcPts val="0"/>
-              </a:spcBef>
-              <a:spcAft>
-                <a:spcPts val="0"/>
-              </a:spcAft>
-              <a:buNone/>
-            </a:pPr>
+            <a:pPr marL="0" indent="0"/>
             <a:r>
               <a:rPr lang="en"/>
               <a:t>Jesse Islam</a:t>
@@ -9634,27 +9520,11 @@
             <a:endParaRPr/>
           </a:p>
           <a:p>
-            <a:pPr marL="0" lvl="0" indent="0" algn="ctr" rtl="0">
-              <a:spcBef>
-                <a:spcPts val="0"/>
-              </a:spcBef>
-              <a:spcAft>
-                <a:spcPts val="0"/>
-              </a:spcAft>
-              <a:buNone/>
-            </a:pPr>
+            <a:pPr marL="0" indent="0"/>
             <a:endParaRPr/>
           </a:p>
           <a:p>
-            <a:pPr marL="0" lvl="0" indent="0" algn="ctr" rtl="0">
-              <a:spcBef>
-                <a:spcPts val="0"/>
-              </a:spcBef>
-              <a:spcAft>
-                <a:spcPts val="0"/>
-              </a:spcAft>
-              <a:buNone/>
-            </a:pPr>
+            <a:pPr marL="0" indent="0"/>
             <a:r>
               <a:rPr lang="en"/>
               <a:t>Supervised by:</a:t>
@@ -9662,15 +9532,7 @@
             <a:endParaRPr/>
           </a:p>
           <a:p>
-            <a:pPr marL="0" lvl="0" indent="0" algn="ctr" rtl="0">
-              <a:spcBef>
-                <a:spcPts val="0"/>
-              </a:spcBef>
-              <a:spcAft>
-                <a:spcPts val="0"/>
-              </a:spcAft>
-              <a:buNone/>
-            </a:pPr>
+            <a:pPr marL="0" indent="0"/>
             <a:r>
               <a:rPr lang="en"/>
               <a:t>Dr. Sahir Bhatnagar</a:t>
@@ -9688,162 +9550,6 @@
 </file>
 
 <file path=ppt/slides/slide10.xml><?xml version="1.0" encoding="utf-8"?>
-<p:sld xmlns:a="http://schemas.openxmlformats.org/drawingml/2006/main" xmlns:r="http://schemas.openxmlformats.org/officeDocument/2006/relationships" xmlns:p="http://schemas.openxmlformats.org/presentationml/2006/main">
-  <p:cSld>
-    <p:spTree>
-      <p:nvGrpSpPr>
-        <p:cNvPr id="1" name=""/>
-        <p:cNvGrpSpPr/>
-        <p:nvPr/>
-      </p:nvGrpSpPr>
-      <p:grpSpPr>
-        <a:xfrm>
-          <a:off x="0" y="0"/>
-          <a:ext cx="0" cy="0"/>
-          <a:chOff x="0" y="0"/>
-          <a:chExt cx="0" cy="0"/>
-        </a:xfrm>
-      </p:grpSpPr>
-      <p:sp>
-        <p:nvSpPr>
-          <p:cNvPr id="2" name="Title 1">
-            <a:extLst>
-              <a:ext uri="{FF2B5EF4-FFF2-40B4-BE49-F238E27FC236}">
-                <a16:creationId xmlns:a16="http://schemas.microsoft.com/office/drawing/2014/main" id="{A9BA7957-C287-411F-9A33-4EB14E20A30B}"/>
-              </a:ext>
-            </a:extLst>
-          </p:cNvPr>
-          <p:cNvSpPr>
-            <a:spLocks noGrp="1"/>
-          </p:cNvSpPr>
-          <p:nvPr>
-            <p:ph type="title"/>
-          </p:nvPr>
-        </p:nvSpPr>
-        <p:spPr/>
-        <p:txBody>
-          <a:bodyPr/>
-          <a:lstStyle/>
-          <a:p>
-            <a:r>
-              <a:rPr lang="en-US" dirty="0"/>
-              <a:t>Cox: Hazard ratio</a:t>
-            </a:r>
-          </a:p>
-        </p:txBody>
-      </p:sp>
-      <p:sp>
-        <p:nvSpPr>
-          <p:cNvPr id="3" name="Text Placeholder 2">
-            <a:extLst>
-              <a:ext uri="{FF2B5EF4-FFF2-40B4-BE49-F238E27FC236}">
-                <a16:creationId xmlns:a16="http://schemas.microsoft.com/office/drawing/2014/main" id="{682BC077-801B-45F5-85DA-B0CFEB2401EA}"/>
-              </a:ext>
-            </a:extLst>
-          </p:cNvPr>
-          <p:cNvSpPr>
-            <a:spLocks noGrp="1"/>
-          </p:cNvSpPr>
-          <p:nvPr>
-            <p:ph type="body" idx="1"/>
-          </p:nvPr>
-        </p:nvSpPr>
-        <p:spPr>
-          <a:xfrm>
-            <a:off x="819150" y="3264000"/>
-            <a:ext cx="7505700" cy="1279668"/>
-          </a:xfrm>
-        </p:spPr>
-        <p:txBody>
-          <a:bodyPr/>
-          <a:lstStyle/>
-          <a:p>
-            <a:endParaRPr lang="en-US" b="1" dirty="0"/>
-          </a:p>
-        </p:txBody>
-      </p:sp>
-      <p:sp>
-        <p:nvSpPr>
-          <p:cNvPr id="4" name="Slide Number Placeholder 3">
-            <a:extLst>
-              <a:ext uri="{FF2B5EF4-FFF2-40B4-BE49-F238E27FC236}">
-                <a16:creationId xmlns:a16="http://schemas.microsoft.com/office/drawing/2014/main" id="{4703F319-719E-44FA-BC18-B213916D9989}"/>
-              </a:ext>
-            </a:extLst>
-          </p:cNvPr>
-          <p:cNvSpPr>
-            <a:spLocks noGrp="1"/>
-          </p:cNvSpPr>
-          <p:nvPr>
-            <p:ph type="sldNum" idx="12"/>
-          </p:nvPr>
-        </p:nvSpPr>
-        <p:spPr/>
-        <p:txBody>
-          <a:bodyPr/>
-          <a:lstStyle/>
-          <a:p>
-            <a:pPr marL="0" lvl="0" indent="0" algn="r" rtl="0">
-              <a:spcBef>
-                <a:spcPts val="0"/>
-              </a:spcBef>
-              <a:spcAft>
-                <a:spcPts val="0"/>
-              </a:spcAft>
-              <a:buNone/>
-            </a:pPr>
-            <a:fld id="{00000000-1234-1234-1234-123412341234}" type="slidenum">
-              <a:rPr lang="en" smtClean="0"/>
-              <a:t>10</a:t>
-            </a:fld>
-            <a:endParaRPr lang="en"/>
-          </a:p>
-        </p:txBody>
-      </p:sp>
-      <p:pic>
-        <p:nvPicPr>
-          <p:cNvPr id="11" name="Picture 10" descr="A drawing of a person&#10;&#10;Description automatically generated">
-            <a:extLst>
-              <a:ext uri="{FF2B5EF4-FFF2-40B4-BE49-F238E27FC236}">
-                <a16:creationId xmlns:a16="http://schemas.microsoft.com/office/drawing/2014/main" id="{2E7158E3-0A0D-4C19-A4E7-3A3DEEB9134B}"/>
-              </a:ext>
-            </a:extLst>
-          </p:cNvPr>
-          <p:cNvPicPr>
-            <a:picLocks noChangeAspect="1"/>
-          </p:cNvPicPr>
-          <p:nvPr/>
-        </p:nvPicPr>
-        <p:blipFill>
-          <a:blip r:embed="rId2"/>
-          <a:stretch>
-            <a:fillRect/>
-          </a:stretch>
-        </p:blipFill>
-        <p:spPr>
-          <a:xfrm>
-            <a:off x="971549" y="1647825"/>
-            <a:ext cx="3600449" cy="923925"/>
-          </a:xfrm>
-          <a:prstGeom prst="rect">
-            <a:avLst/>
-          </a:prstGeom>
-        </p:spPr>
-      </p:pic>
-    </p:spTree>
-    <p:extLst>
-      <p:ext uri="{BB962C8B-B14F-4D97-AF65-F5344CB8AC3E}">
-        <p14:creationId xmlns:p14="http://schemas.microsoft.com/office/powerpoint/2010/main" val="3244669312"/>
-      </p:ext>
-    </p:extLst>
-  </p:cSld>
-  <p:clrMapOvr>
-    <a:masterClrMapping/>
-  </p:clrMapOvr>
-</p:sld>
-</file>
-
-<file path=ppt/slides/slide11.xml><?xml version="1.0" encoding="utf-8"?>
 <p:sld xmlns:a="http://schemas.openxmlformats.org/drawingml/2006/main" xmlns:r="http://schemas.openxmlformats.org/officeDocument/2006/relationships" xmlns:p="http://schemas.openxmlformats.org/presentationml/2006/main">
   <p:cSld>
     <p:spTree>
@@ -9883,7 +9589,7 @@
           <a:p>
             <a:r>
               <a:rPr lang="en-US" dirty="0"/>
-              <a:t>AFT vs Cox Overview</a:t>
+              <a:t>AFT (parametric) vs Cox Overview</a:t>
             </a:r>
           </a:p>
         </p:txBody>
@@ -9934,18 +9640,10 @@
           <a:bodyPr/>
           <a:lstStyle/>
           <a:p>
-            <a:pPr marL="0" lvl="0" indent="0" algn="r" rtl="0">
-              <a:spcBef>
-                <a:spcPts val="0"/>
-              </a:spcBef>
-              <a:spcAft>
-                <a:spcPts val="0"/>
-              </a:spcAft>
-              <a:buNone/>
-            </a:pPr>
             <a:fld id="{00000000-1234-1234-1234-123412341234}" type="slidenum">
               <a:rPr lang="en" smtClean="0"/>
-              <a:t>11</a:t>
+              <a:pPr/>
+              <a:t>10</a:t>
             </a:fld>
             <a:endParaRPr lang="en"/>
           </a:p>
@@ -9993,28 +9691,19 @@
         </p:nvSpPr>
         <p:spPr>
           <a:xfrm>
-            <a:off x="819150" y="845600"/>
-            <a:ext cx="7505700" cy="954600"/>
+            <a:off x="614363" y="1277138"/>
+            <a:ext cx="5629275" cy="715950"/>
           </a:xfrm>
           <a:prstGeom prst="rect">
             <a:avLst/>
           </a:prstGeom>
         </p:spPr>
         <p:txBody>
-          <a:bodyPr spcFirstLastPara="1" wrap="square" lIns="91425" tIns="91425" rIns="91425" bIns="91425" anchor="t" anchorCtr="0">
+          <a:bodyPr spcFirstLastPara="1" wrap="square" lIns="68569" tIns="68569" rIns="68569" bIns="68569" anchor="t" anchorCtr="0">
             <a:noAutofit/>
           </a:bodyPr>
           <a:lstStyle/>
           <a:p>
-            <a:pPr marL="0" lvl="0" indent="0" algn="l" rtl="0">
-              <a:spcBef>
-                <a:spcPts val="0"/>
-              </a:spcBef>
-              <a:spcAft>
-                <a:spcPts val="0"/>
-              </a:spcAft>
-              <a:buNone/>
-            </a:pPr>
             <a:r>
               <a:rPr lang="en"/>
               <a:t>What is Survival Analysis?</a:t>
@@ -10035,27 +9724,20 @@
         </p:nvSpPr>
         <p:spPr>
           <a:xfrm>
-            <a:off x="819150" y="1479825"/>
-            <a:ext cx="7505700" cy="1587600"/>
+            <a:off x="614363" y="1752806"/>
+            <a:ext cx="5629275" cy="1190700"/>
           </a:xfrm>
           <a:prstGeom prst="rect">
             <a:avLst/>
           </a:prstGeom>
         </p:spPr>
         <p:txBody>
-          <a:bodyPr spcFirstLastPara="1" wrap="square" lIns="91425" tIns="91425" rIns="91425" bIns="91425" anchor="t" anchorCtr="0">
+          <a:bodyPr spcFirstLastPara="1" wrap="square" lIns="68569" tIns="68569" rIns="68569" bIns="68569" anchor="t" anchorCtr="0">
             <a:noAutofit/>
           </a:bodyPr>
           <a:lstStyle/>
           <a:p>
-            <a:pPr marL="457200" lvl="0" indent="-381000" algn="l" rtl="0">
-              <a:spcBef>
-                <a:spcPts val="0"/>
-              </a:spcBef>
-              <a:spcAft>
-                <a:spcPts val="0"/>
-              </a:spcAft>
-              <a:buSzPts val="2400"/>
+            <a:pPr>
               <a:buChar char="-"/>
             </a:pPr>
             <a:r>
@@ -10065,14 +9747,10 @@
             <a:endParaRPr/>
           </a:p>
           <a:p>
-            <a:pPr marL="914400" lvl="1" indent="-342900" algn="l" rtl="0">
-              <a:spcBef>
-                <a:spcPts val="0"/>
-              </a:spcBef>
-              <a:spcAft>
-                <a:spcPts val="0"/>
-              </a:spcAft>
-              <a:buSzPts val="1800"/>
+            <a:pPr lvl="1">
+              <a:spcBef>
+                <a:spcPts val="0"/>
+              </a:spcBef>
               <a:buChar char="-"/>
             </a:pPr>
             <a:r>
@@ -10082,14 +9760,10 @@
             <a:endParaRPr/>
           </a:p>
           <a:p>
-            <a:pPr marL="914400" lvl="1" indent="-342900" algn="l" rtl="0">
-              <a:spcBef>
-                <a:spcPts val="0"/>
-              </a:spcBef>
-              <a:spcAft>
-                <a:spcPts val="0"/>
-              </a:spcAft>
-              <a:buSzPts val="1800"/>
+            <a:pPr lvl="1">
+              <a:spcBef>
+                <a:spcPts val="0"/>
+              </a:spcBef>
               <a:buChar char="-"/>
             </a:pPr>
             <a:r>
@@ -10099,14 +9773,10 @@
             <a:endParaRPr/>
           </a:p>
           <a:p>
-            <a:pPr marL="914400" lvl="1" indent="-342900" algn="l" rtl="0">
-              <a:spcBef>
-                <a:spcPts val="0"/>
-              </a:spcBef>
-              <a:spcAft>
-                <a:spcPts val="0"/>
-              </a:spcAft>
-              <a:buSzPts val="1800"/>
+            <a:pPr lvl="1">
+              <a:spcBef>
+                <a:spcPts val="0"/>
+              </a:spcBef>
               <a:buChar char="-"/>
             </a:pPr>
             <a:r>
@@ -10125,8 +9795,8 @@
         </p:nvSpPr>
         <p:spPr>
           <a:xfrm>
-            <a:off x="819150" y="2871025"/>
-            <a:ext cx="7363800" cy="2022600"/>
+            <a:off x="614363" y="2796206"/>
+            <a:ext cx="5522850" cy="1516950"/>
           </a:xfrm>
           <a:prstGeom prst="rect">
             <a:avLst/>
@@ -10137,65 +9807,19 @@
           </a:ln>
         </p:spPr>
         <p:txBody>
-          <a:bodyPr spcFirstLastPara="1" wrap="square" lIns="91425" tIns="91425" rIns="91425" bIns="91425" anchor="t" anchorCtr="0">
+          <a:bodyPr spcFirstLastPara="1" wrap="square" lIns="68569" tIns="68569" rIns="68569" bIns="68569" anchor="t" anchorCtr="0">
             <a:noAutofit/>
           </a:bodyPr>
           <a:lstStyle/>
           <a:p>
-            <a:pPr marL="457200" lvl="0" indent="-381000" algn="l" rtl="0">
+            <a:pPr marL="342900" indent="-285750">
               <a:lnSpc>
                 <a:spcPct val="115000"/>
               </a:lnSpc>
-              <a:spcBef>
-                <a:spcPts val="0"/>
-              </a:spcBef>
-              <a:spcAft>
-                <a:spcPts val="0"/>
-              </a:spcAft>
               <a:buClr>
                 <a:schemeClr val="dk2"/>
               </a:buClr>
               <a:buSzPts val="2400"/>
-              <a:buFont typeface="Calibri"/>
-              <a:buChar char="-"/>
-            </a:pPr>
-            <a:r>
-              <a:rPr lang="en" sz="2400">
-                <a:solidFill>
-                  <a:schemeClr val="dk2"/>
-                </a:solidFill>
-                <a:latin typeface="Calibri"/>
-                <a:ea typeface="Calibri"/>
-                <a:cs typeface="Calibri"/>
-                <a:sym typeface="Calibri"/>
-              </a:rPr>
-              <a:t>Dataset consists of individuals who were tracked for a fixed period of time.</a:t>
-            </a:r>
-            <a:endParaRPr sz="2400">
-              <a:solidFill>
-                <a:schemeClr val="dk2"/>
-              </a:solidFill>
-              <a:latin typeface="Calibri"/>
-              <a:ea typeface="Calibri"/>
-              <a:cs typeface="Calibri"/>
-              <a:sym typeface="Calibri"/>
-            </a:endParaRPr>
-          </a:p>
-          <a:p>
-            <a:pPr marL="914400" lvl="1" indent="-342900" algn="l" rtl="0">
-              <a:lnSpc>
-                <a:spcPct val="115000"/>
-              </a:lnSpc>
-              <a:spcBef>
-                <a:spcPts val="0"/>
-              </a:spcBef>
-              <a:spcAft>
-                <a:spcPts val="0"/>
-              </a:spcAft>
-              <a:buClr>
-                <a:schemeClr val="dk2"/>
-              </a:buClr>
-              <a:buSzPts val="1800"/>
               <a:buFont typeface="Calibri"/>
               <a:buChar char="-"/>
             </a:pPr>
@@ -10209,7 +9833,7 @@
                 <a:cs typeface="Calibri"/>
                 <a:sym typeface="Calibri"/>
               </a:rPr>
-              <a:t>The event is not necessarily experienced until the study is over.</a:t>
+              <a:t>Dataset consists of individuals who were tracked for a fixed period of time.</a:t>
             </a:r>
             <a:endParaRPr sz="1800">
               <a:solidFill>
@@ -10222,16 +9846,10 @@
             </a:endParaRPr>
           </a:p>
           <a:p>
-            <a:pPr marL="914400" lvl="1" indent="-342900" algn="l" rtl="0">
+            <a:pPr marL="685800" lvl="1" indent="-257175">
               <a:lnSpc>
                 <a:spcPct val="115000"/>
               </a:lnSpc>
-              <a:spcBef>
-                <a:spcPts val="0"/>
-              </a:spcBef>
-              <a:spcAft>
-                <a:spcPts val="0"/>
-              </a:spcAft>
               <a:buClr>
                 <a:schemeClr val="dk2"/>
               </a:buClr>
@@ -10240,7 +9858,41 @@
               <a:buChar char="-"/>
             </a:pPr>
             <a:r>
-              <a:rPr lang="en" sz="1800">
+              <a:rPr lang="en" sz="1350">
+                <a:solidFill>
+                  <a:schemeClr val="dk2"/>
+                </a:solidFill>
+                <a:latin typeface="Calibri"/>
+                <a:ea typeface="Calibri"/>
+                <a:cs typeface="Calibri"/>
+                <a:sym typeface="Calibri"/>
+              </a:rPr>
+              <a:t>The event is not necessarily experienced until the study is over.</a:t>
+            </a:r>
+            <a:endParaRPr sz="1350">
+              <a:solidFill>
+                <a:schemeClr val="dk2"/>
+              </a:solidFill>
+              <a:latin typeface="Calibri"/>
+              <a:ea typeface="Calibri"/>
+              <a:cs typeface="Calibri"/>
+              <a:sym typeface="Calibri"/>
+            </a:endParaRPr>
+          </a:p>
+          <a:p>
+            <a:pPr marL="685800" lvl="1" indent="-257175">
+              <a:lnSpc>
+                <a:spcPct val="115000"/>
+              </a:lnSpc>
+              <a:buClr>
+                <a:schemeClr val="dk2"/>
+              </a:buClr>
+              <a:buSzPts val="1800"/>
+              <a:buFont typeface="Calibri"/>
+              <a:buChar char="-"/>
+            </a:pPr>
+            <a:r>
+              <a:rPr lang="en" sz="1350">
                 <a:solidFill>
                   <a:schemeClr val="dk2"/>
                 </a:solidFill>
@@ -10251,7 +9903,7 @@
               </a:rPr>
               <a:t>The participant may drop out early for any reason.</a:t>
             </a:r>
-            <a:endParaRPr sz="1800">
+            <a:endParaRPr sz="1350">
               <a:solidFill>
                 <a:schemeClr val="dk2"/>
               </a:solidFill>
@@ -10262,16 +9914,10 @@
             </a:endParaRPr>
           </a:p>
           <a:p>
-            <a:pPr marL="914400" lvl="1" indent="-342900" algn="l" rtl="0">
+            <a:pPr marL="685800" lvl="1" indent="-257175">
               <a:lnSpc>
                 <a:spcPct val="115000"/>
               </a:lnSpc>
-              <a:spcBef>
-                <a:spcPts val="0"/>
-              </a:spcBef>
-              <a:spcAft>
-                <a:spcPts val="0"/>
-              </a:spcAft>
               <a:buClr>
                 <a:schemeClr val="dk2"/>
               </a:buClr>
@@ -10280,7 +9926,7 @@
               <a:buChar char="-"/>
             </a:pPr>
             <a:r>
-              <a:rPr lang="en" sz="1800">
+              <a:rPr lang="en" sz="1350">
                 <a:solidFill>
                   <a:schemeClr val="dk2"/>
                 </a:solidFill>
@@ -10292,7 +9938,7 @@
               <a:t>These individuals are </a:t>
             </a:r>
             <a:r>
-              <a:rPr lang="en" sz="1800" b="1">
+              <a:rPr lang="en" sz="1350" b="1">
                 <a:solidFill>
                   <a:schemeClr val="dk2"/>
                 </a:solidFill>
@@ -10303,7 +9949,7 @@
               </a:rPr>
               <a:t>censored</a:t>
             </a:r>
-            <a:endParaRPr sz="1800" b="1">
+            <a:endParaRPr sz="1350" b="1">
               <a:solidFill>
                 <a:schemeClr val="dk2"/>
               </a:solidFill>
@@ -10327,30 +9973,22 @@
         </p:nvSpPr>
         <p:spPr>
           <a:xfrm>
-            <a:off x="8390734" y="4543668"/>
-            <a:ext cx="548700" cy="393600"/>
+            <a:off x="6293051" y="4050689"/>
+            <a:ext cx="411525" cy="295200"/>
           </a:xfrm>
           <a:prstGeom prst="rect">
             <a:avLst/>
           </a:prstGeom>
         </p:spPr>
         <p:txBody>
-          <a:bodyPr spcFirstLastPara="1" wrap="square" lIns="91425" tIns="91425" rIns="91425" bIns="91425" anchor="ctr" anchorCtr="0">
+          <a:bodyPr spcFirstLastPara="1" wrap="square" lIns="68569" tIns="68569" rIns="68569" bIns="68569" anchor="ctr" anchorCtr="0">
             <a:noAutofit/>
           </a:bodyPr>
           <a:lstStyle/>
           <a:p>
-            <a:pPr marL="0" lvl="0" indent="0" algn="r" rtl="0">
-              <a:spcBef>
-                <a:spcPts val="0"/>
-              </a:spcBef>
-              <a:spcAft>
-                <a:spcPts val="0"/>
-              </a:spcAft>
-              <a:buNone/>
-            </a:pPr>
             <a:fld id="{00000000-1234-1234-1234-123412341234}" type="slidenum">
               <a:rPr lang="en"/>
+              <a:pPr/>
               <a:t>2</a:t>
             </a:fld>
             <a:endParaRPr/>
@@ -10469,30 +10107,22 @@
         </p:nvSpPr>
         <p:spPr>
           <a:xfrm>
-            <a:off x="8390734" y="4543668"/>
-            <a:ext cx="548700" cy="393600"/>
+            <a:off x="6293051" y="4050689"/>
+            <a:ext cx="411525" cy="295200"/>
           </a:xfrm>
           <a:prstGeom prst="rect">
             <a:avLst/>
           </a:prstGeom>
         </p:spPr>
         <p:txBody>
-          <a:bodyPr spcFirstLastPara="1" wrap="square" lIns="91425" tIns="91425" rIns="91425" bIns="91425" anchor="ctr" anchorCtr="0">
+          <a:bodyPr spcFirstLastPara="1" wrap="square" lIns="68569" tIns="68569" rIns="68569" bIns="68569" anchor="ctr" anchorCtr="0">
             <a:noAutofit/>
           </a:bodyPr>
           <a:lstStyle/>
           <a:p>
-            <a:pPr marL="0" lvl="0" indent="0" algn="r" rtl="0">
-              <a:spcBef>
-                <a:spcPts val="0"/>
-              </a:spcBef>
-              <a:spcAft>
-                <a:spcPts val="0"/>
-              </a:spcAft>
-              <a:buNone/>
-            </a:pPr>
             <a:fld id="{00000000-1234-1234-1234-123412341234}" type="slidenum">
               <a:rPr lang="en"/>
+              <a:pPr/>
               <a:t>3</a:t>
             </a:fld>
             <a:endParaRPr/>
@@ -10511,33 +10141,30 @@
         </p:nvSpPr>
         <p:spPr>
           <a:xfrm>
-            <a:off x="819150" y="1695825"/>
-            <a:ext cx="7505700" cy="1330800"/>
+            <a:off x="614363" y="1914806"/>
+            <a:ext cx="5629275" cy="998100"/>
           </a:xfrm>
           <a:prstGeom prst="rect">
             <a:avLst/>
           </a:prstGeom>
         </p:spPr>
         <p:txBody>
-          <a:bodyPr spcFirstLastPara="1" wrap="square" lIns="91425" tIns="91425" rIns="91425" bIns="91425" anchor="ctr" anchorCtr="0">
+          <a:bodyPr spcFirstLastPara="1" wrap="square" lIns="68569" tIns="68569" rIns="68569" bIns="68569" anchor="ctr" anchorCtr="0">
             <a:noAutofit/>
           </a:bodyPr>
           <a:lstStyle/>
           <a:p>
-            <a:pPr marL="0" lvl="0" indent="0" algn="ctr" rtl="0">
-              <a:spcBef>
-                <a:spcPts val="0"/>
-              </a:spcBef>
-              <a:spcAft>
-                <a:spcPts val="1600"/>
+            <a:pPr marL="0" indent="0" algn="ctr">
+              <a:spcAft>
+                <a:spcPts val="1200"/>
               </a:spcAft>
               <a:buNone/>
             </a:pPr>
             <a:r>
-              <a:rPr lang="en" sz="3600" b="1"/>
+              <a:rPr lang="en" sz="2700" b="1"/>
               <a:t>Now lets gets some data!</a:t>
             </a:r>
-            <a:endParaRPr sz="3600" b="1"/>
+            <a:endParaRPr sz="2700" b="1"/>
           </a:p>
         </p:txBody>
       </p:sp>
@@ -10578,28 +10205,19 @@
         </p:nvSpPr>
         <p:spPr>
           <a:xfrm>
-            <a:off x="819150" y="301500"/>
-            <a:ext cx="7505700" cy="954600"/>
+            <a:off x="614363" y="869063"/>
+            <a:ext cx="5629275" cy="715950"/>
           </a:xfrm>
           <a:prstGeom prst="rect">
             <a:avLst/>
           </a:prstGeom>
         </p:spPr>
         <p:txBody>
-          <a:bodyPr spcFirstLastPara="1" wrap="square" lIns="91425" tIns="91425" rIns="91425" bIns="91425" anchor="t" anchorCtr="0">
+          <a:bodyPr spcFirstLastPara="1" wrap="square" lIns="68569" tIns="68569" rIns="68569" bIns="68569" anchor="t" anchorCtr="0">
             <a:noAutofit/>
           </a:bodyPr>
           <a:lstStyle/>
           <a:p>
-            <a:pPr marL="0" lvl="0" indent="0" algn="l" rtl="0">
-              <a:spcBef>
-                <a:spcPts val="0"/>
-              </a:spcBef>
-              <a:spcAft>
-                <a:spcPts val="0"/>
-              </a:spcAft>
-              <a:buNone/>
-            </a:pPr>
             <a:r>
               <a:rPr lang="en"/>
               <a:t>Data: Time to assignment completion</a:t>
@@ -10624,8 +10242,8 @@
         </p:blipFill>
         <p:spPr>
           <a:xfrm>
-            <a:off x="2611725" y="943500"/>
-            <a:ext cx="3920551" cy="3582601"/>
+            <a:off x="1958794" y="1350563"/>
+            <a:ext cx="2940413" cy="2686951"/>
           </a:xfrm>
           <a:prstGeom prst="rect">
             <a:avLst/>
@@ -10648,30 +10266,22 @@
         </p:nvSpPr>
         <p:spPr>
           <a:xfrm>
-            <a:off x="8390734" y="4543668"/>
-            <a:ext cx="548700" cy="393600"/>
+            <a:off x="6293051" y="4050689"/>
+            <a:ext cx="411525" cy="295200"/>
           </a:xfrm>
           <a:prstGeom prst="rect">
             <a:avLst/>
           </a:prstGeom>
         </p:spPr>
         <p:txBody>
-          <a:bodyPr spcFirstLastPara="1" wrap="square" lIns="91425" tIns="91425" rIns="91425" bIns="91425" anchor="ctr" anchorCtr="0">
+          <a:bodyPr spcFirstLastPara="1" wrap="square" lIns="68569" tIns="68569" rIns="68569" bIns="68569" anchor="ctr" anchorCtr="0">
             <a:noAutofit/>
           </a:bodyPr>
           <a:lstStyle/>
           <a:p>
-            <a:pPr marL="0" lvl="0" indent="0" algn="r" rtl="0">
-              <a:spcBef>
-                <a:spcPts val="0"/>
-              </a:spcBef>
-              <a:spcAft>
-                <a:spcPts val="0"/>
-              </a:spcAft>
-              <a:buNone/>
-            </a:pPr>
             <a:fld id="{00000000-1234-1234-1234-123412341234}" type="slidenum">
               <a:rPr lang="en"/>
+              <a:pPr/>
               <a:t>4</a:t>
             </a:fld>
             <a:endParaRPr/>
@@ -10715,28 +10325,19 @@
         </p:nvSpPr>
         <p:spPr>
           <a:xfrm>
-            <a:off x="819150" y="301500"/>
-            <a:ext cx="7505700" cy="954600"/>
+            <a:off x="614363" y="869063"/>
+            <a:ext cx="5629275" cy="715950"/>
           </a:xfrm>
           <a:prstGeom prst="rect">
             <a:avLst/>
           </a:prstGeom>
         </p:spPr>
         <p:txBody>
-          <a:bodyPr spcFirstLastPara="1" wrap="square" lIns="91425" tIns="91425" rIns="91425" bIns="91425" anchor="t" anchorCtr="0">
+          <a:bodyPr spcFirstLastPara="1" wrap="square" lIns="68569" tIns="68569" rIns="68569" bIns="68569" anchor="t" anchorCtr="0">
             <a:noAutofit/>
           </a:bodyPr>
           <a:lstStyle/>
           <a:p>
-            <a:pPr marL="0" lvl="0" indent="0" algn="l" rtl="0">
-              <a:spcBef>
-                <a:spcPts val="0"/>
-              </a:spcBef>
-              <a:spcAft>
-                <a:spcPts val="0"/>
-              </a:spcAft>
-              <a:buNone/>
-            </a:pPr>
             <a:r>
               <a:rPr lang="en"/>
               <a:t>Data: Time to assignment completion</a:t>
@@ -10753,8 +10354,8 @@
         </p:nvCxnSpPr>
         <p:spPr>
           <a:xfrm>
-            <a:off x="4635713" y="2745663"/>
-            <a:ext cx="370800" cy="0"/>
+            <a:off x="3476785" y="2702185"/>
+            <a:ext cx="278100" cy="0"/>
           </a:xfrm>
           <a:prstGeom prst="straightConnector1">
             <a:avLst/>
@@ -10786,8 +10387,8 @@
         </p:blipFill>
         <p:spPr>
           <a:xfrm>
-            <a:off x="5143300" y="1824013"/>
-            <a:ext cx="3041351" cy="1843325"/>
+            <a:off x="3857476" y="2010948"/>
+            <a:ext cx="2281013" cy="1382494"/>
           </a:xfrm>
           <a:prstGeom prst="rect">
             <a:avLst/>
@@ -10810,30 +10411,22 @@
         </p:nvSpPr>
         <p:spPr>
           <a:xfrm>
-            <a:off x="8390734" y="4543668"/>
-            <a:ext cx="548700" cy="393600"/>
+            <a:off x="6293051" y="4050689"/>
+            <a:ext cx="411525" cy="295200"/>
           </a:xfrm>
           <a:prstGeom prst="rect">
             <a:avLst/>
           </a:prstGeom>
         </p:spPr>
         <p:txBody>
-          <a:bodyPr spcFirstLastPara="1" wrap="square" lIns="91425" tIns="91425" rIns="91425" bIns="91425" anchor="ctr" anchorCtr="0">
+          <a:bodyPr spcFirstLastPara="1" wrap="square" lIns="68569" tIns="68569" rIns="68569" bIns="68569" anchor="ctr" anchorCtr="0">
             <a:noAutofit/>
           </a:bodyPr>
           <a:lstStyle/>
           <a:p>
-            <a:pPr marL="0" lvl="0" indent="0" algn="r" rtl="0">
-              <a:spcBef>
-                <a:spcPts val="0"/>
-              </a:spcBef>
-              <a:spcAft>
-                <a:spcPts val="0"/>
-              </a:spcAft>
-              <a:buNone/>
-            </a:pPr>
             <a:fld id="{00000000-1234-1234-1234-123412341234}" type="slidenum">
               <a:rPr lang="en"/>
+              <a:pPr/>
               <a:t>5</a:t>
             </a:fld>
             <a:endParaRPr/>
@@ -10856,8 +10449,8 @@
         </p:blipFill>
         <p:spPr>
           <a:xfrm>
-            <a:off x="637125" y="1108250"/>
-            <a:ext cx="3998590" cy="3582601"/>
+            <a:off x="477844" y="1474125"/>
+            <a:ext cx="2998943" cy="2686951"/>
           </a:xfrm>
           <a:prstGeom prst="rect">
             <a:avLst/>
@@ -10876,8 +10469,8 @@
         </p:nvSpPr>
         <p:spPr>
           <a:xfrm>
-            <a:off x="6971800" y="1902050"/>
-            <a:ext cx="370800" cy="221100"/>
+            <a:off x="5228850" y="2069475"/>
+            <a:ext cx="278100" cy="165825"/>
           </a:xfrm>
           <a:prstGeom prst="rect">
             <a:avLst/>
@@ -10896,21 +10489,12 @@
           </a:ln>
         </p:spPr>
         <p:txBody>
-          <a:bodyPr spcFirstLastPara="1" wrap="square" lIns="91425" tIns="91425" rIns="91425" bIns="91425" anchor="t" anchorCtr="0">
+          <a:bodyPr spcFirstLastPara="1" wrap="square" lIns="68569" tIns="68569" rIns="68569" bIns="68569" anchor="t" anchorCtr="0">
             <a:noAutofit/>
           </a:bodyPr>
           <a:lstStyle/>
           <a:p>
-            <a:pPr marL="0" lvl="0" indent="0" algn="l" rtl="0">
-              <a:spcBef>
-                <a:spcPts val="0"/>
-              </a:spcBef>
-              <a:spcAft>
-                <a:spcPts val="0"/>
-              </a:spcAft>
-              <a:buNone/>
-            </a:pPr>
-            <a:endParaRPr>
+            <a:endParaRPr sz="1050">
               <a:latin typeface="Calibri"/>
               <a:ea typeface="Calibri"/>
               <a:cs typeface="Calibri"/>
@@ -10927,8 +10511,8 @@
         </p:nvSpPr>
         <p:spPr>
           <a:xfrm>
-            <a:off x="6971800" y="1768950"/>
-            <a:ext cx="370800" cy="221100"/>
+            <a:off x="5228850" y="1969650"/>
+            <a:ext cx="278100" cy="165825"/>
           </a:xfrm>
           <a:prstGeom prst="rect">
             <a:avLst/>
@@ -10939,22 +10523,13 @@
           </a:ln>
         </p:spPr>
         <p:txBody>
-          <a:bodyPr spcFirstLastPara="1" wrap="square" lIns="91425" tIns="91425" rIns="91425" bIns="91425" anchor="t" anchorCtr="0">
+          <a:bodyPr spcFirstLastPara="1" wrap="square" lIns="68569" tIns="68569" rIns="68569" bIns="68569" anchor="t" anchorCtr="0">
             <a:noAutofit/>
           </a:bodyPr>
           <a:lstStyle/>
           <a:p>
-            <a:pPr marL="0" lvl="0" indent="0" algn="l" rtl="0">
-              <a:spcBef>
-                <a:spcPts val="0"/>
-              </a:spcBef>
-              <a:spcAft>
-                <a:spcPts val="0"/>
-              </a:spcAft>
-              <a:buNone/>
-            </a:pPr>
             <a:r>
-              <a:rPr lang="en">
+              <a:rPr lang="en" sz="1050">
                 <a:latin typeface="Calibri"/>
                 <a:ea typeface="Calibri"/>
                 <a:cs typeface="Calibri"/>
@@ -10962,7 +10537,7 @@
               </a:rPr>
               <a:t>(t)</a:t>
             </a:r>
-            <a:endParaRPr>
+            <a:endParaRPr sz="1050">
               <a:latin typeface="Calibri"/>
               <a:ea typeface="Calibri"/>
               <a:cs typeface="Calibri"/>
@@ -11008,28 +10583,19 @@
         </p:nvSpPr>
         <p:spPr>
           <a:xfrm>
-            <a:off x="819150" y="845600"/>
-            <a:ext cx="7505700" cy="954600"/>
+            <a:off x="614363" y="1277138"/>
+            <a:ext cx="5629275" cy="715950"/>
           </a:xfrm>
           <a:prstGeom prst="rect">
             <a:avLst/>
           </a:prstGeom>
         </p:spPr>
         <p:txBody>
-          <a:bodyPr spcFirstLastPara="1" wrap="square" lIns="91425" tIns="91425" rIns="91425" bIns="91425" anchor="t" anchorCtr="0">
+          <a:bodyPr spcFirstLastPara="1" wrap="square" lIns="68569" tIns="68569" rIns="68569" bIns="68569" anchor="t" anchorCtr="0">
             <a:noAutofit/>
           </a:bodyPr>
           <a:lstStyle/>
           <a:p>
-            <a:pPr marL="0" lvl="0" indent="0" algn="l" rtl="0">
-              <a:spcBef>
-                <a:spcPts val="0"/>
-              </a:spcBef>
-              <a:spcAft>
-                <a:spcPts val="0"/>
-              </a:spcAft>
-              <a:buNone/>
-            </a:pPr>
             <a:r>
               <a:rPr lang="en"/>
               <a:t>Definitions/Notations</a:t>
@@ -11050,27 +10616,20 @@
         </p:nvSpPr>
         <p:spPr>
           <a:xfrm>
-            <a:off x="819150" y="1390075"/>
-            <a:ext cx="7505700" cy="1330800"/>
+            <a:off x="614363" y="1685494"/>
+            <a:ext cx="5629275" cy="998100"/>
           </a:xfrm>
           <a:prstGeom prst="rect">
             <a:avLst/>
           </a:prstGeom>
         </p:spPr>
         <p:txBody>
-          <a:bodyPr spcFirstLastPara="1" wrap="square" lIns="91425" tIns="91425" rIns="91425" bIns="91425" anchor="t" anchorCtr="0">
+          <a:bodyPr spcFirstLastPara="1" wrap="square" lIns="68569" tIns="68569" rIns="68569" bIns="68569" anchor="t" anchorCtr="0">
             <a:noAutofit/>
           </a:bodyPr>
           <a:lstStyle/>
           <a:p>
-            <a:pPr marL="457200" lvl="0" indent="-381000" algn="l" rtl="0">
-              <a:spcBef>
-                <a:spcPts val="0"/>
-              </a:spcBef>
-              <a:spcAft>
-                <a:spcPts val="0"/>
-              </a:spcAft>
-              <a:buSzPts val="2400"/>
+            <a:pPr>
               <a:buChar char="-"/>
             </a:pPr>
             <a:r>
@@ -11080,14 +10639,7 @@
             <a:endParaRPr dirty="0"/>
           </a:p>
           <a:p>
-            <a:pPr marL="457200" lvl="0" indent="-381000" algn="l" rtl="0">
-              <a:spcBef>
-                <a:spcPts val="0"/>
-              </a:spcBef>
-              <a:spcAft>
-                <a:spcPts val="0"/>
-              </a:spcAft>
-              <a:buSzPts val="2400"/>
+            <a:pPr>
               <a:buChar char="-"/>
             </a:pPr>
             <a:r>
@@ -11097,14 +10649,7 @@
             <a:endParaRPr dirty="0"/>
           </a:p>
           <a:p>
-            <a:pPr marL="457200" lvl="0" indent="-381000" algn="l" rtl="0">
-              <a:spcBef>
-                <a:spcPts val="0"/>
-              </a:spcBef>
-              <a:spcAft>
-                <a:spcPts val="0"/>
-              </a:spcAft>
-              <a:buSzPts val="2400"/>
+            <a:pPr>
               <a:buChar char="-"/>
             </a:pPr>
             <a:r>
@@ -11114,12 +10659,12 @@
             <a:endParaRPr dirty="0"/>
           </a:p>
           <a:p>
-            <a:pPr marL="0" lvl="0" indent="0" algn="l" rtl="0">
-              <a:spcBef>
-                <a:spcPts val="1600"/>
-              </a:spcBef>
-              <a:spcAft>
-                <a:spcPts val="1600"/>
+            <a:pPr marL="0" indent="0">
+              <a:spcBef>
+                <a:spcPts val="1200"/>
+              </a:spcBef>
+              <a:spcAft>
+                <a:spcPts val="1200"/>
               </a:spcAft>
               <a:buNone/>
             </a:pPr>
@@ -11139,30 +10684,22 @@
         </p:nvSpPr>
         <p:spPr>
           <a:xfrm>
-            <a:off x="8390734" y="4543668"/>
-            <a:ext cx="548700" cy="393600"/>
+            <a:off x="6293051" y="4050689"/>
+            <a:ext cx="411525" cy="295200"/>
           </a:xfrm>
           <a:prstGeom prst="rect">
             <a:avLst/>
           </a:prstGeom>
         </p:spPr>
         <p:txBody>
-          <a:bodyPr spcFirstLastPara="1" wrap="square" lIns="91425" tIns="91425" rIns="91425" bIns="91425" anchor="ctr" anchorCtr="0">
+          <a:bodyPr spcFirstLastPara="1" wrap="square" lIns="68569" tIns="68569" rIns="68569" bIns="68569" anchor="ctr" anchorCtr="0">
             <a:noAutofit/>
           </a:bodyPr>
           <a:lstStyle/>
           <a:p>
-            <a:pPr marL="0" lvl="0" indent="0" algn="r" rtl="0">
-              <a:spcBef>
-                <a:spcPts val="0"/>
-              </a:spcBef>
-              <a:spcAft>
-                <a:spcPts val="0"/>
-              </a:spcAft>
-              <a:buNone/>
-            </a:pPr>
             <a:fld id="{00000000-1234-1234-1234-123412341234}" type="slidenum">
               <a:rPr lang="en"/>
+              <a:pPr/>
               <a:t>6</a:t>
             </a:fld>
             <a:endParaRPr/>
@@ -11206,28 +10743,19 @@
         </p:nvSpPr>
         <p:spPr>
           <a:xfrm>
-            <a:off x="819150" y="845600"/>
-            <a:ext cx="7505700" cy="954600"/>
+            <a:off x="614363" y="1277138"/>
+            <a:ext cx="5629275" cy="715950"/>
           </a:xfrm>
           <a:prstGeom prst="rect">
             <a:avLst/>
           </a:prstGeom>
         </p:spPr>
         <p:txBody>
-          <a:bodyPr spcFirstLastPara="1" wrap="square" lIns="91425" tIns="91425" rIns="91425" bIns="91425" anchor="t" anchorCtr="0">
+          <a:bodyPr spcFirstLastPara="1" wrap="square" lIns="68569" tIns="68569" rIns="68569" bIns="68569" anchor="t" anchorCtr="0">
             <a:noAutofit/>
           </a:bodyPr>
           <a:lstStyle/>
           <a:p>
-            <a:pPr marL="0" lvl="0" indent="0" algn="l" rtl="0">
-              <a:spcBef>
-                <a:spcPts val="0"/>
-              </a:spcBef>
-              <a:spcAft>
-                <a:spcPts val="0"/>
-              </a:spcAft>
-              <a:buNone/>
-            </a:pPr>
             <a:r>
               <a:rPr lang="en"/>
               <a:t>Survivor Function</a:t>
@@ -11248,26 +10776,20 @@
         </p:nvSpPr>
         <p:spPr>
           <a:xfrm>
-            <a:off x="819150" y="1948125"/>
-            <a:ext cx="5636400" cy="1684200"/>
+            <a:off x="614363" y="2104031"/>
+            <a:ext cx="4227300" cy="1263150"/>
           </a:xfrm>
           <a:prstGeom prst="rect">
             <a:avLst/>
           </a:prstGeom>
         </p:spPr>
         <p:txBody>
-          <a:bodyPr spcFirstLastPara="1" wrap="square" lIns="91425" tIns="91425" rIns="91425" bIns="91425" anchor="t" anchorCtr="0">
+          <a:bodyPr spcFirstLastPara="1" wrap="square" lIns="68569" tIns="68569" rIns="68569" bIns="68569" anchor="t" anchorCtr="0">
             <a:noAutofit/>
           </a:bodyPr>
           <a:lstStyle/>
           <a:p>
-            <a:pPr marL="0" lvl="0" indent="0" algn="l" rtl="0">
-              <a:spcBef>
-                <a:spcPts val="0"/>
-              </a:spcBef>
-              <a:spcAft>
-                <a:spcPts val="0"/>
-              </a:spcAft>
+            <a:pPr marL="0" indent="0">
               <a:buNone/>
             </a:pPr>
             <a:r>
@@ -11277,14 +10799,10 @@
             <a:endParaRPr/>
           </a:p>
           <a:p>
-            <a:pPr marL="457200" lvl="0" indent="-381000" algn="l" rtl="0">
-              <a:spcBef>
-                <a:spcPts val="1600"/>
-              </a:spcBef>
-              <a:spcAft>
-                <a:spcPts val="0"/>
-              </a:spcAft>
-              <a:buSzPts val="2400"/>
+            <a:pPr>
+              <a:spcBef>
+                <a:spcPts val="1200"/>
+              </a:spcBef>
               <a:buChar char="-"/>
             </a:pPr>
             <a:r>
@@ -11294,14 +10812,10 @@
             <a:endParaRPr/>
           </a:p>
           <a:p>
-            <a:pPr marL="914400" lvl="1" indent="-342900" algn="l" rtl="0">
-              <a:spcBef>
-                <a:spcPts val="0"/>
-              </a:spcBef>
-              <a:spcAft>
-                <a:spcPts val="0"/>
-              </a:spcAft>
-              <a:buSzPts val="1800"/>
+            <a:pPr lvl="1">
+              <a:spcBef>
+                <a:spcPts val="0"/>
+              </a:spcBef>
               <a:buChar char="-"/>
             </a:pPr>
             <a:r>
@@ -11311,14 +10825,10 @@
             <a:endParaRPr/>
           </a:p>
           <a:p>
-            <a:pPr marL="914400" lvl="1" indent="-342900" algn="l" rtl="0">
-              <a:spcBef>
-                <a:spcPts val="0"/>
-              </a:spcBef>
-              <a:spcAft>
-                <a:spcPts val="0"/>
-              </a:spcAft>
-              <a:buSzPts val="1800"/>
+            <a:pPr lvl="1">
+              <a:spcBef>
+                <a:spcPts val="0"/>
+              </a:spcBef>
               <a:buChar char="-"/>
             </a:pPr>
             <a:r>
@@ -11345,8 +10855,8 @@
         </p:blipFill>
         <p:spPr>
           <a:xfrm>
-            <a:off x="6000074" y="1587125"/>
-            <a:ext cx="2788852" cy="1606900"/>
+            <a:off x="4564251" y="1833281"/>
+            <a:ext cx="1971750" cy="1205175"/>
           </a:xfrm>
           <a:prstGeom prst="rect">
             <a:avLst/>
@@ -11365,8 +10875,8 @@
         </p:nvSpPr>
         <p:spPr>
           <a:xfrm>
-            <a:off x="1331250" y="4482775"/>
-            <a:ext cx="6993600" cy="386700"/>
+            <a:off x="998438" y="4005019"/>
+            <a:ext cx="5245200" cy="290025"/>
           </a:xfrm>
           <a:prstGeom prst="rect">
             <a:avLst/>
@@ -11377,22 +10887,13 @@
           </a:ln>
         </p:spPr>
         <p:txBody>
-          <a:bodyPr spcFirstLastPara="1" wrap="square" lIns="91425" tIns="91425" rIns="91425" bIns="91425" anchor="t" anchorCtr="0">
+          <a:bodyPr spcFirstLastPara="1" wrap="square" lIns="68569" tIns="68569" rIns="68569" bIns="68569" anchor="t" anchorCtr="0">
             <a:noAutofit/>
           </a:bodyPr>
           <a:lstStyle/>
           <a:p>
-            <a:pPr marL="0" lvl="0" indent="0" algn="l" rtl="0">
-              <a:spcBef>
-                <a:spcPts val="0"/>
-              </a:spcBef>
-              <a:spcAft>
-                <a:spcPts val="0"/>
-              </a:spcAft>
-              <a:buNone/>
-            </a:pPr>
             <a:r>
-              <a:rPr lang="en" sz="1000">
+              <a:rPr lang="en" sz="750">
                 <a:solidFill>
                   <a:srgbClr val="222222"/>
                 </a:solidFill>
@@ -11403,7 +10904,7 @@
               <a:t>Kleinbaum, David G., and Mitchel Klein. </a:t>
             </a:r>
             <a:r>
-              <a:rPr lang="en" sz="1000" i="1">
+              <a:rPr lang="en" sz="750" i="1">
                 <a:solidFill>
                   <a:srgbClr val="222222"/>
                 </a:solidFill>
@@ -11414,7 +10915,7 @@
               <a:t>Survival analysis</a:t>
             </a:r>
             <a:r>
-              <a:rPr lang="en" sz="1000">
+              <a:rPr lang="en" sz="750">
                 <a:solidFill>
                   <a:srgbClr val="222222"/>
                 </a:solidFill>
@@ -11424,7 +10925,7 @@
               </a:rPr>
               <a:t>. Vol. 3. New York: Springer, 2010.  Pg. 9, 59</a:t>
             </a:r>
-            <a:endParaRPr>
+            <a:endParaRPr sz="1050">
               <a:latin typeface="Calibri"/>
               <a:ea typeface="Calibri"/>
               <a:cs typeface="Calibri"/>
@@ -11449,8 +10950,8 @@
         </p:blipFill>
         <p:spPr>
           <a:xfrm>
-            <a:off x="915792" y="1587125"/>
-            <a:ext cx="2413789" cy="361200"/>
+            <a:off x="686844" y="1833281"/>
+            <a:ext cx="1810342" cy="270900"/>
           </a:xfrm>
           <a:prstGeom prst="rect">
             <a:avLst/>
@@ -11473,30 +10974,22 @@
         </p:nvSpPr>
         <p:spPr>
           <a:xfrm>
-            <a:off x="8390734" y="4543668"/>
-            <a:ext cx="548700" cy="393600"/>
+            <a:off x="6293051" y="4050689"/>
+            <a:ext cx="411525" cy="295200"/>
           </a:xfrm>
           <a:prstGeom prst="rect">
             <a:avLst/>
           </a:prstGeom>
         </p:spPr>
         <p:txBody>
-          <a:bodyPr spcFirstLastPara="1" wrap="square" lIns="91425" tIns="91425" rIns="91425" bIns="91425" anchor="ctr" anchorCtr="0">
+          <a:bodyPr spcFirstLastPara="1" wrap="square" lIns="68569" tIns="68569" rIns="68569" bIns="68569" anchor="ctr" anchorCtr="0">
             <a:noAutofit/>
           </a:bodyPr>
           <a:lstStyle/>
           <a:p>
-            <a:pPr marL="0" lvl="0" indent="0" algn="r" rtl="0">
-              <a:spcBef>
-                <a:spcPts val="0"/>
-              </a:spcBef>
-              <a:spcAft>
-                <a:spcPts val="0"/>
-              </a:spcAft>
-              <a:buNone/>
-            </a:pPr>
             <a:fld id="{00000000-1234-1234-1234-123412341234}" type="slidenum">
               <a:rPr lang="en"/>
+              <a:pPr/>
               <a:t>7</a:t>
             </a:fld>
             <a:endParaRPr/>
@@ -11642,28 +11135,19 @@
         </p:nvSpPr>
         <p:spPr>
           <a:xfrm>
-            <a:off x="819150" y="845600"/>
-            <a:ext cx="7505700" cy="954600"/>
+            <a:off x="614363" y="1277138"/>
+            <a:ext cx="5629275" cy="715950"/>
           </a:xfrm>
           <a:prstGeom prst="rect">
             <a:avLst/>
           </a:prstGeom>
         </p:spPr>
         <p:txBody>
-          <a:bodyPr spcFirstLastPara="1" wrap="square" lIns="91425" tIns="91425" rIns="91425" bIns="91425" anchor="t" anchorCtr="0">
+          <a:bodyPr spcFirstLastPara="1" wrap="square" lIns="68569" tIns="68569" rIns="68569" bIns="68569" anchor="t" anchorCtr="0">
             <a:noAutofit/>
           </a:bodyPr>
           <a:lstStyle/>
           <a:p>
-            <a:pPr marL="0" lvl="0" indent="0" algn="l" rtl="0">
-              <a:spcBef>
-                <a:spcPts val="0"/>
-              </a:spcBef>
-              <a:spcAft>
-                <a:spcPts val="0"/>
-              </a:spcAft>
-              <a:buNone/>
-            </a:pPr>
             <a:endParaRPr/>
           </a:p>
         </p:txBody>
@@ -11680,25 +11164,22 @@
         </p:nvSpPr>
         <p:spPr>
           <a:xfrm>
-            <a:off x="819150" y="1990725"/>
-            <a:ext cx="7505700" cy="2448000"/>
+            <a:off x="614363" y="2135981"/>
+            <a:ext cx="5629275" cy="1836000"/>
           </a:xfrm>
           <a:prstGeom prst="rect">
             <a:avLst/>
           </a:prstGeom>
         </p:spPr>
         <p:txBody>
-          <a:bodyPr spcFirstLastPara="1" wrap="square" lIns="91425" tIns="91425" rIns="91425" bIns="91425" anchor="t" anchorCtr="0">
+          <a:bodyPr spcFirstLastPara="1" wrap="square" lIns="68569" tIns="68569" rIns="68569" bIns="68569" anchor="t" anchorCtr="0">
             <a:noAutofit/>
           </a:bodyPr>
           <a:lstStyle/>
           <a:p>
-            <a:pPr marL="0" lvl="0" indent="0" algn="l" rtl="0">
-              <a:spcBef>
-                <a:spcPts val="0"/>
-              </a:spcBef>
-              <a:spcAft>
-                <a:spcPts val="1600"/>
+            <a:pPr marL="0" indent="0">
+              <a:spcAft>
+                <a:spcPts val="1200"/>
               </a:spcAft>
               <a:buNone/>
             </a:pPr>
@@ -11721,8 +11202,8 @@
         </p:blipFill>
         <p:spPr>
           <a:xfrm>
-            <a:off x="212800" y="845600"/>
-            <a:ext cx="8565852" cy="4039692"/>
+            <a:off x="159600" y="1277138"/>
+            <a:ext cx="6424389" cy="3029769"/>
           </a:xfrm>
           <a:prstGeom prst="rect">
             <a:avLst/>
@@ -11741,8 +11222,8 @@
         </p:nvSpPr>
         <p:spPr>
           <a:xfrm>
-            <a:off x="2810550" y="1423650"/>
-            <a:ext cx="909300" cy="376500"/>
+            <a:off x="2107913" y="1710675"/>
+            <a:ext cx="681975" cy="282375"/>
           </a:xfrm>
           <a:prstGeom prst="rect">
             <a:avLst/>
@@ -11753,22 +11234,13 @@
           </a:ln>
         </p:spPr>
         <p:txBody>
-          <a:bodyPr spcFirstLastPara="1" wrap="square" lIns="91425" tIns="91425" rIns="91425" bIns="91425" anchor="t" anchorCtr="0">
+          <a:bodyPr spcFirstLastPara="1" wrap="square" lIns="68569" tIns="68569" rIns="68569" bIns="68569" anchor="t" anchorCtr="0">
             <a:noAutofit/>
           </a:bodyPr>
           <a:lstStyle/>
           <a:p>
-            <a:pPr marL="0" lvl="0" indent="0" algn="l" rtl="0">
-              <a:spcBef>
-                <a:spcPts val="0"/>
-              </a:spcBef>
-              <a:spcAft>
-                <a:spcPts val="0"/>
-              </a:spcAft>
-              <a:buNone/>
-            </a:pPr>
             <a:r>
-              <a:rPr lang="en">
+              <a:rPr lang="en" sz="1050">
                 <a:latin typeface="Calibri"/>
                 <a:ea typeface="Calibri"/>
                 <a:cs typeface="Calibri"/>
@@ -11776,7 +11248,7 @@
               </a:rPr>
               <a:t>Step=0.2</a:t>
             </a:r>
-            <a:endParaRPr>
+            <a:endParaRPr sz="1050">
               <a:latin typeface="Calibri"/>
               <a:ea typeface="Calibri"/>
               <a:cs typeface="Calibri"/>
@@ -11793,8 +11265,8 @@
         </p:nvSpPr>
         <p:spPr>
           <a:xfrm>
-            <a:off x="4331500" y="2035275"/>
-            <a:ext cx="909300" cy="376500"/>
+            <a:off x="3248625" y="2169394"/>
+            <a:ext cx="681975" cy="282375"/>
           </a:xfrm>
           <a:prstGeom prst="rect">
             <a:avLst/>
@@ -11805,22 +11277,13 @@
           </a:ln>
         </p:spPr>
         <p:txBody>
-          <a:bodyPr spcFirstLastPara="1" wrap="square" lIns="91425" tIns="91425" rIns="91425" bIns="91425" anchor="t" anchorCtr="0">
+          <a:bodyPr spcFirstLastPara="1" wrap="square" lIns="68569" tIns="68569" rIns="68569" bIns="68569" anchor="t" anchorCtr="0">
             <a:noAutofit/>
           </a:bodyPr>
           <a:lstStyle/>
           <a:p>
-            <a:pPr marL="0" lvl="0" indent="0" algn="l" rtl="0">
-              <a:spcBef>
-                <a:spcPts val="0"/>
-              </a:spcBef>
-              <a:spcAft>
-                <a:spcPts val="0"/>
-              </a:spcAft>
-              <a:buNone/>
-            </a:pPr>
             <a:r>
-              <a:rPr lang="en">
+              <a:rPr lang="en" sz="1050">
                 <a:latin typeface="Calibri"/>
                 <a:ea typeface="Calibri"/>
                 <a:cs typeface="Calibri"/>
@@ -11828,7 +11291,7 @@
               </a:rPr>
               <a:t>Step=0.2</a:t>
             </a:r>
-            <a:endParaRPr>
+            <a:endParaRPr sz="1050">
               <a:latin typeface="Calibri"/>
               <a:ea typeface="Calibri"/>
               <a:cs typeface="Calibri"/>
@@ -11845,8 +11308,8 @@
         </p:nvSpPr>
         <p:spPr>
           <a:xfrm>
-            <a:off x="5824875" y="2628575"/>
-            <a:ext cx="909300" cy="376500"/>
+            <a:off x="4368656" y="2614369"/>
+            <a:ext cx="681975" cy="282375"/>
           </a:xfrm>
           <a:prstGeom prst="rect">
             <a:avLst/>
@@ -11857,22 +11320,13 @@
           </a:ln>
         </p:spPr>
         <p:txBody>
-          <a:bodyPr spcFirstLastPara="1" wrap="square" lIns="91425" tIns="91425" rIns="91425" bIns="91425" anchor="t" anchorCtr="0">
+          <a:bodyPr spcFirstLastPara="1" wrap="square" lIns="68569" tIns="68569" rIns="68569" bIns="68569" anchor="t" anchorCtr="0">
             <a:noAutofit/>
           </a:bodyPr>
           <a:lstStyle/>
           <a:p>
-            <a:pPr marL="0" lvl="0" indent="0" algn="l" rtl="0">
-              <a:spcBef>
-                <a:spcPts val="0"/>
-              </a:spcBef>
-              <a:spcAft>
-                <a:spcPts val="0"/>
-              </a:spcAft>
-              <a:buNone/>
-            </a:pPr>
             <a:r>
-              <a:rPr lang="en">
+              <a:rPr lang="en" sz="1050">
                 <a:latin typeface="Calibri"/>
                 <a:ea typeface="Calibri"/>
                 <a:cs typeface="Calibri"/>
@@ -11880,7 +11334,7 @@
               </a:rPr>
               <a:t>Step=0.2</a:t>
             </a:r>
-            <a:endParaRPr>
+            <a:endParaRPr sz="1050">
               <a:latin typeface="Calibri"/>
               <a:ea typeface="Calibri"/>
               <a:cs typeface="Calibri"/>
@@ -11897,8 +11351,8 @@
         </p:nvSpPr>
         <p:spPr>
           <a:xfrm>
-            <a:off x="7869350" y="3561650"/>
-            <a:ext cx="909300" cy="376500"/>
+            <a:off x="5902013" y="3314175"/>
+            <a:ext cx="681975" cy="282375"/>
           </a:xfrm>
           <a:prstGeom prst="rect">
             <a:avLst/>
@@ -11909,22 +11363,13 @@
           </a:ln>
         </p:spPr>
         <p:txBody>
-          <a:bodyPr spcFirstLastPara="1" wrap="square" lIns="91425" tIns="91425" rIns="91425" bIns="91425" anchor="t" anchorCtr="0">
+          <a:bodyPr spcFirstLastPara="1" wrap="square" lIns="68569" tIns="68569" rIns="68569" bIns="68569" anchor="t" anchorCtr="0">
             <a:noAutofit/>
           </a:bodyPr>
           <a:lstStyle/>
           <a:p>
-            <a:pPr marL="0" lvl="0" indent="0" algn="l" rtl="0">
-              <a:spcBef>
-                <a:spcPts val="0"/>
-              </a:spcBef>
-              <a:spcAft>
-                <a:spcPts val="0"/>
-              </a:spcAft>
-              <a:buNone/>
-            </a:pPr>
             <a:r>
-              <a:rPr lang="en">
+              <a:rPr lang="en" sz="1050">
                 <a:latin typeface="Calibri"/>
                 <a:ea typeface="Calibri"/>
                 <a:cs typeface="Calibri"/>
@@ -11932,7 +11377,7 @@
               </a:rPr>
               <a:t>Step=0.4</a:t>
             </a:r>
-            <a:endParaRPr>
+            <a:endParaRPr sz="1050">
               <a:latin typeface="Calibri"/>
               <a:ea typeface="Calibri"/>
               <a:cs typeface="Calibri"/>
@@ -11949,8 +11394,8 @@
         </p:nvSpPr>
         <p:spPr>
           <a:xfrm>
-            <a:off x="7006425" y="3005075"/>
-            <a:ext cx="234600" cy="290100"/>
+            <a:off x="5254819" y="2896744"/>
+            <a:ext cx="175950" cy="217575"/>
           </a:xfrm>
           <a:prstGeom prst="ellipse">
             <a:avLst/>
@@ -11967,21 +11412,12 @@
           </a:ln>
         </p:spPr>
         <p:txBody>
-          <a:bodyPr spcFirstLastPara="1" wrap="square" lIns="91425" tIns="91425" rIns="91425" bIns="91425" anchor="ctr" anchorCtr="0">
+          <a:bodyPr spcFirstLastPara="1" wrap="square" lIns="68569" tIns="68569" rIns="68569" bIns="68569" anchor="ctr" anchorCtr="0">
             <a:noAutofit/>
           </a:bodyPr>
           <a:lstStyle/>
           <a:p>
-            <a:pPr marL="0" lvl="0" indent="0" algn="l" rtl="0">
-              <a:spcBef>
-                <a:spcPts val="0"/>
-              </a:spcBef>
-              <a:spcAft>
-                <a:spcPts val="0"/>
-              </a:spcAft>
-              <a:buNone/>
-            </a:pPr>
-            <a:endParaRPr/>
+            <a:endParaRPr sz="1050"/>
           </a:p>
         </p:txBody>
       </p:sp>
@@ -11997,30 +11433,22 @@
         </p:nvSpPr>
         <p:spPr>
           <a:xfrm>
-            <a:off x="8390734" y="4543668"/>
-            <a:ext cx="548700" cy="393600"/>
+            <a:off x="6293051" y="4050689"/>
+            <a:ext cx="411525" cy="295200"/>
           </a:xfrm>
           <a:prstGeom prst="rect">
             <a:avLst/>
           </a:prstGeom>
         </p:spPr>
         <p:txBody>
-          <a:bodyPr spcFirstLastPara="1" wrap="square" lIns="91425" tIns="91425" rIns="91425" bIns="91425" anchor="ctr" anchorCtr="0">
+          <a:bodyPr spcFirstLastPara="1" wrap="square" lIns="68569" tIns="68569" rIns="68569" bIns="68569" anchor="ctr" anchorCtr="0">
             <a:noAutofit/>
           </a:bodyPr>
           <a:lstStyle/>
           <a:p>
-            <a:pPr marL="0" lvl="0" indent="0" algn="r" rtl="0">
-              <a:spcBef>
-                <a:spcPts val="0"/>
-              </a:spcBef>
-              <a:spcAft>
-                <a:spcPts val="0"/>
-              </a:spcAft>
-              <a:buNone/>
-            </a:pPr>
             <a:fld id="{00000000-1234-1234-1234-123412341234}" type="slidenum">
               <a:rPr lang="en"/>
+              <a:pPr/>
               <a:t>8</a:t>
             </a:fld>
             <a:endParaRPr/>
@@ -12075,7 +11503,7 @@
           <a:p>
             <a:r>
               <a:rPr lang="en-US" dirty="0"/>
-              <a:t>Hazard function</a:t>
+              <a:t>Hazard function. 		cox</a:t>
             </a:r>
           </a:p>
         </p:txBody>
@@ -12098,8 +11526,8 @@
         </p:nvSpPr>
         <p:spPr>
           <a:xfrm>
-            <a:off x="819150" y="3073900"/>
-            <a:ext cx="7505700" cy="2448000"/>
+            <a:off x="614363" y="2948363"/>
+            <a:ext cx="5629275" cy="1836000"/>
           </a:xfrm>
         </p:spPr>
         <p:txBody>
@@ -12126,7 +11554,7 @@
           <a:p>
             <a:r>
               <a:rPr lang="en-US" i="1" dirty="0"/>
-              <a:t>H</a:t>
+              <a:t>h</a:t>
             </a:r>
             <a:r>
               <a:rPr lang="en-US" i="1" baseline="-25000" dirty="0"/>
@@ -12178,17 +11606,9 @@
           <a:bodyPr/>
           <a:lstStyle/>
           <a:p>
-            <a:pPr marL="0" lvl="0" indent="0" algn="r" rtl="0">
-              <a:spcBef>
-                <a:spcPts val="0"/>
-              </a:spcBef>
-              <a:spcAft>
-                <a:spcPts val="0"/>
-              </a:spcAft>
-              <a:buNone/>
-            </a:pPr>
             <a:fld id="{00000000-1234-1234-1234-123412341234}" type="slidenum">
               <a:rPr lang="en" smtClean="0"/>
+              <a:pPr/>
               <a:t>9</a:t>
             </a:fld>
             <a:endParaRPr lang="en"/>
@@ -12217,8 +11637,38 @@
         </p:blipFill>
         <p:spPr>
           <a:xfrm>
-            <a:off x="819150" y="1800200"/>
-            <a:ext cx="2633943" cy="432050"/>
+            <a:off x="614363" y="1993087"/>
+            <a:ext cx="1975457" cy="324038"/>
+          </a:xfrm>
+          <a:prstGeom prst="rect">
+            <a:avLst/>
+          </a:prstGeom>
+        </p:spPr>
+      </p:pic>
+      <p:pic>
+        <p:nvPicPr>
+          <p:cNvPr id="7" name="Picture 6" descr="A drawing of a person&#10;&#10;Description automatically generated">
+            <a:extLst>
+              <a:ext uri="{FF2B5EF4-FFF2-40B4-BE49-F238E27FC236}">
+                <a16:creationId xmlns:a16="http://schemas.microsoft.com/office/drawing/2014/main" id="{A0929688-1284-984E-ACD7-A9A5D0F56484}"/>
+              </a:ext>
+            </a:extLst>
+          </p:cNvPr>
+          <p:cNvPicPr>
+            <a:picLocks noChangeAspect="1"/>
+          </p:cNvPicPr>
+          <p:nvPr/>
+        </p:nvPicPr>
+        <p:blipFill>
+          <a:blip r:embed="rId3"/>
+          <a:stretch>
+            <a:fillRect/>
+          </a:stretch>
+        </p:blipFill>
+        <p:spPr>
+          <a:xfrm>
+            <a:off x="3543301" y="1808634"/>
+            <a:ext cx="2700337" cy="692944"/>
           </a:xfrm>
           <a:prstGeom prst="rect">
             <a:avLst/>

--- a/Intro To Survival Analysis.pptx
+++ b/Intro To Survival Analysis.pptx
@@ -9504,40 +9504,13 @@
           <a:p>
             <a:pPr marL="0" indent="0"/>
             <a:r>
-              <a:rPr lang="en"/>
+              <a:rPr lang="en" dirty="0"/>
               <a:t>Jesse Islam</a:t>
             </a:r>
             <a:br>
-              <a:rPr lang="en"/>
+              <a:rPr lang="en" dirty="0"/>
             </a:br>
-            <a:br>
-              <a:rPr lang="en"/>
-            </a:br>
-            <a:r>
-              <a:rPr lang="en"/>
-              <a:t> Rotation 2: Biostatistics</a:t>
-            </a:r>
-            <a:endParaRPr/>
-          </a:p>
-          <a:p>
-            <a:pPr marL="0" indent="0"/>
-            <a:endParaRPr/>
-          </a:p>
-          <a:p>
-            <a:pPr marL="0" indent="0"/>
-            <a:r>
-              <a:rPr lang="en"/>
-              <a:t>Supervised by:</a:t>
-            </a:r>
-            <a:endParaRPr/>
-          </a:p>
-          <a:p>
-            <a:pPr marL="0" indent="0"/>
-            <a:r>
-              <a:rPr lang="en"/>
-              <a:t>Dr. Sahir Bhatnagar</a:t>
-            </a:r>
-            <a:endParaRPr/>
+            <a:endParaRPr dirty="0"/>
           </a:p>
         </p:txBody>
       </p:sp>
@@ -9589,7 +9562,7 @@
           <a:p>
             <a:r>
               <a:rPr lang="en-US" dirty="0"/>
-              <a:t>AFT (parametric) vs Cox Overview</a:t>
+              <a:t>Cox Overview 	AFT (parametric)</a:t>
             </a:r>
           </a:p>
         </p:txBody>
@@ -9610,12 +9583,26 @@
             <p:ph type="body" idx="1"/>
           </p:nvPr>
         </p:nvSpPr>
-        <p:spPr/>
+        <p:spPr>
+          <a:xfrm>
+            <a:off x="614363" y="1401789"/>
+            <a:ext cx="2717773" cy="2448000"/>
+          </a:xfrm>
+        </p:spPr>
         <p:txBody>
           <a:bodyPr/>
           <a:lstStyle/>
           <a:p>
-            <a:endParaRPr lang="en-US" dirty="0"/>
+            <a:r>
+              <a:rPr lang="en-US" dirty="0"/>
+              <a:t>Etiology</a:t>
+            </a:r>
+          </a:p>
+          <a:p>
+            <a:r>
+              <a:rPr lang="en-US" dirty="0"/>
+              <a:t>Hazard ratio</a:t>
+            </a:r>
           </a:p>
         </p:txBody>
       </p:sp>
@@ -9635,7 +9622,12 @@
             <p:ph type="sldNum" idx="12"/>
           </p:nvPr>
         </p:nvSpPr>
-        <p:spPr/>
+        <p:spPr>
+          <a:xfrm>
+            <a:off x="6293051" y="3923735"/>
+            <a:ext cx="411525" cy="393600"/>
+          </a:xfrm>
+        </p:spPr>
         <p:txBody>
           <a:bodyPr/>
           <a:lstStyle/>
@@ -9646,6 +9638,299 @@
               <a:t>10</a:t>
             </a:fld>
             <a:endParaRPr lang="en"/>
+          </a:p>
+        </p:txBody>
+      </p:sp>
+      <p:sp>
+        <p:nvSpPr>
+          <p:cNvPr id="5" name="Text Placeholder 2">
+            <a:extLst>
+              <a:ext uri="{FF2B5EF4-FFF2-40B4-BE49-F238E27FC236}">
+                <a16:creationId xmlns:a16="http://schemas.microsoft.com/office/drawing/2014/main" id="{460373CF-A719-934B-B1FE-75220A1A710C}"/>
+              </a:ext>
+            </a:extLst>
+          </p:cNvPr>
+          <p:cNvSpPr txBox="1">
+            <a:spLocks/>
+          </p:cNvSpPr>
+          <p:nvPr/>
+        </p:nvSpPr>
+        <p:spPr>
+          <a:xfrm>
+            <a:off x="3332136" y="1401789"/>
+            <a:ext cx="2717773" cy="2448000"/>
+          </a:xfrm>
+          <a:prstGeom prst="rect">
+            <a:avLst/>
+          </a:prstGeom>
+          <a:noFill/>
+          <a:ln>
+            <a:noFill/>
+          </a:ln>
+        </p:spPr>
+        <p:txBody>
+          <a:bodyPr spcFirstLastPara="1" wrap="square" lIns="91425" tIns="91425" rIns="91425" bIns="91425" anchor="t" anchorCtr="0"/>
+          <a:lstStyle>
+            <a:defPPr marR="0" lvl="0" algn="l" rtl="0">
+              <a:lnSpc>
+                <a:spcPct val="100000"/>
+              </a:lnSpc>
+              <a:spcBef>
+                <a:spcPts val="0"/>
+              </a:spcBef>
+              <a:spcAft>
+                <a:spcPts val="0"/>
+              </a:spcAft>
+            </a:defPPr>
+            <a:lvl1pPr marL="342900" marR="0" lvl="0" indent="-285750" algn="l" rtl="0">
+              <a:lnSpc>
+                <a:spcPct val="115000"/>
+              </a:lnSpc>
+              <a:spcBef>
+                <a:spcPts val="0"/>
+              </a:spcBef>
+              <a:spcAft>
+                <a:spcPts val="0"/>
+              </a:spcAft>
+              <a:buClr>
+                <a:schemeClr val="dk2"/>
+              </a:buClr>
+              <a:buSzPts val="2400"/>
+              <a:buFont typeface="Calibri"/>
+              <a:buChar char="●"/>
+              <a:defRPr sz="1800" b="0" i="0" u="none" strike="noStrike" cap="none">
+                <a:solidFill>
+                  <a:schemeClr val="dk2"/>
+                </a:solidFill>
+                <a:latin typeface="Calibri"/>
+                <a:ea typeface="Calibri"/>
+                <a:cs typeface="Calibri"/>
+                <a:sym typeface="Calibri"/>
+              </a:defRPr>
+            </a:lvl1pPr>
+            <a:lvl2pPr marL="685800" marR="0" lvl="1" indent="-257175" algn="l" rtl="0">
+              <a:lnSpc>
+                <a:spcPct val="115000"/>
+              </a:lnSpc>
+              <a:spcBef>
+                <a:spcPts val="1200"/>
+              </a:spcBef>
+              <a:spcAft>
+                <a:spcPts val="0"/>
+              </a:spcAft>
+              <a:buClr>
+                <a:schemeClr val="dk2"/>
+              </a:buClr>
+              <a:buSzPts val="1800"/>
+              <a:buFont typeface="Calibri"/>
+              <a:buChar char="○"/>
+              <a:defRPr sz="1350" b="0" i="0" u="none" strike="noStrike" cap="none">
+                <a:solidFill>
+                  <a:schemeClr val="dk2"/>
+                </a:solidFill>
+                <a:latin typeface="Calibri"/>
+                <a:ea typeface="Calibri"/>
+                <a:cs typeface="Calibri"/>
+                <a:sym typeface="Calibri"/>
+              </a:defRPr>
+            </a:lvl2pPr>
+            <a:lvl3pPr marL="1028700" marR="0" lvl="2" indent="-257175" algn="l" rtl="0">
+              <a:lnSpc>
+                <a:spcPct val="115000"/>
+              </a:lnSpc>
+              <a:spcBef>
+                <a:spcPts val="1200"/>
+              </a:spcBef>
+              <a:spcAft>
+                <a:spcPts val="0"/>
+              </a:spcAft>
+              <a:buClr>
+                <a:schemeClr val="dk2"/>
+              </a:buClr>
+              <a:buSzPts val="1800"/>
+              <a:buFont typeface="Calibri"/>
+              <a:buChar char="■"/>
+              <a:defRPr sz="1350" b="0" i="0" u="none" strike="noStrike" cap="none">
+                <a:solidFill>
+                  <a:schemeClr val="dk2"/>
+                </a:solidFill>
+                <a:latin typeface="Calibri"/>
+                <a:ea typeface="Calibri"/>
+                <a:cs typeface="Calibri"/>
+                <a:sym typeface="Calibri"/>
+              </a:defRPr>
+            </a:lvl3pPr>
+            <a:lvl4pPr marL="1371600" marR="0" lvl="3" indent="-257175" algn="l" rtl="0">
+              <a:lnSpc>
+                <a:spcPct val="115000"/>
+              </a:lnSpc>
+              <a:spcBef>
+                <a:spcPts val="1200"/>
+              </a:spcBef>
+              <a:spcAft>
+                <a:spcPts val="0"/>
+              </a:spcAft>
+              <a:buClr>
+                <a:schemeClr val="dk2"/>
+              </a:buClr>
+              <a:buSzPts val="1800"/>
+              <a:buFont typeface="Calibri"/>
+              <a:buChar char="●"/>
+              <a:defRPr sz="1350" b="0" i="0" u="none" strike="noStrike" cap="none">
+                <a:solidFill>
+                  <a:schemeClr val="dk2"/>
+                </a:solidFill>
+                <a:latin typeface="Calibri"/>
+                <a:ea typeface="Calibri"/>
+                <a:cs typeface="Calibri"/>
+                <a:sym typeface="Calibri"/>
+              </a:defRPr>
+            </a:lvl4pPr>
+            <a:lvl5pPr marL="1714500" marR="0" lvl="4" indent="-257175" algn="l" rtl="0">
+              <a:lnSpc>
+                <a:spcPct val="115000"/>
+              </a:lnSpc>
+              <a:spcBef>
+                <a:spcPts val="1200"/>
+              </a:spcBef>
+              <a:spcAft>
+                <a:spcPts val="0"/>
+              </a:spcAft>
+              <a:buClr>
+                <a:schemeClr val="dk2"/>
+              </a:buClr>
+              <a:buSzPts val="1800"/>
+              <a:buFont typeface="Calibri"/>
+              <a:buChar char="○"/>
+              <a:defRPr sz="1350" b="0" i="0" u="none" strike="noStrike" cap="none">
+                <a:solidFill>
+                  <a:schemeClr val="dk2"/>
+                </a:solidFill>
+                <a:latin typeface="Calibri"/>
+                <a:ea typeface="Calibri"/>
+                <a:cs typeface="Calibri"/>
+                <a:sym typeface="Calibri"/>
+              </a:defRPr>
+            </a:lvl5pPr>
+            <a:lvl6pPr marL="2057400" marR="0" lvl="5" indent="-257175" algn="l" rtl="0">
+              <a:lnSpc>
+                <a:spcPct val="115000"/>
+              </a:lnSpc>
+              <a:spcBef>
+                <a:spcPts val="1200"/>
+              </a:spcBef>
+              <a:spcAft>
+                <a:spcPts val="0"/>
+              </a:spcAft>
+              <a:buClr>
+                <a:schemeClr val="dk2"/>
+              </a:buClr>
+              <a:buSzPts val="1800"/>
+              <a:buFont typeface="Calibri"/>
+              <a:buChar char="■"/>
+              <a:defRPr sz="1350" b="0" i="0" u="none" strike="noStrike" cap="none">
+                <a:solidFill>
+                  <a:schemeClr val="dk2"/>
+                </a:solidFill>
+                <a:latin typeface="Calibri"/>
+                <a:ea typeface="Calibri"/>
+                <a:cs typeface="Calibri"/>
+                <a:sym typeface="Calibri"/>
+              </a:defRPr>
+            </a:lvl6pPr>
+            <a:lvl7pPr marL="2400300" marR="0" lvl="6" indent="-257175" algn="l" rtl="0">
+              <a:lnSpc>
+                <a:spcPct val="115000"/>
+              </a:lnSpc>
+              <a:spcBef>
+                <a:spcPts val="1200"/>
+              </a:spcBef>
+              <a:spcAft>
+                <a:spcPts val="0"/>
+              </a:spcAft>
+              <a:buClr>
+                <a:schemeClr val="dk2"/>
+              </a:buClr>
+              <a:buSzPts val="1800"/>
+              <a:buFont typeface="Calibri"/>
+              <a:buChar char="●"/>
+              <a:defRPr sz="1350" b="0" i="0" u="none" strike="noStrike" cap="none">
+                <a:solidFill>
+                  <a:schemeClr val="dk2"/>
+                </a:solidFill>
+                <a:latin typeface="Calibri"/>
+                <a:ea typeface="Calibri"/>
+                <a:cs typeface="Calibri"/>
+                <a:sym typeface="Calibri"/>
+              </a:defRPr>
+            </a:lvl7pPr>
+            <a:lvl8pPr marL="2743200" marR="0" lvl="7" indent="-257175" algn="l" rtl="0">
+              <a:lnSpc>
+                <a:spcPct val="115000"/>
+              </a:lnSpc>
+              <a:spcBef>
+                <a:spcPts val="1200"/>
+              </a:spcBef>
+              <a:spcAft>
+                <a:spcPts val="0"/>
+              </a:spcAft>
+              <a:buClr>
+                <a:schemeClr val="dk2"/>
+              </a:buClr>
+              <a:buSzPts val="1800"/>
+              <a:buFont typeface="Calibri"/>
+              <a:buChar char="○"/>
+              <a:defRPr sz="1350" b="0" i="0" u="none" strike="noStrike" cap="none">
+                <a:solidFill>
+                  <a:schemeClr val="dk2"/>
+                </a:solidFill>
+                <a:latin typeface="Calibri"/>
+                <a:ea typeface="Calibri"/>
+                <a:cs typeface="Calibri"/>
+                <a:sym typeface="Calibri"/>
+              </a:defRPr>
+            </a:lvl8pPr>
+            <a:lvl9pPr marL="3086100" marR="0" lvl="8" indent="-257175" algn="l" rtl="0">
+              <a:lnSpc>
+                <a:spcPct val="115000"/>
+              </a:lnSpc>
+              <a:spcBef>
+                <a:spcPts val="1200"/>
+              </a:spcBef>
+              <a:spcAft>
+                <a:spcPts val="1200"/>
+              </a:spcAft>
+              <a:buClr>
+                <a:schemeClr val="dk2"/>
+              </a:buClr>
+              <a:buSzPts val="1800"/>
+              <a:buFont typeface="Calibri"/>
+              <a:buChar char="■"/>
+              <a:defRPr sz="1350" b="0" i="0" u="none" strike="noStrike" cap="none">
+                <a:solidFill>
+                  <a:schemeClr val="dk2"/>
+                </a:solidFill>
+                <a:latin typeface="Calibri"/>
+                <a:ea typeface="Calibri"/>
+                <a:cs typeface="Calibri"/>
+                <a:sym typeface="Calibri"/>
+              </a:defRPr>
+            </a:lvl9pPr>
+          </a:lstStyle>
+          <a:p>
+            <a:r>
+              <a:rPr lang="en-US" dirty="0"/>
+              <a:t>Prognosis</a:t>
+            </a:r>
+          </a:p>
+          <a:p>
+            <a:r>
+              <a:rPr lang="en-US" dirty="0"/>
+              <a:t>Survival (absolute risk)</a:t>
+            </a:r>
+          </a:p>
+          <a:p>
+            <a:endParaRPr lang="en-US" dirty="0"/>
           </a:p>
         </p:txBody>
       </p:sp>
@@ -11496,14 +11781,19 @@
             <p:ph type="title"/>
           </p:nvPr>
         </p:nvSpPr>
-        <p:spPr/>
+        <p:spPr>
+          <a:xfrm>
+            <a:off x="498194" y="854034"/>
+            <a:ext cx="6090213" cy="954600"/>
+          </a:xfrm>
+        </p:spPr>
         <p:txBody>
           <a:bodyPr/>
           <a:lstStyle/>
           <a:p>
             <a:r>
               <a:rPr lang="en-US" dirty="0"/>
-              <a:t>Hazard function. 		cox</a:t>
+              <a:t>Hazard function 	  Cox Hazard ratio</a:t>
             </a:r>
           </a:p>
         </p:txBody>
@@ -11548,8 +11838,20 @@
             </a:r>
             <a:r>
               <a:rPr lang="en-US" dirty="0"/>
-              <a:t>: hazard function</a:t>
+              <a:t>: hazard function.</a:t>
             </a:r>
+            <a:br>
+              <a:rPr lang="en-US" dirty="0"/>
+            </a:br>
+            <a:r>
+              <a:rPr lang="en-US" dirty="0"/>
+              <a:t>- Probability of experiencing the event </a:t>
+            </a:r>
+            <a:r>
+              <a:rPr lang="en-US"/>
+              <a:t>over time.</a:t>
+            </a:r>
+            <a:endParaRPr lang="en-US" dirty="0"/>
           </a:p>
           <a:p>
             <a:r>
@@ -11637,7 +11939,7 @@
         </p:blipFill>
         <p:spPr>
           <a:xfrm>
-            <a:off x="614363" y="1993087"/>
+            <a:off x="614363" y="1462190"/>
             <a:ext cx="1975457" cy="324038"/>
           </a:xfrm>
           <a:prstGeom prst="rect">
@@ -11667,7 +11969,7 @@
         </p:blipFill>
         <p:spPr>
           <a:xfrm>
-            <a:off x="3543301" y="1808634"/>
+            <a:off x="3543300" y="1462190"/>
             <a:ext cx="2700337" cy="692944"/>
           </a:xfrm>
           <a:prstGeom prst="rect">

--- a/Intro To Survival Analysis.pptx
+++ b/Intro To Survival Analysis.pptx
@@ -9470,10 +9470,10 @@
           <a:lstStyle/>
           <a:p>
             <a:r>
-              <a:rPr lang="en"/>
+              <a:rPr lang="en" dirty="0"/>
               <a:t>Intro To Survival Analysis</a:t>
             </a:r>
-            <a:endParaRPr/>
+            <a:endParaRPr dirty="0"/>
           </a:p>
         </p:txBody>
       </p:sp>
@@ -9504,8 +9504,15 @@
           <a:p>
             <a:pPr marL="0" indent="0"/>
             <a:r>
-              <a:rPr lang="en" dirty="0"/>
+              <a:rPr lang="en" sz="2800" dirty="0"/>
               <a:t>Jesse Islam</a:t>
+            </a:r>
+            <a:br>
+              <a:rPr lang="en" sz="2800" dirty="0"/>
+            </a:br>
+            <a:r>
+              <a:rPr lang="en" sz="2800" dirty="0"/>
+              <a:t>QLS program</a:t>
             </a:r>
             <a:br>
               <a:rPr lang="en" dirty="0"/>
@@ -9658,7 +9665,7 @@
         <p:spPr>
           <a:xfrm>
             <a:off x="3332136" y="1401789"/>
-            <a:ext cx="2717773" cy="2448000"/>
+            <a:ext cx="2960915" cy="2448000"/>
           </a:xfrm>
           <a:prstGeom prst="rect">
             <a:avLst/>
@@ -9927,6 +9934,12 @@
             <a:r>
               <a:rPr lang="en-US" dirty="0"/>
               <a:t>Survival (absolute risk)</a:t>
+            </a:r>
+          </a:p>
+          <a:p>
+            <a:r>
+              <a:rPr lang="en-US" dirty="0"/>
+              <a:t>Unfavorable observation to covariate ratios</a:t>
             </a:r>
           </a:p>
           <a:p>
@@ -10831,6 +10844,41 @@
           </a:p>
         </p:txBody>
       </p:sp>
+      <p:sp>
+        <p:nvSpPr>
+          <p:cNvPr id="2" name="TextBox 1">
+            <a:extLst>
+              <a:ext uri="{FF2B5EF4-FFF2-40B4-BE49-F238E27FC236}">
+                <a16:creationId xmlns:a16="http://schemas.microsoft.com/office/drawing/2014/main" id="{AA4DDEA7-0C64-0C4B-BD11-C6CED09F694B}"/>
+              </a:ext>
+            </a:extLst>
+          </p:cNvPr>
+          <p:cNvSpPr txBox="1"/>
+          <p:nvPr/>
+        </p:nvSpPr>
+        <p:spPr>
+          <a:xfrm>
+            <a:off x="3857476" y="3595607"/>
+            <a:ext cx="2225609" cy="523220"/>
+          </a:xfrm>
+          <a:prstGeom prst="rect">
+            <a:avLst/>
+          </a:prstGeom>
+          <a:noFill/>
+        </p:spPr>
+        <p:txBody>
+          <a:bodyPr wrap="square" rtlCol="0">
+            <a:spAutoFit/>
+          </a:bodyPr>
+          <a:lstStyle/>
+          <a:p>
+            <a:r>
+              <a:rPr lang="en-US" dirty="0"/>
+              <a:t>About censoring ????????</a:t>
+            </a:r>
+          </a:p>
+        </p:txBody>
+      </p:sp>
     </p:spTree>
   </p:cSld>
   <p:clrMapOvr>
@@ -11740,6 +11788,41 @@
           </a:p>
         </p:txBody>
       </p:sp>
+      <p:sp>
+        <p:nvSpPr>
+          <p:cNvPr id="2" name="TextBox 1">
+            <a:extLst>
+              <a:ext uri="{FF2B5EF4-FFF2-40B4-BE49-F238E27FC236}">
+                <a16:creationId xmlns:a16="http://schemas.microsoft.com/office/drawing/2014/main" id="{F8E23074-EF37-6445-9D4C-B71A0B6B886B}"/>
+              </a:ext>
+            </a:extLst>
+          </p:cNvPr>
+          <p:cNvSpPr txBox="1"/>
+          <p:nvPr/>
+        </p:nvSpPr>
+        <p:spPr>
+          <a:xfrm>
+            <a:off x="2789888" y="4417017"/>
+            <a:ext cx="1518641" cy="523220"/>
+          </a:xfrm>
+          <a:prstGeom prst="rect">
+            <a:avLst/>
+          </a:prstGeom>
+          <a:noFill/>
+        </p:spPr>
+        <p:txBody>
+          <a:bodyPr wrap="square" rtlCol="0">
+            <a:spAutoFit/>
+          </a:bodyPr>
+          <a:lstStyle/>
+          <a:p>
+            <a:r>
+              <a:rPr lang="en-US" dirty="0"/>
+              <a:t>Censored Event ???????</a:t>
+            </a:r>
+          </a:p>
+        </p:txBody>
+      </p:sp>
     </p:spTree>
   </p:cSld>
   <p:clrMapOvr>
@@ -11845,13 +11928,8 @@
             </a:br>
             <a:r>
               <a:rPr lang="en-US" dirty="0"/>
-              <a:t>- Probability of experiencing the event </a:t>
+              <a:t>- Probability of experiencing the event over time.</a:t>
             </a:r>
-            <a:r>
-              <a:rPr lang="en-US"/>
-              <a:t>over time.</a:t>
-            </a:r>
-            <a:endParaRPr lang="en-US" dirty="0"/>
           </a:p>
           <a:p>
             <a:r>

--- a/Intro To Survival Analysis.pptx
+++ b/Intro To Survival Analysis.pptx
@@ -30,7 +30,7 @@
       <p:boldItalic r:id="rId16"/>
     </p:embeddedFont>
     <p:embeddedFont>
-      <p:font typeface="Nunito" pitchFamily="2" charset="77"/>
+      <p:font typeface="Nunito" panose="020B0604020202020204" charset="0"/>
       <p:regular r:id="rId17"/>
       <p:bold r:id="rId18"/>
       <p:italic r:id="rId19"/>
@@ -9504,20 +9504,333 @@
           <a:p>
             <a:pPr marL="0" indent="0"/>
             <a:r>
-              <a:rPr lang="en" sz="2800" dirty="0"/>
+              <a:rPr lang="en" sz="2400" dirty="0"/>
               <a:t>Jesse Islam</a:t>
             </a:r>
             <a:br>
-              <a:rPr lang="en" sz="2800" dirty="0"/>
+              <a:rPr lang="en" sz="2400" dirty="0"/>
             </a:br>
             <a:r>
-              <a:rPr lang="en" sz="2800" dirty="0"/>
-              <a:t>QLS program</a:t>
+              <a:rPr lang="en-US" sz="2400" dirty="0"/>
+              <a:t>PhD student: QLS</a:t>
+            </a:r>
+          </a:p>
+        </p:txBody>
+      </p:sp>
+      <p:sp>
+        <p:nvSpPr>
+          <p:cNvPr id="4" name="Google Shape;129;p13">
+            <a:extLst>
+              <a:ext uri="{FF2B5EF4-FFF2-40B4-BE49-F238E27FC236}">
+                <a16:creationId xmlns:a16="http://schemas.microsoft.com/office/drawing/2014/main" id="{D02F15D8-D565-45D7-9DD0-3E67F682C5FD}"/>
+              </a:ext>
+            </a:extLst>
+          </p:cNvPr>
+          <p:cNvSpPr txBox="1">
+            <a:spLocks/>
+          </p:cNvSpPr>
+          <p:nvPr/>
+        </p:nvSpPr>
+        <p:spPr>
+          <a:xfrm>
+            <a:off x="4040662" y="3718874"/>
+            <a:ext cx="1474087" cy="786152"/>
+          </a:xfrm>
+          <a:prstGeom prst="rect">
+            <a:avLst/>
+          </a:prstGeom>
+          <a:noFill/>
+          <a:ln>
+            <a:noFill/>
+          </a:ln>
+        </p:spPr>
+        <p:txBody>
+          <a:bodyPr spcFirstLastPara="1" wrap="square" lIns="68569" tIns="68569" rIns="68569" bIns="68569" anchor="t" anchorCtr="0">
+            <a:noAutofit/>
+          </a:bodyPr>
+          <a:lstStyle>
+            <a:defPPr marR="0" lvl="0" algn="l" rtl="0">
+              <a:lnSpc>
+                <a:spcPct val="100000"/>
+              </a:lnSpc>
+              <a:spcBef>
+                <a:spcPts val="0"/>
+              </a:spcBef>
+              <a:spcAft>
+                <a:spcPts val="0"/>
+              </a:spcAft>
+            </a:defPPr>
+            <a:lvl1pPr marL="457200" marR="0" lvl="0" indent="-342900" algn="ctr" rtl="0">
+              <a:lnSpc>
+                <a:spcPct val="100000"/>
+              </a:lnSpc>
+              <a:spcBef>
+                <a:spcPts val="0"/>
+              </a:spcBef>
+              <a:spcAft>
+                <a:spcPts val="0"/>
+              </a:spcAft>
+              <a:buClr>
+                <a:schemeClr val="lt1"/>
+              </a:buClr>
+              <a:buSzPts val="1600"/>
+              <a:buFont typeface="Calibri"/>
+              <a:buNone/>
+              <a:defRPr sz="1200" b="0" i="0" u="none" strike="noStrike" cap="none">
+                <a:solidFill>
+                  <a:schemeClr val="lt1"/>
+                </a:solidFill>
+                <a:latin typeface="Calibri"/>
+                <a:ea typeface="Calibri"/>
+                <a:cs typeface="Calibri"/>
+                <a:sym typeface="Calibri"/>
+              </a:defRPr>
+            </a:lvl1pPr>
+            <a:lvl2pPr marL="914400" marR="0" lvl="1" indent="-317500" algn="ctr" rtl="0">
+              <a:lnSpc>
+                <a:spcPct val="100000"/>
+              </a:lnSpc>
+              <a:spcBef>
+                <a:spcPts val="0"/>
+              </a:spcBef>
+              <a:spcAft>
+                <a:spcPts val="0"/>
+              </a:spcAft>
+              <a:buClr>
+                <a:schemeClr val="lt1"/>
+              </a:buClr>
+              <a:buSzPts val="1600"/>
+              <a:buFont typeface="Calibri"/>
+              <a:buNone/>
+              <a:defRPr sz="1200" b="0" i="0" u="none" strike="noStrike" cap="none">
+                <a:solidFill>
+                  <a:schemeClr val="lt1"/>
+                </a:solidFill>
+                <a:latin typeface="Calibri"/>
+                <a:ea typeface="Calibri"/>
+                <a:cs typeface="Calibri"/>
+                <a:sym typeface="Calibri"/>
+              </a:defRPr>
+            </a:lvl2pPr>
+            <a:lvl3pPr marL="1371600" marR="0" lvl="2" indent="-317500" algn="ctr" rtl="0">
+              <a:lnSpc>
+                <a:spcPct val="100000"/>
+              </a:lnSpc>
+              <a:spcBef>
+                <a:spcPts val="0"/>
+              </a:spcBef>
+              <a:spcAft>
+                <a:spcPts val="0"/>
+              </a:spcAft>
+              <a:buClr>
+                <a:schemeClr val="lt1"/>
+              </a:buClr>
+              <a:buSzPts val="1600"/>
+              <a:buFont typeface="Calibri"/>
+              <a:buNone/>
+              <a:defRPr sz="1200" b="0" i="0" u="none" strike="noStrike" cap="none">
+                <a:solidFill>
+                  <a:schemeClr val="lt1"/>
+                </a:solidFill>
+                <a:latin typeface="Calibri"/>
+                <a:ea typeface="Calibri"/>
+                <a:cs typeface="Calibri"/>
+                <a:sym typeface="Calibri"/>
+              </a:defRPr>
+            </a:lvl3pPr>
+            <a:lvl4pPr marL="1828800" marR="0" lvl="3" indent="-317500" algn="ctr" rtl="0">
+              <a:lnSpc>
+                <a:spcPct val="100000"/>
+              </a:lnSpc>
+              <a:spcBef>
+                <a:spcPts val="0"/>
+              </a:spcBef>
+              <a:spcAft>
+                <a:spcPts val="0"/>
+              </a:spcAft>
+              <a:buClr>
+                <a:schemeClr val="lt1"/>
+              </a:buClr>
+              <a:buSzPts val="1600"/>
+              <a:buFont typeface="Calibri"/>
+              <a:buNone/>
+              <a:defRPr sz="1200" b="0" i="0" u="none" strike="noStrike" cap="none">
+                <a:solidFill>
+                  <a:schemeClr val="lt1"/>
+                </a:solidFill>
+                <a:latin typeface="Calibri"/>
+                <a:ea typeface="Calibri"/>
+                <a:cs typeface="Calibri"/>
+                <a:sym typeface="Calibri"/>
+              </a:defRPr>
+            </a:lvl4pPr>
+            <a:lvl5pPr marL="2286000" marR="0" lvl="4" indent="-317500" algn="ctr" rtl="0">
+              <a:lnSpc>
+                <a:spcPct val="100000"/>
+              </a:lnSpc>
+              <a:spcBef>
+                <a:spcPts val="0"/>
+              </a:spcBef>
+              <a:spcAft>
+                <a:spcPts val="0"/>
+              </a:spcAft>
+              <a:buClr>
+                <a:schemeClr val="lt1"/>
+              </a:buClr>
+              <a:buSzPts val="1600"/>
+              <a:buFont typeface="Calibri"/>
+              <a:buNone/>
+              <a:defRPr sz="1200" b="0" i="0" u="none" strike="noStrike" cap="none">
+                <a:solidFill>
+                  <a:schemeClr val="lt1"/>
+                </a:solidFill>
+                <a:latin typeface="Calibri"/>
+                <a:ea typeface="Calibri"/>
+                <a:cs typeface="Calibri"/>
+                <a:sym typeface="Calibri"/>
+              </a:defRPr>
+            </a:lvl5pPr>
+            <a:lvl6pPr marL="2743200" marR="0" lvl="5" indent="-317500" algn="ctr" rtl="0">
+              <a:lnSpc>
+                <a:spcPct val="100000"/>
+              </a:lnSpc>
+              <a:spcBef>
+                <a:spcPts val="0"/>
+              </a:spcBef>
+              <a:spcAft>
+                <a:spcPts val="0"/>
+              </a:spcAft>
+              <a:buClr>
+                <a:schemeClr val="lt1"/>
+              </a:buClr>
+              <a:buSzPts val="1600"/>
+              <a:buFont typeface="Calibri"/>
+              <a:buNone/>
+              <a:defRPr sz="1200" b="0" i="0" u="none" strike="noStrike" cap="none">
+                <a:solidFill>
+                  <a:schemeClr val="lt1"/>
+                </a:solidFill>
+                <a:latin typeface="Calibri"/>
+                <a:ea typeface="Calibri"/>
+                <a:cs typeface="Calibri"/>
+                <a:sym typeface="Calibri"/>
+              </a:defRPr>
+            </a:lvl6pPr>
+            <a:lvl7pPr marL="3200400" marR="0" lvl="6" indent="-317500" algn="ctr" rtl="0">
+              <a:lnSpc>
+                <a:spcPct val="100000"/>
+              </a:lnSpc>
+              <a:spcBef>
+                <a:spcPts val="0"/>
+              </a:spcBef>
+              <a:spcAft>
+                <a:spcPts val="0"/>
+              </a:spcAft>
+              <a:buClr>
+                <a:schemeClr val="lt1"/>
+              </a:buClr>
+              <a:buSzPts val="1600"/>
+              <a:buFont typeface="Calibri"/>
+              <a:buNone/>
+              <a:defRPr sz="1200" b="0" i="0" u="none" strike="noStrike" cap="none">
+                <a:solidFill>
+                  <a:schemeClr val="lt1"/>
+                </a:solidFill>
+                <a:latin typeface="Calibri"/>
+                <a:ea typeface="Calibri"/>
+                <a:cs typeface="Calibri"/>
+                <a:sym typeface="Calibri"/>
+              </a:defRPr>
+            </a:lvl7pPr>
+            <a:lvl8pPr marL="3657600" marR="0" lvl="7" indent="-317500" algn="ctr" rtl="0">
+              <a:lnSpc>
+                <a:spcPct val="100000"/>
+              </a:lnSpc>
+              <a:spcBef>
+                <a:spcPts val="0"/>
+              </a:spcBef>
+              <a:spcAft>
+                <a:spcPts val="0"/>
+              </a:spcAft>
+              <a:buClr>
+                <a:schemeClr val="lt1"/>
+              </a:buClr>
+              <a:buSzPts val="1600"/>
+              <a:buFont typeface="Calibri"/>
+              <a:buNone/>
+              <a:defRPr sz="1200" b="0" i="0" u="none" strike="noStrike" cap="none">
+                <a:solidFill>
+                  <a:schemeClr val="lt1"/>
+                </a:solidFill>
+                <a:latin typeface="Calibri"/>
+                <a:ea typeface="Calibri"/>
+                <a:cs typeface="Calibri"/>
+                <a:sym typeface="Calibri"/>
+              </a:defRPr>
+            </a:lvl8pPr>
+            <a:lvl9pPr marL="4114800" marR="0" lvl="8" indent="-317500" algn="ctr" rtl="0">
+              <a:lnSpc>
+                <a:spcPct val="100000"/>
+              </a:lnSpc>
+              <a:spcBef>
+                <a:spcPts val="0"/>
+              </a:spcBef>
+              <a:spcAft>
+                <a:spcPts val="0"/>
+              </a:spcAft>
+              <a:buClr>
+                <a:schemeClr val="lt1"/>
+              </a:buClr>
+              <a:buSzPts val="1600"/>
+              <a:buFont typeface="Calibri"/>
+              <a:buNone/>
+              <a:defRPr sz="1200" b="0" i="0" u="none" strike="noStrike" cap="none">
+                <a:solidFill>
+                  <a:schemeClr val="lt1"/>
+                </a:solidFill>
+                <a:latin typeface="Calibri"/>
+                <a:ea typeface="Calibri"/>
+                <a:cs typeface="Calibri"/>
+                <a:sym typeface="Calibri"/>
+              </a:defRPr>
+            </a:lvl9pPr>
+          </a:lstStyle>
+          <a:p>
+            <a:pPr marL="0" indent="0"/>
+            <a:r>
+              <a:rPr lang="en-US" sz="1400" dirty="0"/>
+              <a:t>Co-supervised by:</a:t>
+            </a:r>
+          </a:p>
+          <a:p>
+            <a:pPr marL="0" indent="0"/>
+            <a:r>
+              <a:rPr lang="en-US" sz="1400" dirty="0"/>
+              <a:t>-</a:t>
+            </a:r>
+            <a:r>
+              <a:rPr lang="en-US" sz="1400" dirty="0" err="1"/>
+              <a:t>Sahir</a:t>
+            </a:r>
+            <a:r>
+              <a:rPr lang="en-US" sz="1400" dirty="0"/>
+              <a:t> Bhatnagar </a:t>
+            </a:r>
+          </a:p>
+          <a:p>
+            <a:pPr marL="0" indent="0"/>
+            <a:r>
+              <a:rPr lang="en-US" sz="1400" dirty="0"/>
+              <a:t>-Robert </a:t>
+            </a:r>
+            <a:r>
+              <a:rPr lang="en-US" sz="1400" dirty="0" err="1"/>
+              <a:t>Sladek</a:t>
             </a:r>
             <a:br>
-              <a:rPr lang="en" dirty="0"/>
+              <a:rPr lang="en-US" sz="1000" dirty="0"/>
             </a:br>
-            <a:endParaRPr dirty="0"/>
+            <a:endParaRPr lang="en-US" sz="1000" dirty="0"/>
           </a:p>
         </p:txBody>
       </p:sp>
@@ -9935,15 +10248,6 @@
               <a:rPr lang="en-US" dirty="0"/>
               <a:t>Survival (absolute risk)</a:t>
             </a:r>
-          </a:p>
-          <a:p>
-            <a:r>
-              <a:rPr lang="en-US" dirty="0"/>
-              <a:t>Unfavorable observation to covariate ratios</a:t>
-            </a:r>
-          </a:p>
-          <a:p>
-            <a:endParaRPr lang="en-US" dirty="0"/>
           </a:p>
         </p:txBody>
       </p:sp>
@@ -10858,8 +11162,8 @@
         </p:nvSpPr>
         <p:spPr>
           <a:xfrm>
-            <a:off x="3857476" y="3595607"/>
-            <a:ext cx="2225609" cy="523220"/>
+            <a:off x="3478224" y="3684022"/>
+            <a:ext cx="3092393" cy="461665"/>
           </a:xfrm>
           <a:prstGeom prst="rect">
             <a:avLst/>
@@ -10873,8 +11177,8 @@
           <a:lstStyle/>
           <a:p>
             <a:r>
-              <a:rPr lang="en-US" dirty="0"/>
-              <a:t>About censoring ????????</a:t>
+              <a:rPr lang="en-US" sz="1200" dirty="0"/>
+              <a:t>Censored: Individual may experience the event of interest after follow-up has ended.</a:t>
             </a:r>
           </a:p>
         </p:txBody>
@@ -11126,10 +11430,10 @@
               <a:buNone/>
             </a:pPr>
             <a:r>
-              <a:rPr lang="en"/>
+              <a:rPr lang="en" dirty="0"/>
               <a:t>Survivor function: probability of surviving past Survival time t.</a:t>
             </a:r>
-            <a:endParaRPr/>
+            <a:endParaRPr dirty="0"/>
           </a:p>
           <a:p>
             <a:pPr>
@@ -11139,10 +11443,10 @@
               <a:buChar char="-"/>
             </a:pPr>
             <a:r>
-              <a:rPr lang="en"/>
+              <a:rPr lang="en" dirty="0"/>
               <a:t>Two things we care about: </a:t>
             </a:r>
-            <a:endParaRPr/>
+            <a:endParaRPr dirty="0"/>
           </a:p>
           <a:p>
             <a:pPr lvl="1">
@@ -11152,10 +11456,10 @@
               <a:buChar char="-"/>
             </a:pPr>
             <a:r>
-              <a:rPr lang="en"/>
+              <a:rPr lang="en" dirty="0"/>
               <a:t>Surviving past t.</a:t>
             </a:r>
-            <a:endParaRPr/>
+            <a:endParaRPr dirty="0"/>
           </a:p>
           <a:p>
             <a:pPr lvl="1">
@@ -11165,10 +11469,10 @@
               <a:buChar char="-"/>
             </a:pPr>
             <a:r>
-              <a:rPr lang="en"/>
+              <a:rPr lang="en" dirty="0"/>
               <a:t>Surviving at least t.</a:t>
             </a:r>
-            <a:endParaRPr/>
+            <a:endParaRPr dirty="0"/>
           </a:p>
         </p:txBody>
       </p:sp>
@@ -11736,7 +12040,7 @@
           <a:noFill/>
           <a:ln w="28575" cap="flat" cmpd="sng">
             <a:solidFill>
-              <a:srgbClr val="000000"/>
+              <a:schemeClr val="accent6"/>
             </a:solidFill>
             <a:prstDash val="solid"/>
             <a:round/>
@@ -11790,10 +12094,10 @@
       </p:sp>
       <p:sp>
         <p:nvSpPr>
-          <p:cNvPr id="2" name="TextBox 1">
+          <p:cNvPr id="3" name="TextBox 2">
             <a:extLst>
               <a:ext uri="{FF2B5EF4-FFF2-40B4-BE49-F238E27FC236}">
-                <a16:creationId xmlns:a16="http://schemas.microsoft.com/office/drawing/2014/main" id="{F8E23074-EF37-6445-9D4C-B71A0B6B886B}"/>
+                <a16:creationId xmlns:a16="http://schemas.microsoft.com/office/drawing/2014/main" id="{1DAAB905-4A97-4C5A-A980-2FD351DADA77}"/>
               </a:ext>
             </a:extLst>
           </p:cNvPr>
@@ -11802,8 +12106,8 @@
         </p:nvSpPr>
         <p:spPr>
           <a:xfrm>
-            <a:off x="2789888" y="4417017"/>
-            <a:ext cx="1518641" cy="523220"/>
+            <a:off x="4545760" y="2417301"/>
+            <a:ext cx="1770017" cy="307777"/>
           </a:xfrm>
           <a:prstGeom prst="rect">
             <a:avLst/>
@@ -11817,8 +12121,12 @@
           <a:lstStyle/>
           <a:p>
             <a:r>
-              <a:rPr lang="en-US" dirty="0"/>
-              <a:t>Censored Event ???????</a:t>
+              <a:rPr lang="en-US" dirty="0">
+                <a:solidFill>
+                  <a:schemeClr val="accent6"/>
+                </a:solidFill>
+              </a:rPr>
+              <a:t>Censored individual</a:t>
             </a:r>
           </a:p>
         </p:txBody>
@@ -11928,7 +12236,15 @@
             </a:br>
             <a:r>
               <a:rPr lang="en-US" dirty="0"/>
-              <a:t>- Probability of experiencing the event over time.</a:t>
+              <a:t>- Instantaneous potential of experiencing an event, given you have survived up to time </a:t>
+            </a:r>
+            <a:r>
+              <a:rPr lang="en-US" i="1" dirty="0"/>
+              <a:t>t</a:t>
+            </a:r>
+            <a:r>
+              <a:rPr lang="en-US" dirty="0"/>
+              <a:t>.</a:t>
             </a:r>
           </a:p>
           <a:p>
